--- a/docs/list/Projects_logo.pptx
+++ b/docs/list/Projects_logo.pptx
@@ -4,6 +4,9 @@
   <p:sldMasterIdLst>
     <p:sldMasterId id="2147483648" r:id="rId1"/>
   </p:sldMasterIdLst>
+  <p:notesMasterIdLst>
+    <p:notesMasterId r:id="rId19"/>
+  </p:notesMasterIdLst>
   <p:sldIdLst>
     <p:sldId id="298" r:id="rId3"/>
     <p:sldId id="318" r:id="rId4"/>
@@ -16,16 +19,36 @@
     <p:sldId id="272" r:id="rId11"/>
     <p:sldId id="274" r:id="rId12"/>
     <p:sldId id="275" r:id="rId13"/>
-    <p:sldId id="276" r:id="rId14"/>
-    <p:sldId id="299" r:id="rId15"/>
-    <p:sldId id="286" r:id="rId16"/>
-    <p:sldId id="265" r:id="rId17"/>
-    <p:sldId id="277" r:id="rId18"/>
-    <p:sldId id="267" r:id="rId19"/>
-    <p:sldId id="268" r:id="rId20"/>
-    <p:sldId id="269" r:id="rId21"/>
-    <p:sldId id="270" r:id="rId22"/>
-    <p:sldId id="271" r:id="rId23"/>
+    <p:sldId id="286" r:id="rId14"/>
+    <p:sldId id="265" r:id="rId15"/>
+    <p:sldId id="277" r:id="rId16"/>
+    <p:sldId id="267" r:id="rId17"/>
+    <p:sldId id="268" r:id="rId18"/>
+    <p:sldId id="269" r:id="rId20"/>
+    <p:sldId id="270" r:id="rId21"/>
+    <p:sldId id="340" r:id="rId22"/>
+    <p:sldId id="338" r:id="rId23"/>
+    <p:sldId id="339" r:id="rId24"/>
+    <p:sldId id="341" r:id="rId25"/>
+    <p:sldId id="343" r:id="rId26"/>
+    <p:sldId id="342" r:id="rId27"/>
+    <p:sldId id="271" r:id="rId28"/>
+    <p:sldId id="344" r:id="rId29"/>
+    <p:sldId id="348" r:id="rId30"/>
+    <p:sldId id="345" r:id="rId31"/>
+    <p:sldId id="346" r:id="rId32"/>
+    <p:sldId id="347" r:id="rId33"/>
+    <p:sldId id="349" r:id="rId34"/>
+    <p:sldId id="351" r:id="rId35"/>
+    <p:sldId id="352" r:id="rId36"/>
+    <p:sldId id="353" r:id="rId37"/>
+    <p:sldId id="354" r:id="rId38"/>
+    <p:sldId id="355" r:id="rId39"/>
+    <p:sldId id="356" r:id="rId40"/>
+    <p:sldId id="357" r:id="rId41"/>
+    <p:sldId id="358" r:id="rId42"/>
+    <p:sldId id="359" r:id="rId43"/>
+    <p:sldId id="350" r:id="rId44"/>
   </p:sldIdLst>
   <p:sldSz cx="12192000" cy="6858000"/>
   <p:notesSz cx="6858000" cy="9144000"/>
@@ -125,6 +148,617 @@
     </a:lvl9pPr>
   </p:defaultTextStyle>
 </p:presentation>
+</file>
+
+<file path=ppt/notesMasters/notesMaster1.xml><?xml version="1.0" encoding="utf-8"?>
+<p:notesMaster xmlns:a="http://schemas.openxmlformats.org/drawingml/2006/main" xmlns:r="http://schemas.openxmlformats.org/officeDocument/2006/relationships" xmlns:p="http://schemas.openxmlformats.org/presentationml/2006/main">
+  <p:cSld>
+    <p:bg>
+      <p:bgRef idx="1001">
+        <a:schemeClr val="bg1"/>
+      </p:bgRef>
+    </p:bg>
+    <p:spTree>
+      <p:nvGrpSpPr>
+        <p:cNvPr id="1" name=""/>
+        <p:cNvGrpSpPr/>
+        <p:nvPr/>
+      </p:nvGrpSpPr>
+      <p:grpSpPr>
+        <a:xfrm>
+          <a:off x="0" y="0"/>
+          <a:ext cx="0" cy="0"/>
+          <a:chOff x="0" y="0"/>
+          <a:chExt cx="0" cy="0"/>
+        </a:xfrm>
+      </p:grpSpPr>
+      <p:sp>
+        <p:nvSpPr>
+          <p:cNvPr id="2" name="页眉占位符 1"/>
+          <p:cNvSpPr>
+            <a:spLocks noGrp="1"/>
+          </p:cNvSpPr>
+          <p:nvPr>
+            <p:ph type="hdr" sz="quarter"/>
+          </p:nvPr>
+        </p:nvSpPr>
+        <p:spPr>
+          <a:xfrm>
+            <a:off x="0" y="0"/>
+            <a:ext cx="2971800" cy="458788"/>
+          </a:xfrm>
+          <a:prstGeom prst="rect">
+            <a:avLst/>
+          </a:prstGeom>
+        </p:spPr>
+        <p:txBody>
+          <a:bodyPr vert="horz" lIns="91440" tIns="45720" rIns="91440" bIns="45720" rtlCol="0"/>
+          <a:lstStyle>
+            <a:lvl1pPr algn="l">
+              <a:defRPr sz="1200"/>
+            </a:lvl1pPr>
+          </a:lstStyle>
+          <a:p>
+            <a:endParaRPr lang="zh-CN" altLang="en-US"/>
+          </a:p>
+        </p:txBody>
+      </p:sp>
+      <p:sp>
+        <p:nvSpPr>
+          <p:cNvPr id="3" name="日期占位符 2"/>
+          <p:cNvSpPr>
+            <a:spLocks noGrp="1"/>
+          </p:cNvSpPr>
+          <p:nvPr>
+            <p:ph type="dt" idx="1"/>
+          </p:nvPr>
+        </p:nvSpPr>
+        <p:spPr>
+          <a:xfrm>
+            <a:off x="3884613" y="0"/>
+            <a:ext cx="2971800" cy="458788"/>
+          </a:xfrm>
+          <a:prstGeom prst="rect">
+            <a:avLst/>
+          </a:prstGeom>
+        </p:spPr>
+        <p:txBody>
+          <a:bodyPr vert="horz" lIns="91440" tIns="45720" rIns="91440" bIns="45720" rtlCol="0"/>
+          <a:lstStyle>
+            <a:lvl1pPr algn="r">
+              <a:defRPr sz="1200"/>
+            </a:lvl1pPr>
+          </a:lstStyle>
+          <a:p>
+            <a:fld id="{D2A48B96-639E-45A3-A0BA-2464DFDB1FAA}" type="datetimeFigureOut">
+              <a:rPr lang="zh-CN" altLang="en-US" smtClean="0"/>
+            </a:fld>
+            <a:endParaRPr lang="zh-CN" altLang="en-US"/>
+          </a:p>
+        </p:txBody>
+      </p:sp>
+      <p:sp>
+        <p:nvSpPr>
+          <p:cNvPr id="4" name="幻灯片图像占位符 3"/>
+          <p:cNvSpPr>
+            <a:spLocks noGrp="1" noRot="1" noChangeAspect="1"/>
+          </p:cNvSpPr>
+          <p:nvPr>
+            <p:ph type="sldImg" idx="2"/>
+          </p:nvPr>
+        </p:nvSpPr>
+        <p:spPr>
+          <a:xfrm>
+            <a:off x="685800" y="1143000"/>
+            <a:ext cx="5486400" cy="3086100"/>
+          </a:xfrm>
+          <a:prstGeom prst="rect">
+            <a:avLst/>
+          </a:prstGeom>
+          <a:noFill/>
+          <a:ln w="12700">
+            <a:solidFill>
+              <a:prstClr val="black"/>
+            </a:solidFill>
+          </a:ln>
+        </p:spPr>
+        <p:txBody>
+          <a:bodyPr vert="horz" lIns="91440" tIns="45720" rIns="91440" bIns="45720" rtlCol="0" anchor="ctr"/>
+          <a:lstStyle/>
+          <a:p>
+            <a:endParaRPr lang="zh-CN" altLang="en-US"/>
+          </a:p>
+        </p:txBody>
+      </p:sp>
+      <p:sp>
+        <p:nvSpPr>
+          <p:cNvPr id="5" name="备注占位符 4"/>
+          <p:cNvSpPr>
+            <a:spLocks noGrp="1"/>
+          </p:cNvSpPr>
+          <p:nvPr>
+            <p:ph type="body" sz="quarter" idx="3"/>
+          </p:nvPr>
+        </p:nvSpPr>
+        <p:spPr>
+          <a:xfrm>
+            <a:off x="685800" y="4400550"/>
+            <a:ext cx="5486400" cy="3600450"/>
+          </a:xfrm>
+          <a:prstGeom prst="rect">
+            <a:avLst/>
+          </a:prstGeom>
+        </p:spPr>
+        <p:txBody>
+          <a:bodyPr vert="horz" lIns="91440" tIns="45720" rIns="91440" bIns="45720" rtlCol="0"/>
+          <a:lstStyle/>
+          <a:p>
+            <a:pPr lvl="0"/>
+            <a:r>
+              <a:rPr lang="zh-CN" altLang="en-US" smtClean="0"/>
+              <a:t>单击此处编辑母版文本样式</a:t>
+            </a:r>
+            <a:endParaRPr lang="zh-CN" altLang="en-US" smtClean="0"/>
+          </a:p>
+          <a:p>
+            <a:pPr lvl="1"/>
+            <a:r>
+              <a:rPr lang="zh-CN" altLang="en-US" smtClean="0"/>
+              <a:t>第二级</a:t>
+            </a:r>
+            <a:endParaRPr lang="zh-CN" altLang="en-US" smtClean="0"/>
+          </a:p>
+          <a:p>
+            <a:pPr lvl="2"/>
+            <a:r>
+              <a:rPr lang="zh-CN" altLang="en-US" smtClean="0"/>
+              <a:t>第三级</a:t>
+            </a:r>
+            <a:endParaRPr lang="zh-CN" altLang="en-US" smtClean="0"/>
+          </a:p>
+          <a:p>
+            <a:pPr lvl="3"/>
+            <a:r>
+              <a:rPr lang="zh-CN" altLang="en-US" smtClean="0"/>
+              <a:t>第四级</a:t>
+            </a:r>
+            <a:endParaRPr lang="zh-CN" altLang="en-US" smtClean="0"/>
+          </a:p>
+          <a:p>
+            <a:pPr lvl="4"/>
+            <a:r>
+              <a:rPr lang="zh-CN" altLang="en-US" smtClean="0"/>
+              <a:t>第五级</a:t>
+            </a:r>
+            <a:endParaRPr lang="zh-CN" altLang="en-US"/>
+          </a:p>
+        </p:txBody>
+      </p:sp>
+      <p:sp>
+        <p:nvSpPr>
+          <p:cNvPr id="6" name="页脚占位符 5"/>
+          <p:cNvSpPr>
+            <a:spLocks noGrp="1"/>
+          </p:cNvSpPr>
+          <p:nvPr>
+            <p:ph type="ftr" sz="quarter" idx="4"/>
+          </p:nvPr>
+        </p:nvSpPr>
+        <p:spPr>
+          <a:xfrm>
+            <a:off x="0" y="8685213"/>
+            <a:ext cx="2971800" cy="458787"/>
+          </a:xfrm>
+          <a:prstGeom prst="rect">
+            <a:avLst/>
+          </a:prstGeom>
+        </p:spPr>
+        <p:txBody>
+          <a:bodyPr vert="horz" lIns="91440" tIns="45720" rIns="91440" bIns="45720" rtlCol="0" anchor="b"/>
+          <a:lstStyle>
+            <a:lvl1pPr algn="l">
+              <a:defRPr sz="1200"/>
+            </a:lvl1pPr>
+          </a:lstStyle>
+          <a:p>
+            <a:endParaRPr lang="zh-CN" altLang="en-US"/>
+          </a:p>
+        </p:txBody>
+      </p:sp>
+      <p:sp>
+        <p:nvSpPr>
+          <p:cNvPr id="7" name="灯片编号占位符 6"/>
+          <p:cNvSpPr>
+            <a:spLocks noGrp="1"/>
+          </p:cNvSpPr>
+          <p:nvPr>
+            <p:ph type="sldNum" sz="quarter" idx="5"/>
+          </p:nvPr>
+        </p:nvSpPr>
+        <p:spPr>
+          <a:xfrm>
+            <a:off x="3884613" y="8685213"/>
+            <a:ext cx="2971800" cy="458787"/>
+          </a:xfrm>
+          <a:prstGeom prst="rect">
+            <a:avLst/>
+          </a:prstGeom>
+        </p:spPr>
+        <p:txBody>
+          <a:bodyPr vert="horz" lIns="91440" tIns="45720" rIns="91440" bIns="45720" rtlCol="0" anchor="b"/>
+          <a:lstStyle>
+            <a:lvl1pPr algn="r">
+              <a:defRPr sz="1200"/>
+            </a:lvl1pPr>
+          </a:lstStyle>
+          <a:p>
+            <a:fld id="{A6837353-30EB-4A48-80EB-173D804AEFBD}" type="slidenum">
+              <a:rPr lang="zh-CN" altLang="en-US" smtClean="0"/>
+            </a:fld>
+            <a:endParaRPr lang="zh-CN" altLang="en-US"/>
+          </a:p>
+        </p:txBody>
+      </p:sp>
+    </p:spTree>
+  </p:cSld>
+  <p:clrMap bg1="lt1" tx1="dk1" bg2="lt2" tx2="dk2" accent1="accent1" accent2="accent2" accent3="accent3" accent4="accent4" accent5="accent5" accent6="accent6" hlink="hlink" folHlink="folHlink"/>
+  <p:notesStyle>
+    <a:lvl1pPr marL="0" algn="l" defTabSz="914400" rtl="0" eaLnBrk="1" latinLnBrk="0" hangingPunct="1">
+      <a:defRPr sz="1200" kern="1200">
+        <a:solidFill>
+          <a:schemeClr val="tx1"/>
+        </a:solidFill>
+        <a:latin typeface="+mn-lt"/>
+        <a:ea typeface="+mn-ea"/>
+        <a:cs typeface="+mn-cs"/>
+      </a:defRPr>
+    </a:lvl1pPr>
+    <a:lvl2pPr marL="457200" algn="l" defTabSz="914400" rtl="0" eaLnBrk="1" latinLnBrk="0" hangingPunct="1">
+      <a:defRPr sz="1200" kern="1200">
+        <a:solidFill>
+          <a:schemeClr val="tx1"/>
+        </a:solidFill>
+        <a:latin typeface="+mn-lt"/>
+        <a:ea typeface="+mn-ea"/>
+        <a:cs typeface="+mn-cs"/>
+      </a:defRPr>
+    </a:lvl2pPr>
+    <a:lvl3pPr marL="914400" algn="l" defTabSz="914400" rtl="0" eaLnBrk="1" latinLnBrk="0" hangingPunct="1">
+      <a:defRPr sz="1200" kern="1200">
+        <a:solidFill>
+          <a:schemeClr val="tx1"/>
+        </a:solidFill>
+        <a:latin typeface="+mn-lt"/>
+        <a:ea typeface="+mn-ea"/>
+        <a:cs typeface="+mn-cs"/>
+      </a:defRPr>
+    </a:lvl3pPr>
+    <a:lvl4pPr marL="1371600" algn="l" defTabSz="914400" rtl="0" eaLnBrk="1" latinLnBrk="0" hangingPunct="1">
+      <a:defRPr sz="1200" kern="1200">
+        <a:solidFill>
+          <a:schemeClr val="tx1"/>
+        </a:solidFill>
+        <a:latin typeface="+mn-lt"/>
+        <a:ea typeface="+mn-ea"/>
+        <a:cs typeface="+mn-cs"/>
+      </a:defRPr>
+    </a:lvl4pPr>
+    <a:lvl5pPr marL="1828800" algn="l" defTabSz="914400" rtl="0" eaLnBrk="1" latinLnBrk="0" hangingPunct="1">
+      <a:defRPr sz="1200" kern="1200">
+        <a:solidFill>
+          <a:schemeClr val="tx1"/>
+        </a:solidFill>
+        <a:latin typeface="+mn-lt"/>
+        <a:ea typeface="+mn-ea"/>
+        <a:cs typeface="+mn-cs"/>
+      </a:defRPr>
+    </a:lvl5pPr>
+    <a:lvl6pPr marL="2286000" algn="l" defTabSz="914400" rtl="0" eaLnBrk="1" latinLnBrk="0" hangingPunct="1">
+      <a:defRPr sz="1200" kern="1200">
+        <a:solidFill>
+          <a:schemeClr val="tx1"/>
+        </a:solidFill>
+        <a:latin typeface="+mn-lt"/>
+        <a:ea typeface="+mn-ea"/>
+        <a:cs typeface="+mn-cs"/>
+      </a:defRPr>
+    </a:lvl6pPr>
+    <a:lvl7pPr marL="2743200" algn="l" defTabSz="914400" rtl="0" eaLnBrk="1" latinLnBrk="0" hangingPunct="1">
+      <a:defRPr sz="1200" kern="1200">
+        <a:solidFill>
+          <a:schemeClr val="tx1"/>
+        </a:solidFill>
+        <a:latin typeface="+mn-lt"/>
+        <a:ea typeface="+mn-ea"/>
+        <a:cs typeface="+mn-cs"/>
+      </a:defRPr>
+    </a:lvl7pPr>
+    <a:lvl8pPr marL="3200400" algn="l" defTabSz="914400" rtl="0" eaLnBrk="1" latinLnBrk="0" hangingPunct="1">
+      <a:defRPr sz="1200" kern="1200">
+        <a:solidFill>
+          <a:schemeClr val="tx1"/>
+        </a:solidFill>
+        <a:latin typeface="+mn-lt"/>
+        <a:ea typeface="+mn-ea"/>
+        <a:cs typeface="+mn-cs"/>
+      </a:defRPr>
+    </a:lvl8pPr>
+    <a:lvl9pPr marL="3657600" algn="l" defTabSz="914400" rtl="0" eaLnBrk="1" latinLnBrk="0" hangingPunct="1">
+      <a:defRPr sz="1200" kern="1200">
+        <a:solidFill>
+          <a:schemeClr val="tx1"/>
+        </a:solidFill>
+        <a:latin typeface="+mn-lt"/>
+        <a:ea typeface="+mn-ea"/>
+        <a:cs typeface="+mn-cs"/>
+      </a:defRPr>
+    </a:lvl9pPr>
+  </p:notesStyle>
+</p:notesMaster>
+</file>
+
+<file path=ppt/notesSlides/notesSlide1.xml><?xml version="1.0" encoding="utf-8"?>
+<p:notes xmlns:a="http://schemas.openxmlformats.org/drawingml/2006/main" xmlns:r="http://schemas.openxmlformats.org/officeDocument/2006/relationships" xmlns:p="http://schemas.openxmlformats.org/presentationml/2006/main">
+  <p:cSld>
+    <p:spTree>
+      <p:nvGrpSpPr>
+        <p:cNvPr id="1" name=""/>
+        <p:cNvGrpSpPr/>
+        <p:nvPr/>
+      </p:nvGrpSpPr>
+      <p:grpSpPr/>
+      <p:sp>
+        <p:nvSpPr>
+          <p:cNvPr id="2" name="幻灯片图像占位符 1"/>
+          <p:cNvSpPr/>
+          <p:nvPr>
+            <p:ph type="sldImg" idx="2"/>
+          </p:nvPr>
+        </p:nvSpPr>
+        <p:spPr/>
+      </p:sp>
+      <p:sp>
+        <p:nvSpPr>
+          <p:cNvPr id="3" name="文本占位符 2"/>
+          <p:cNvSpPr/>
+          <p:nvPr>
+            <p:ph type="body" idx="3"/>
+          </p:nvPr>
+        </p:nvSpPr>
+        <p:spPr/>
+        <p:txBody>
+          <a:bodyPr/>
+          <a:p>
+            <a:endParaRPr lang="zh-CN" altLang="en-US"/>
+          </a:p>
+        </p:txBody>
+      </p:sp>
+    </p:spTree>
+  </p:cSld>
+  <p:clrMapOvr>
+    <a:masterClrMapping/>
+  </p:clrMapOvr>
+</p:notes>
+</file>
+
+<file path=ppt/notesSlides/notesSlide2.xml><?xml version="1.0" encoding="utf-8"?>
+<p:notes xmlns:a="http://schemas.openxmlformats.org/drawingml/2006/main" xmlns:r="http://schemas.openxmlformats.org/officeDocument/2006/relationships" xmlns:p="http://schemas.openxmlformats.org/presentationml/2006/main">
+  <p:cSld>
+    <p:spTree>
+      <p:nvGrpSpPr>
+        <p:cNvPr id="1" name=""/>
+        <p:cNvGrpSpPr/>
+        <p:nvPr/>
+      </p:nvGrpSpPr>
+      <p:grpSpPr/>
+      <p:sp>
+        <p:nvSpPr>
+          <p:cNvPr id="2" name="幻灯片图像占位符 1"/>
+          <p:cNvSpPr/>
+          <p:nvPr>
+            <p:ph type="sldImg" idx="2"/>
+          </p:nvPr>
+        </p:nvSpPr>
+        <p:spPr/>
+      </p:sp>
+      <p:sp>
+        <p:nvSpPr>
+          <p:cNvPr id="3" name="文本占位符 2"/>
+          <p:cNvSpPr/>
+          <p:nvPr>
+            <p:ph type="body" idx="3"/>
+          </p:nvPr>
+        </p:nvSpPr>
+        <p:spPr/>
+        <p:txBody>
+          <a:bodyPr/>
+          <a:p>
+            <a:endParaRPr lang="zh-CN" altLang="en-US"/>
+          </a:p>
+        </p:txBody>
+      </p:sp>
+    </p:spTree>
+  </p:cSld>
+  <p:clrMapOvr>
+    <a:masterClrMapping/>
+  </p:clrMapOvr>
+</p:notes>
+</file>
+
+<file path=ppt/notesSlides/notesSlide3.xml><?xml version="1.0" encoding="utf-8"?>
+<p:notes xmlns:a="http://schemas.openxmlformats.org/drawingml/2006/main" xmlns:r="http://schemas.openxmlformats.org/officeDocument/2006/relationships" xmlns:p="http://schemas.openxmlformats.org/presentationml/2006/main">
+  <p:cSld>
+    <p:spTree>
+      <p:nvGrpSpPr>
+        <p:cNvPr id="1" name=""/>
+        <p:cNvGrpSpPr/>
+        <p:nvPr/>
+      </p:nvGrpSpPr>
+      <p:grpSpPr/>
+      <p:sp>
+        <p:nvSpPr>
+          <p:cNvPr id="2" name="幻灯片图像占位符 1"/>
+          <p:cNvSpPr/>
+          <p:nvPr>
+            <p:ph type="sldImg" idx="2"/>
+          </p:nvPr>
+        </p:nvSpPr>
+        <p:spPr/>
+      </p:sp>
+      <p:sp>
+        <p:nvSpPr>
+          <p:cNvPr id="3" name="文本占位符 2"/>
+          <p:cNvSpPr/>
+          <p:nvPr>
+            <p:ph type="body" idx="3"/>
+          </p:nvPr>
+        </p:nvSpPr>
+        <p:spPr/>
+        <p:txBody>
+          <a:bodyPr/>
+          <a:p>
+            <a:endParaRPr lang="zh-CN" altLang="en-US"/>
+          </a:p>
+        </p:txBody>
+      </p:sp>
+    </p:spTree>
+  </p:cSld>
+  <p:clrMapOvr>
+    <a:masterClrMapping/>
+  </p:clrMapOvr>
+</p:notes>
+</file>
+
+<file path=ppt/notesSlides/notesSlide4.xml><?xml version="1.0" encoding="utf-8"?>
+<p:notes xmlns:a="http://schemas.openxmlformats.org/drawingml/2006/main" xmlns:r="http://schemas.openxmlformats.org/officeDocument/2006/relationships" xmlns:p="http://schemas.openxmlformats.org/presentationml/2006/main">
+  <p:cSld>
+    <p:spTree>
+      <p:nvGrpSpPr>
+        <p:cNvPr id="1" name=""/>
+        <p:cNvGrpSpPr/>
+        <p:nvPr/>
+      </p:nvGrpSpPr>
+      <p:grpSpPr/>
+      <p:sp>
+        <p:nvSpPr>
+          <p:cNvPr id="2" name="幻灯片图像占位符 1"/>
+          <p:cNvSpPr/>
+          <p:nvPr>
+            <p:ph type="sldImg" idx="2"/>
+          </p:nvPr>
+        </p:nvSpPr>
+        <p:spPr/>
+      </p:sp>
+      <p:sp>
+        <p:nvSpPr>
+          <p:cNvPr id="3" name="文本占位符 2"/>
+          <p:cNvSpPr/>
+          <p:nvPr>
+            <p:ph type="body" idx="3"/>
+          </p:nvPr>
+        </p:nvSpPr>
+        <p:spPr/>
+        <p:txBody>
+          <a:bodyPr/>
+          <a:p>
+            <a:endParaRPr lang="zh-CN" altLang="en-US"/>
+          </a:p>
+        </p:txBody>
+      </p:sp>
+    </p:spTree>
+  </p:cSld>
+  <p:clrMapOvr>
+    <a:masterClrMapping/>
+  </p:clrMapOvr>
+</p:notes>
+</file>
+
+<file path=ppt/notesSlides/notesSlide5.xml><?xml version="1.0" encoding="utf-8"?>
+<p:notes xmlns:a="http://schemas.openxmlformats.org/drawingml/2006/main" xmlns:r="http://schemas.openxmlformats.org/officeDocument/2006/relationships" xmlns:p="http://schemas.openxmlformats.org/presentationml/2006/main">
+  <p:cSld>
+    <p:spTree>
+      <p:nvGrpSpPr>
+        <p:cNvPr id="1" name=""/>
+        <p:cNvGrpSpPr/>
+        <p:nvPr/>
+      </p:nvGrpSpPr>
+      <p:grpSpPr/>
+      <p:sp>
+        <p:nvSpPr>
+          <p:cNvPr id="2" name="幻灯片图像占位符 1"/>
+          <p:cNvSpPr/>
+          <p:nvPr>
+            <p:ph type="sldImg" idx="2"/>
+          </p:nvPr>
+        </p:nvSpPr>
+        <p:spPr/>
+      </p:sp>
+      <p:sp>
+        <p:nvSpPr>
+          <p:cNvPr id="3" name="文本占位符 2"/>
+          <p:cNvSpPr/>
+          <p:nvPr>
+            <p:ph type="body" idx="3"/>
+          </p:nvPr>
+        </p:nvSpPr>
+        <p:spPr/>
+        <p:txBody>
+          <a:bodyPr/>
+          <a:p>
+            <a:endParaRPr lang="zh-CN" altLang="en-US"/>
+          </a:p>
+        </p:txBody>
+      </p:sp>
+    </p:spTree>
+  </p:cSld>
+  <p:clrMapOvr>
+    <a:masterClrMapping/>
+  </p:clrMapOvr>
+</p:notes>
+</file>
+
+<file path=ppt/notesSlides/notesSlide6.xml><?xml version="1.0" encoding="utf-8"?>
+<p:notes xmlns:a="http://schemas.openxmlformats.org/drawingml/2006/main" xmlns:r="http://schemas.openxmlformats.org/officeDocument/2006/relationships" xmlns:p="http://schemas.openxmlformats.org/presentationml/2006/main">
+  <p:cSld>
+    <p:spTree>
+      <p:nvGrpSpPr>
+        <p:cNvPr id="1" name=""/>
+        <p:cNvGrpSpPr/>
+        <p:nvPr/>
+      </p:nvGrpSpPr>
+      <p:grpSpPr/>
+      <p:sp>
+        <p:nvSpPr>
+          <p:cNvPr id="2" name="幻灯片图像占位符 1"/>
+          <p:cNvSpPr/>
+          <p:nvPr>
+            <p:ph type="sldImg" idx="2"/>
+          </p:nvPr>
+        </p:nvSpPr>
+        <p:spPr/>
+      </p:sp>
+      <p:sp>
+        <p:nvSpPr>
+          <p:cNvPr id="3" name="文本占位符 2"/>
+          <p:cNvSpPr/>
+          <p:nvPr>
+            <p:ph type="body" idx="3"/>
+          </p:nvPr>
+        </p:nvSpPr>
+        <p:spPr/>
+        <p:txBody>
+          <a:bodyPr/>
+          <a:p>
+            <a:endParaRPr lang="zh-CN" altLang="en-US"/>
+          </a:p>
+        </p:txBody>
+      </p:sp>
+    </p:spTree>
+  </p:cSld>
+  <p:clrMapOvr>
+    <a:masterClrMapping/>
+  </p:clrMapOvr>
+</p:notes>
 </file>
 
 <file path=ppt/slideLayouts/slideLayout1.xml><?xml version="1.0" encoding="utf-8"?>
@@ -3199,7 +3833,32 @@
                 <a:latin typeface="文泉驿微米黑" panose="020B0606030804020204" charset="-122"/>
                 <a:ea typeface="文泉驿微米黑" panose="020B0606030804020204" charset="-122"/>
               </a:rPr>
-              <a:t>CodeLab</a:t>
+              <a:t>Code</a:t>
+            </a:r>
+            <a:r>
+              <a:rPr lang="en-US" altLang="zh-CN" sz="7200" b="1">
+                <a:gradFill>
+                  <a:gsLst>
+                    <a:gs pos="0">
+                      <a:srgbClr val="14CD68"/>
+                    </a:gs>
+                    <a:gs pos="100000">
+                      <a:srgbClr val="035C7D"/>
+                    </a:gs>
+                  </a:gsLst>
+                  <a:lin scaled="0"/>
+                </a:gradFill>
+                <a:effectLst>
+                  <a:outerShdw blurRad="38100" dist="25400" dir="5400000" algn="ctr" rotWithShape="0">
+                    <a:srgbClr val="6E747A">
+                      <a:alpha val="43000"/>
+                    </a:srgbClr>
+                  </a:outerShdw>
+                </a:effectLst>
+                <a:latin typeface="文泉驿微米黑" panose="020B0606030804020204" charset="-122"/>
+                <a:ea typeface="文泉驿微米黑" panose="020B0606030804020204" charset="-122"/>
+              </a:rPr>
+              <a:t>Lab</a:t>
             </a:r>
             <a:endParaRPr lang="en-US" altLang="zh-CN" sz="7200" b="1">
               <a:gradFill>
@@ -3338,7 +3997,32 @@
                 <a:latin typeface="文泉驿微米黑" panose="020B0606030804020204" charset="-122"/>
                 <a:ea typeface="文泉驿微米黑" panose="020B0606030804020204" charset="-122"/>
               </a:rPr>
-              <a:t>AIToolBox</a:t>
+              <a:t>AITool</a:t>
+            </a:r>
+            <a:r>
+              <a:rPr lang="en-US" altLang="zh-CN" sz="7200" b="1">
+                <a:gradFill>
+                  <a:gsLst>
+                    <a:gs pos="0">
+                      <a:srgbClr val="14CD68"/>
+                    </a:gs>
+                    <a:gs pos="100000">
+                      <a:srgbClr val="035C7D"/>
+                    </a:gs>
+                  </a:gsLst>
+                  <a:lin scaled="0"/>
+                </a:gradFill>
+                <a:effectLst>
+                  <a:outerShdw blurRad="38100" dist="25400" dir="5400000" algn="ctr" rotWithShape="0">
+                    <a:srgbClr val="6E747A">
+                      <a:alpha val="43000"/>
+                    </a:srgbClr>
+                  </a:outerShdw>
+                </a:effectLst>
+                <a:latin typeface="文泉驿微米黑" panose="020B0606030804020204" charset="-122"/>
+                <a:ea typeface="文泉驿微米黑" panose="020B0606030804020204" charset="-122"/>
+              </a:rPr>
+              <a:t>Box</a:t>
             </a:r>
             <a:endParaRPr lang="en-US" altLang="zh-CN" sz="7200" b="1">
               <a:gradFill>
@@ -3420,284 +4104,6 @@
 </file>
 
 <file path=ppt/slides/slide12.xml><?xml version="1.0" encoding="utf-8"?>
-<p:sld xmlns:a="http://schemas.openxmlformats.org/drawingml/2006/main" xmlns:r="http://schemas.openxmlformats.org/officeDocument/2006/relationships" xmlns:p="http://schemas.openxmlformats.org/presentationml/2006/main">
-  <p:cSld>
-    <p:spTree>
-      <p:nvGrpSpPr>
-        <p:cNvPr id="1" name=""/>
-        <p:cNvGrpSpPr/>
-        <p:nvPr/>
-      </p:nvGrpSpPr>
-      <p:grpSpPr/>
-      <p:sp>
-        <p:nvSpPr>
-          <p:cNvPr id="4" name="矩形 3"/>
-          <p:cNvSpPr/>
-          <p:nvPr/>
-        </p:nvSpPr>
-        <p:spPr>
-          <a:xfrm>
-            <a:off x="1981836" y="2829560"/>
-            <a:ext cx="8228330" cy="1414780"/>
-          </a:xfrm>
-          <a:prstGeom prst="rect">
-            <a:avLst/>
-          </a:prstGeom>
-          <a:noFill/>
-          <a:ln>
-            <a:noFill/>
-          </a:ln>
-        </p:spPr>
-        <p:txBody>
-          <a:bodyPr wrap="none" rtlCol="0" anchor="t">
-            <a:spAutoFit/>
-          </a:bodyPr>
-          <a:p>
-            <a:pPr algn="ctr"/>
-            <a:r>
-              <a:rPr lang="en-US" altLang="zh-CN" sz="7200" b="1">
-                <a:gradFill>
-                  <a:gsLst>
-                    <a:gs pos="0">
-                      <a:srgbClr val="012D86"/>
-                    </a:gs>
-                    <a:gs pos="100000">
-                      <a:srgbClr val="0E2557"/>
-                    </a:gs>
-                  </a:gsLst>
-                  <a:lin scaled="0"/>
-                </a:gradFill>
-                <a:effectLst>
-                  <a:outerShdw blurRad="38100" dist="25400" dir="5400000" algn="ctr" rotWithShape="0">
-                    <a:srgbClr val="6E747A">
-                      <a:alpha val="43000"/>
-                    </a:srgbClr>
-                  </a:outerShdw>
-                </a:effectLst>
-                <a:latin typeface="文泉驿微米黑" panose="020B0606030804020204" charset="-122"/>
-                <a:ea typeface="文泉驿微米黑" panose="020B0606030804020204" charset="-122"/>
-              </a:rPr>
-              <a:t>SurveyReadNotes</a:t>
-            </a:r>
-            <a:endParaRPr lang="en-US" altLang="zh-CN" sz="7200" b="1">
-              <a:gradFill>
-                <a:gsLst>
-                  <a:gs pos="0">
-                    <a:srgbClr val="012D86"/>
-                  </a:gs>
-                  <a:gs pos="100000">
-                    <a:srgbClr val="0E2557"/>
-                  </a:gs>
-                </a:gsLst>
-                <a:lin scaled="0"/>
-              </a:gradFill>
-              <a:effectLst>
-                <a:outerShdw blurRad="38100" dist="25400" dir="5400000" algn="ctr" rotWithShape="0">
-                  <a:srgbClr val="6E747A">
-                    <a:alpha val="43000"/>
-                  </a:srgbClr>
-                </a:outerShdw>
-              </a:effectLst>
-              <a:latin typeface="文泉驿微米黑" panose="020B0606030804020204" charset="-122"/>
-              <a:ea typeface="文泉驿微米黑" panose="020B0606030804020204" charset="-122"/>
-            </a:endParaRPr>
-          </a:p>
-          <a:p>
-            <a:pPr algn="r"/>
-            <a:r>
-              <a:rPr lang="en-US" altLang="zh-CN" sz="1400" b="1" u="sng">
-                <a:gradFill>
-                  <a:gsLst>
-                    <a:gs pos="0">
-                      <a:srgbClr val="012D86"/>
-                    </a:gs>
-                    <a:gs pos="100000">
-                      <a:srgbClr val="0E2557"/>
-                    </a:gs>
-                  </a:gsLst>
-                  <a:lin scaled="0"/>
-                </a:gradFill>
-                <a:effectLst>
-                  <a:outerShdw blurRad="38100" dist="25400" dir="5400000" algn="ctr" rotWithShape="0">
-                    <a:srgbClr val="6E747A">
-                      <a:alpha val="43000"/>
-                    </a:srgbClr>
-                  </a:outerShdw>
-                </a:effectLst>
-              </a:rPr>
-              <a:t>isLinXu</a:t>
-            </a:r>
-            <a:endParaRPr lang="en-US" altLang="zh-CN" sz="1400" b="1" u="sng">
-              <a:gradFill>
-                <a:gsLst>
-                  <a:gs pos="0">
-                    <a:srgbClr val="012D86"/>
-                  </a:gs>
-                  <a:gs pos="100000">
-                    <a:srgbClr val="0E2557"/>
-                  </a:gs>
-                </a:gsLst>
-                <a:lin scaled="0"/>
-              </a:gradFill>
-              <a:effectLst>
-                <a:outerShdw blurRad="38100" dist="25400" dir="5400000" algn="ctr" rotWithShape="0">
-                  <a:srgbClr val="6E747A">
-                    <a:alpha val="43000"/>
-                  </a:srgbClr>
-                </a:outerShdw>
-              </a:effectLst>
-            </a:endParaRPr>
-          </a:p>
-        </p:txBody>
-      </p:sp>
-    </p:spTree>
-  </p:cSld>
-  <p:clrMapOvr>
-    <a:masterClrMapping/>
-  </p:clrMapOvr>
-</p:sld>
-</file>
-
-<file path=ppt/slides/slide13.xml><?xml version="1.0" encoding="utf-8"?>
-<p:sld xmlns:a="http://schemas.openxmlformats.org/drawingml/2006/main" xmlns:r="http://schemas.openxmlformats.org/officeDocument/2006/relationships" xmlns:p="http://schemas.openxmlformats.org/presentationml/2006/main">
-  <p:cSld>
-    <p:spTree>
-      <p:nvGrpSpPr>
-        <p:cNvPr id="1" name=""/>
-        <p:cNvGrpSpPr/>
-        <p:nvPr/>
-      </p:nvGrpSpPr>
-      <p:grpSpPr/>
-      <p:sp>
-        <p:nvSpPr>
-          <p:cNvPr id="4" name="矩形 3"/>
-          <p:cNvSpPr/>
-          <p:nvPr/>
-        </p:nvSpPr>
-        <p:spPr>
-          <a:xfrm>
-            <a:off x="2214881" y="2829560"/>
-            <a:ext cx="7762240" cy="1414780"/>
-          </a:xfrm>
-          <a:prstGeom prst="rect">
-            <a:avLst/>
-          </a:prstGeom>
-          <a:noFill/>
-          <a:ln>
-            <a:noFill/>
-          </a:ln>
-        </p:spPr>
-        <p:txBody>
-          <a:bodyPr wrap="none" rtlCol="0" anchor="t">
-            <a:spAutoFit/>
-          </a:bodyPr>
-          <a:p>
-            <a:pPr algn="ctr"/>
-            <a:r>
-              <a:rPr lang="en-US" altLang="zh-CN" sz="7200" b="1">
-                <a:gradFill>
-                  <a:gsLst>
-                    <a:gs pos="0">
-                      <a:srgbClr val="012D86"/>
-                    </a:gs>
-                    <a:gs pos="100000">
-                      <a:srgbClr val="0E2557"/>
-                    </a:gs>
-                  </a:gsLst>
-                  <a:lin scaled="0"/>
-                </a:gradFill>
-                <a:effectLst>
-                  <a:outerShdw blurRad="38100" dist="25400" dir="5400000" algn="ctr" rotWithShape="0">
-                    <a:srgbClr val="6E747A">
-                      <a:alpha val="43000"/>
-                    </a:srgbClr>
-                  </a:outerShdw>
-                </a:effectLst>
-                <a:latin typeface="文泉驿微米黑" panose="020B0606030804020204" charset="-122"/>
-                <a:ea typeface="文泉驿微米黑" panose="020B0606030804020204" charset="-122"/>
-              </a:rPr>
-              <a:t>PaperReadNotes</a:t>
-            </a:r>
-            <a:endParaRPr lang="en-US" altLang="zh-CN" sz="7200" b="1">
-              <a:gradFill>
-                <a:gsLst>
-                  <a:gs pos="0">
-                    <a:srgbClr val="012D86"/>
-                  </a:gs>
-                  <a:gs pos="100000">
-                    <a:srgbClr val="0E2557"/>
-                  </a:gs>
-                </a:gsLst>
-                <a:lin scaled="0"/>
-              </a:gradFill>
-              <a:effectLst>
-                <a:outerShdw blurRad="38100" dist="25400" dir="5400000" algn="ctr" rotWithShape="0">
-                  <a:srgbClr val="6E747A">
-                    <a:alpha val="43000"/>
-                  </a:srgbClr>
-                </a:outerShdw>
-              </a:effectLst>
-              <a:latin typeface="文泉驿微米黑" panose="020B0606030804020204" charset="-122"/>
-              <a:ea typeface="文泉驿微米黑" panose="020B0606030804020204" charset="-122"/>
-            </a:endParaRPr>
-          </a:p>
-          <a:p>
-            <a:pPr algn="r"/>
-            <a:r>
-              <a:rPr lang="en-US" altLang="zh-CN" sz="1400" b="1" u="sng">
-                <a:gradFill>
-                  <a:gsLst>
-                    <a:gs pos="0">
-                      <a:srgbClr val="012D86"/>
-                    </a:gs>
-                    <a:gs pos="100000">
-                      <a:srgbClr val="0E2557"/>
-                    </a:gs>
-                  </a:gsLst>
-                  <a:lin scaled="0"/>
-                </a:gradFill>
-                <a:effectLst>
-                  <a:outerShdw blurRad="38100" dist="25400" dir="5400000" algn="ctr" rotWithShape="0">
-                    <a:srgbClr val="6E747A">
-                      <a:alpha val="43000"/>
-                    </a:srgbClr>
-                  </a:outerShdw>
-                </a:effectLst>
-              </a:rPr>
-              <a:t>isLinXu</a:t>
-            </a:r>
-            <a:endParaRPr lang="en-US" altLang="zh-CN" sz="1400" b="1" u="sng">
-              <a:gradFill>
-                <a:gsLst>
-                  <a:gs pos="0">
-                    <a:srgbClr val="012D86"/>
-                  </a:gs>
-                  <a:gs pos="100000">
-                    <a:srgbClr val="0E2557"/>
-                  </a:gs>
-                </a:gsLst>
-                <a:lin scaled="0"/>
-              </a:gradFill>
-              <a:effectLst>
-                <a:outerShdw blurRad="38100" dist="25400" dir="5400000" algn="ctr" rotWithShape="0">
-                  <a:srgbClr val="6E747A">
-                    <a:alpha val="43000"/>
-                  </a:srgbClr>
-                </a:outerShdw>
-              </a:effectLst>
-            </a:endParaRPr>
-          </a:p>
-        </p:txBody>
-      </p:sp>
-    </p:spTree>
-  </p:cSld>
-  <p:clrMapOvr>
-    <a:masterClrMapping/>
-  </p:clrMapOvr>
-</p:sld>
-</file>
-
-<file path=ppt/slides/slide14.xml><?xml version="1.0" encoding="utf-8"?>
 <p:sld xmlns:a="http://schemas.openxmlformats.org/drawingml/2006/main" xmlns:r="http://schemas.openxmlformats.org/officeDocument/2006/relationships" xmlns:p="http://schemas.openxmlformats.org/presentationml/2006/main">
   <p:cSld>
     <p:spTree>
@@ -3983,7 +4389,7 @@
 </p:sld>
 </file>
 
-<file path=ppt/slides/slide15.xml><?xml version="1.0" encoding="utf-8"?>
+<file path=ppt/slides/slide13.xml><?xml version="1.0" encoding="utf-8"?>
 <p:sld xmlns:a="http://schemas.openxmlformats.org/drawingml/2006/main" xmlns:r="http://schemas.openxmlformats.org/officeDocument/2006/relationships" xmlns:p="http://schemas.openxmlformats.org/presentationml/2006/main">
   <p:cSld>
     <p:spTree>
@@ -4164,7 +4570,7 @@
 </p:sld>
 </file>
 
-<file path=ppt/slides/slide16.xml><?xml version="1.0" encoding="utf-8"?>
+<file path=ppt/slides/slide14.xml><?xml version="1.0" encoding="utf-8"?>
 <p:sld xmlns:a="http://schemas.openxmlformats.org/drawingml/2006/main" xmlns:r="http://schemas.openxmlformats.org/officeDocument/2006/relationships" xmlns:p="http://schemas.openxmlformats.org/presentationml/2006/main">
   <p:cSld>
     <p:spTree>
@@ -4201,9 +4607,17 @@
             <a:pPr algn="ctr"/>
             <a:r>
               <a:rPr lang="en-US" altLang="zh-CN" sz="7200" b="1">
-                <a:solidFill>
-                  <a:schemeClr val="accent6"/>
-                </a:solidFill>
+                <a:gradFill>
+                  <a:gsLst>
+                    <a:gs pos="0">
+                      <a:srgbClr val="14CD68"/>
+                    </a:gs>
+                    <a:gs pos="100000">
+                      <a:srgbClr val="035C7D"/>
+                    </a:gs>
+                  </a:gsLst>
+                  <a:lin scaled="0"/>
+                </a:gradFill>
                 <a:effectLst>
                   <a:outerShdw blurRad="38100" dist="25400" dir="5400000" algn="ctr" rotWithShape="0">
                     <a:srgbClr val="6E747A">
@@ -4320,7 +4734,7 @@
 </p:sld>
 </file>
 
-<file path=ppt/slides/slide17.xml><?xml version="1.0" encoding="utf-8"?>
+<file path=ppt/slides/slide15.xml><?xml version="1.0" encoding="utf-8"?>
 <p:sld xmlns:a="http://schemas.openxmlformats.org/drawingml/2006/main" xmlns:r="http://schemas.openxmlformats.org/officeDocument/2006/relationships" xmlns:p="http://schemas.openxmlformats.org/presentationml/2006/main">
   <p:cSld>
     <p:spTree>
@@ -4540,7 +4954,7 @@
 </p:sld>
 </file>
 
-<file path=ppt/slides/slide18.xml><?xml version="1.0" encoding="utf-8"?>
+<file path=ppt/slides/slide16.xml><?xml version="1.0" encoding="utf-8"?>
 <p:sld xmlns:a="http://schemas.openxmlformats.org/drawingml/2006/main" xmlns:r="http://schemas.openxmlformats.org/officeDocument/2006/relationships" xmlns:p="http://schemas.openxmlformats.org/presentationml/2006/main">
   <p:cSld>
     <p:spTree>
@@ -4550,42 +4964,6 @@
         <p:nvPr/>
       </p:nvGrpSpPr>
       <p:grpSpPr/>
-    </p:spTree>
-  </p:cSld>
-  <p:clrMapOvr>
-    <a:masterClrMapping/>
-  </p:clrMapOvr>
-</p:sld>
-</file>
-
-<file path=ppt/slides/slide19.xml><?xml version="1.0" encoding="utf-8"?>
-<p:sld xmlns:a="http://schemas.openxmlformats.org/drawingml/2006/main" xmlns:r="http://schemas.openxmlformats.org/officeDocument/2006/relationships" xmlns:p="http://schemas.openxmlformats.org/presentationml/2006/main">
-  <p:cSld>
-    <p:spTree>
-      <p:nvGrpSpPr>
-        <p:cNvPr id="1" name=""/>
-        <p:cNvGrpSpPr/>
-        <p:nvPr/>
-      </p:nvGrpSpPr>
-      <p:grpSpPr/>
-    </p:spTree>
-  </p:cSld>
-  <p:clrMapOvr>
-    <a:masterClrMapping/>
-  </p:clrMapOvr>
-</p:sld>
-</file>
-
-<file path=ppt/slides/slide2.xml><?xml version="1.0" encoding="utf-8"?>
-<p:sld xmlns:a="http://schemas.openxmlformats.org/drawingml/2006/main" xmlns:r="http://schemas.openxmlformats.org/officeDocument/2006/relationships" xmlns:p="http://schemas.openxmlformats.org/presentationml/2006/main">
-  <p:cSld>
-    <p:spTree>
-      <p:nvGrpSpPr>
-        <p:cNvPr id="1" name=""/>
-        <p:cNvGrpSpPr/>
-        <p:nvPr/>
-      </p:nvGrpSpPr>
-      <p:grpSpPr/>
       <p:sp>
         <p:nvSpPr>
           <p:cNvPr id="4" name="矩形 3"/>
@@ -4594,8 +4972,8 @@
         </p:nvSpPr>
         <p:spPr>
           <a:xfrm>
-            <a:off x="3383915" y="2829560"/>
-            <a:ext cx="5424170" cy="1414780"/>
+            <a:off x="2086928" y="2829560"/>
+            <a:ext cx="8018145" cy="1414780"/>
           </a:xfrm>
           <a:prstGeom prst="rect">
             <a:avLst/>
@@ -4616,10 +4994,10 @@
                 <a:gradFill>
                   <a:gsLst>
                     <a:gs pos="0">
-                      <a:srgbClr val="007BD3"/>
+                      <a:srgbClr val="012D86"/>
                     </a:gs>
                     <a:gs pos="100000">
-                      <a:srgbClr val="034373"/>
+                      <a:srgbClr val="0E2557"/>
                     </a:gs>
                   </a:gsLst>
                   <a:lin scaled="0"/>
@@ -4634,27 +5012,10 @@
                 <a:latin typeface="文泉驿微米黑" panose="020B0606030804020204" charset="-122"/>
                 <a:ea typeface="文泉驿微米黑" panose="020B0606030804020204" charset="-122"/>
               </a:rPr>
-              <a:t>Project-List</a:t>
-            </a:r>
-            <a:endParaRPr lang="en-US" altLang="zh-CN" sz="7200" b="1">
-              <a:solidFill>
-                <a:schemeClr val="accent1"/>
-              </a:solidFill>
-              <a:effectLst>
-                <a:outerShdw blurRad="38100" dist="25400" dir="5400000" algn="ctr" rotWithShape="0">
-                  <a:srgbClr val="6E747A">
-                    <a:alpha val="43000"/>
-                  </a:srgbClr>
-                </a:outerShdw>
-              </a:effectLst>
-              <a:latin typeface="文泉驿微米黑" panose="020B0606030804020204" charset="-122"/>
-              <a:ea typeface="文泉驿微米黑" panose="020B0606030804020204" charset="-122"/>
-            </a:endParaRPr>
-          </a:p>
-          <a:p>
-            <a:pPr algn="r"/>
-            <a:r>
-              <a:rPr lang="en-US" altLang="zh-CN" sz="1400" b="1" u="sng">
+              <a:t>YOLOv</a:t>
+            </a:r>
+            <a:r>
+              <a:rPr lang="en-US" altLang="zh-CN" sz="7200" b="1">
                 <a:solidFill>
                   <a:srgbClr val="FF0000"/>
                 </a:solidFill>
@@ -4665,243 +5026,11 @@
                     </a:srgbClr>
                   </a:outerShdw>
                 </a:effectLst>
-              </a:rPr>
-              <a:t>isLinXu</a:t>
-            </a:r>
-            <a:endParaRPr lang="en-US" altLang="zh-CN" sz="1400" b="1" u="sng">
-              <a:solidFill>
-                <a:srgbClr val="FF0000"/>
-              </a:solidFill>
-              <a:effectLst>
-                <a:outerShdw blurRad="38100" dist="25400" dir="5400000" algn="ctr" rotWithShape="0">
-                  <a:srgbClr val="6E747A">
-                    <a:alpha val="43000"/>
-                  </a:srgbClr>
-                </a:outerShdw>
-              </a:effectLst>
-            </a:endParaRPr>
-          </a:p>
-        </p:txBody>
-      </p:sp>
-    </p:spTree>
-  </p:cSld>
-  <p:clrMapOvr>
-    <a:masterClrMapping/>
-  </p:clrMapOvr>
-</p:sld>
-</file>
-
-<file path=ppt/slides/slide20.xml><?xml version="1.0" encoding="utf-8"?>
-<p:sld xmlns:a="http://schemas.openxmlformats.org/drawingml/2006/main" xmlns:r="http://schemas.openxmlformats.org/officeDocument/2006/relationships" xmlns:p="http://schemas.openxmlformats.org/presentationml/2006/main">
-  <p:cSld>
-    <p:spTree>
-      <p:nvGrpSpPr>
-        <p:cNvPr id="1" name=""/>
-        <p:cNvGrpSpPr/>
-        <p:nvPr/>
-      </p:nvGrpSpPr>
-      <p:grpSpPr/>
-    </p:spTree>
-  </p:cSld>
-  <p:clrMapOvr>
-    <a:masterClrMapping/>
-  </p:clrMapOvr>
-</p:sld>
-</file>
-
-<file path=ppt/slides/slide21.xml><?xml version="1.0" encoding="utf-8"?>
-<p:sld xmlns:a="http://schemas.openxmlformats.org/drawingml/2006/main" xmlns:r="http://schemas.openxmlformats.org/officeDocument/2006/relationships" xmlns:p="http://schemas.openxmlformats.org/presentationml/2006/main">
-  <p:cSld>
-    <p:spTree>
-      <p:nvGrpSpPr>
-        <p:cNvPr id="1" name=""/>
-        <p:cNvGrpSpPr/>
-        <p:nvPr/>
-      </p:nvGrpSpPr>
-      <p:grpSpPr/>
-    </p:spTree>
-  </p:cSld>
-  <p:clrMapOvr>
-    <a:masterClrMapping/>
-  </p:clrMapOvr>
-</p:sld>
-</file>
-
-<file path=ppt/slides/slide3.xml><?xml version="1.0" encoding="utf-8"?>
-<p:sld xmlns:a="http://schemas.openxmlformats.org/drawingml/2006/main" xmlns:r="http://schemas.openxmlformats.org/officeDocument/2006/relationships" xmlns:p="http://schemas.openxmlformats.org/presentationml/2006/main">
-  <p:cSld>
-    <p:spTree>
-      <p:nvGrpSpPr>
-        <p:cNvPr id="1" name=""/>
-        <p:cNvGrpSpPr/>
-        <p:nvPr/>
-      </p:nvGrpSpPr>
-      <p:grpSpPr/>
-      <p:sp>
-        <p:nvSpPr>
-          <p:cNvPr id="4" name="矩形 3"/>
-          <p:cNvSpPr/>
-          <p:nvPr/>
-        </p:nvSpPr>
-        <p:spPr>
-          <a:xfrm>
-            <a:off x="3263900" y="2829560"/>
-            <a:ext cx="5664200" cy="1414780"/>
-          </a:xfrm>
-          <a:prstGeom prst="rect">
-            <a:avLst/>
-          </a:prstGeom>
-          <a:noFill/>
-          <a:ln>
-            <a:noFill/>
-          </a:ln>
-        </p:spPr>
-        <p:txBody>
-          <a:bodyPr wrap="none" rtlCol="0" anchor="t">
-            <a:spAutoFit/>
-          </a:bodyPr>
-          <a:p>
-            <a:pPr algn="ctr"/>
-            <a:r>
-              <a:rPr lang="en-US" altLang="zh-CN" sz="7200" b="1">
-                <a:gradFill>
-                  <a:gsLst>
-                    <a:gs pos="0">
-                      <a:srgbClr val="007BD3"/>
-                    </a:gs>
-                    <a:gs pos="100000">
-                      <a:srgbClr val="034373"/>
-                    </a:gs>
-                  </a:gsLst>
-                  <a:lin scaled="0"/>
-                </a:gradFill>
-                <a:effectLst>
-                  <a:outerShdw blurRad="38100" dist="25400" dir="5400000" algn="ctr" rotWithShape="0">
-                    <a:srgbClr val="6E747A">
-                      <a:alpha val="43000"/>
-                    </a:srgbClr>
-                  </a:outerShdw>
-                </a:effectLst>
                 <a:latin typeface="文泉驿微米黑" panose="020B0606030804020204" charset="-122"/>
                 <a:ea typeface="文泉驿微米黑" panose="020B0606030804020204" charset="-122"/>
               </a:rPr>
-              <a:t>CVProcess</a:t>
-            </a:r>
-            <a:r>
-              <a:rPr lang="en-US" altLang="zh-CN" sz="7200" b="1">
-                <a:gradFill>
-                  <a:gsLst>
-                    <a:gs pos="0">
-                      <a:srgbClr val="14CD68"/>
-                    </a:gs>
-                    <a:gs pos="100000">
-                      <a:srgbClr val="0B6E38"/>
-                    </a:gs>
-                  </a:gsLst>
-                  <a:lin scaled="0"/>
-                </a:gradFill>
-                <a:effectLst>
-                  <a:outerShdw blurRad="38100" dist="25400" dir="5400000" algn="ctr" rotWithShape="0">
-                    <a:srgbClr val="6E747A">
-                      <a:alpha val="43000"/>
-                    </a:srgbClr>
-                  </a:outerShdw>
-                </a:effectLst>
-                <a:latin typeface="文泉驿微米黑" panose="020B0606030804020204" charset="-122"/>
-                <a:ea typeface="文泉驿微米黑" panose="020B0606030804020204" charset="-122"/>
-              </a:rPr>
-              <a:t>Lib</a:t>
-            </a:r>
-            <a:endParaRPr lang="en-US" altLang="zh-CN" sz="7200" b="1">
-              <a:solidFill>
-                <a:schemeClr val="accent1"/>
-              </a:solidFill>
-              <a:effectLst>
-                <a:outerShdw blurRad="38100" dist="25400" dir="5400000" algn="ctr" rotWithShape="0">
-                  <a:srgbClr val="6E747A">
-                    <a:alpha val="43000"/>
-                  </a:srgbClr>
-                </a:outerShdw>
-              </a:effectLst>
-              <a:latin typeface="文泉驿微米黑" panose="020B0606030804020204" charset="-122"/>
-              <a:ea typeface="文泉驿微米黑" panose="020B0606030804020204" charset="-122"/>
-            </a:endParaRPr>
-          </a:p>
-          <a:p>
-            <a:pPr algn="r"/>
-            <a:r>
-              <a:rPr lang="en-US" altLang="zh-CN" sz="1400" b="1" u="sng">
-                <a:solidFill>
-                  <a:srgbClr val="FF0000"/>
-                </a:solidFill>
-                <a:effectLst>
-                  <a:outerShdw blurRad="38100" dist="25400" dir="5400000" algn="ctr" rotWithShape="0">
-                    <a:srgbClr val="6E747A">
-                      <a:alpha val="43000"/>
-                    </a:srgbClr>
-                  </a:outerShdw>
-                </a:effectLst>
-              </a:rPr>
-              <a:t>isLinXu</a:t>
-            </a:r>
-            <a:endParaRPr lang="en-US" altLang="zh-CN" sz="1400" b="1" u="sng">
-              <a:solidFill>
-                <a:srgbClr val="FF0000"/>
-              </a:solidFill>
-              <a:effectLst>
-                <a:outerShdw blurRad="38100" dist="25400" dir="5400000" algn="ctr" rotWithShape="0">
-                  <a:srgbClr val="6E747A">
-                    <a:alpha val="43000"/>
-                  </a:srgbClr>
-                </a:outerShdw>
-              </a:effectLst>
-            </a:endParaRPr>
-          </a:p>
-        </p:txBody>
-      </p:sp>
-    </p:spTree>
-  </p:cSld>
-  <p:clrMapOvr>
-    <a:masterClrMapping/>
-  </p:clrMapOvr>
-</p:sld>
-</file>
-
-<file path=ppt/slides/slide4.xml><?xml version="1.0" encoding="utf-8"?>
-<p:sld xmlns:a="http://schemas.openxmlformats.org/drawingml/2006/main" xmlns:r="http://schemas.openxmlformats.org/officeDocument/2006/relationships" xmlns:p="http://schemas.openxmlformats.org/presentationml/2006/main">
-  <p:cSld>
-    <p:spTree>
-      <p:nvGrpSpPr>
-        <p:cNvPr id="1" name=""/>
-        <p:cNvGrpSpPr/>
-        <p:nvPr/>
-      </p:nvGrpSpPr>
-      <p:grpSpPr/>
-      <p:sp>
-        <p:nvSpPr>
-          <p:cNvPr id="4" name="矩形 3"/>
-          <p:cNvSpPr/>
-          <p:nvPr/>
-        </p:nvSpPr>
-        <p:spPr>
-          <a:xfrm>
-            <a:off x="1977073" y="2829560"/>
-            <a:ext cx="8237855" cy="1414780"/>
-          </a:xfrm>
-          <a:prstGeom prst="rect">
-            <a:avLst/>
-          </a:prstGeom>
-          <a:noFill/>
-          <a:ln>
-            <a:noFill/>
-          </a:ln>
-        </p:spPr>
-        <p:txBody>
-          <a:bodyPr wrap="none" rtlCol="0" anchor="t">
-            <a:spAutoFit/>
-          </a:bodyPr>
-          <a:p>
-            <a:pPr algn="ctr"/>
+              <a:t>5</a:t>
+            </a:r>
             <a:r>
               <a:rPr lang="en-US" altLang="zh-CN" sz="7200" b="1">
                 <a:gradFill>
@@ -4925,17 +5054,34 @@
                 <a:latin typeface="文泉驿微米黑" panose="020B0606030804020204" charset="-122"/>
                 <a:ea typeface="文泉驿微米黑" panose="020B0606030804020204" charset="-122"/>
               </a:rPr>
-              <a:t>DatasetMarker</a:t>
+              <a:t>_Eff</a:t>
+            </a:r>
+            <a:r>
+              <a:rPr lang="en-US" altLang="zh-CN" sz="7200" b="1">
+                <a:solidFill>
+                  <a:srgbClr val="FF0000"/>
+                </a:solidFill>
+                <a:effectLst>
+                  <a:outerShdw blurRad="38100" dist="25400" dir="5400000" algn="ctr" rotWithShape="0">
+                    <a:srgbClr val="6E747A">
+                      <a:alpha val="43000"/>
+                    </a:srgbClr>
+                  </a:outerShdw>
+                </a:effectLst>
+                <a:latin typeface="文泉驿微米黑" panose="020B0606030804020204" charset="-122"/>
+                <a:ea typeface="文泉驿微米黑" panose="020B0606030804020204" charset="-122"/>
+              </a:rPr>
+              <a:t>i</a:t>
             </a:r>
             <a:r>
               <a:rPr lang="en-US" altLang="zh-CN" sz="7200" b="1">
                 <a:gradFill>
                   <a:gsLst>
                     <a:gs pos="0">
-                      <a:srgbClr val="14CD68"/>
+                      <a:srgbClr val="012D86"/>
                     </a:gs>
                     <a:gs pos="100000">
-                      <a:srgbClr val="035C7D"/>
+                      <a:srgbClr val="0E2557"/>
                     </a:gs>
                   </a:gsLst>
                   <a:lin scaled="0"/>
@@ -4950,7 +5096,7 @@
                 <a:latin typeface="文泉驿微米黑" panose="020B0606030804020204" charset="-122"/>
                 <a:ea typeface="文泉驿微米黑" panose="020B0606030804020204" charset="-122"/>
               </a:rPr>
-              <a:t>Tool</a:t>
+              <a:t>cient</a:t>
             </a:r>
             <a:endParaRPr lang="en-US" altLang="zh-CN" sz="7200" b="1">
               <a:gradFill>
@@ -4979,6 +5125,822 @@
             <a:pPr algn="r"/>
             <a:r>
               <a:rPr lang="en-US" altLang="zh-CN" sz="1400" b="1" u="sng">
+                <a:gradFill>
+                  <a:gsLst>
+                    <a:gs pos="0">
+                      <a:srgbClr val="012D86"/>
+                    </a:gs>
+                    <a:gs pos="100000">
+                      <a:srgbClr val="0E2557"/>
+                    </a:gs>
+                  </a:gsLst>
+                  <a:lin scaled="0"/>
+                </a:gradFill>
+                <a:effectLst>
+                  <a:outerShdw blurRad="38100" dist="25400" dir="5400000" algn="ctr" rotWithShape="0">
+                    <a:srgbClr val="6E747A">
+                      <a:alpha val="43000"/>
+                    </a:srgbClr>
+                  </a:outerShdw>
+                </a:effectLst>
+              </a:rPr>
+              <a:t>isLinXu</a:t>
+            </a:r>
+            <a:endParaRPr lang="en-US" altLang="zh-CN" sz="1400" b="1" u="sng">
+              <a:gradFill>
+                <a:gsLst>
+                  <a:gs pos="0">
+                    <a:srgbClr val="012D86"/>
+                  </a:gs>
+                  <a:gs pos="100000">
+                    <a:srgbClr val="0E2557"/>
+                  </a:gs>
+                </a:gsLst>
+                <a:lin scaled="0"/>
+              </a:gradFill>
+              <a:effectLst>
+                <a:outerShdw blurRad="38100" dist="25400" dir="5400000" algn="ctr" rotWithShape="0">
+                  <a:srgbClr val="6E747A">
+                    <a:alpha val="43000"/>
+                  </a:srgbClr>
+                </a:outerShdw>
+              </a:effectLst>
+            </a:endParaRPr>
+          </a:p>
+        </p:txBody>
+      </p:sp>
+    </p:spTree>
+  </p:cSld>
+  <p:clrMapOvr>
+    <a:masterClrMapping/>
+  </p:clrMapOvr>
+</p:sld>
+</file>
+
+<file path=ppt/slides/slide17.xml><?xml version="1.0" encoding="utf-8"?>
+<p:sld xmlns:a="http://schemas.openxmlformats.org/drawingml/2006/main" xmlns:r="http://schemas.openxmlformats.org/officeDocument/2006/relationships" xmlns:p="http://schemas.openxmlformats.org/presentationml/2006/main">
+  <p:cSld>
+    <p:spTree>
+      <p:nvGrpSpPr>
+        <p:cNvPr id="1" name=""/>
+        <p:cNvGrpSpPr/>
+        <p:nvPr/>
+      </p:nvGrpSpPr>
+      <p:grpSpPr/>
+      <p:sp>
+        <p:nvSpPr>
+          <p:cNvPr id="4" name="矩形 3"/>
+          <p:cNvSpPr/>
+          <p:nvPr/>
+        </p:nvSpPr>
+        <p:spPr>
+          <a:xfrm>
+            <a:off x="2086928" y="2829560"/>
+            <a:ext cx="8018145" cy="1414780"/>
+          </a:xfrm>
+          <a:prstGeom prst="rect">
+            <a:avLst/>
+          </a:prstGeom>
+          <a:noFill/>
+          <a:ln>
+            <a:noFill/>
+          </a:ln>
+        </p:spPr>
+        <p:txBody>
+          <a:bodyPr wrap="none" rtlCol="0" anchor="t">
+            <a:spAutoFit/>
+          </a:bodyPr>
+          <a:p>
+            <a:pPr algn="ctr"/>
+            <a:r>
+              <a:rPr lang="en-US" altLang="zh-CN" sz="7200" b="1">
+                <a:gradFill>
+                  <a:gsLst>
+                    <a:gs pos="0">
+                      <a:srgbClr val="012D86"/>
+                    </a:gs>
+                    <a:gs pos="100000">
+                      <a:srgbClr val="0E2557"/>
+                    </a:gs>
+                  </a:gsLst>
+                  <a:lin scaled="0"/>
+                </a:gradFill>
+                <a:effectLst>
+                  <a:outerShdw blurRad="38100" dist="25400" dir="5400000" algn="ctr" rotWithShape="0">
+                    <a:srgbClr val="6E747A">
+                      <a:alpha val="43000"/>
+                    </a:srgbClr>
+                  </a:outerShdw>
+                </a:effectLst>
+                <a:latin typeface="文泉驿微米黑" panose="020B0606030804020204" charset="-122"/>
+                <a:ea typeface="文泉驿微米黑" panose="020B0606030804020204" charset="-122"/>
+              </a:rPr>
+              <a:t>YOLOv</a:t>
+            </a:r>
+            <a:r>
+              <a:rPr lang="en-US" altLang="zh-CN" sz="7200" b="1">
+                <a:solidFill>
+                  <a:srgbClr val="FF0000"/>
+                </a:solidFill>
+                <a:effectLst>
+                  <a:outerShdw blurRad="38100" dist="25400" dir="5400000" algn="ctr" rotWithShape="0">
+                    <a:srgbClr val="6E747A">
+                      <a:alpha val="43000"/>
+                    </a:srgbClr>
+                  </a:outerShdw>
+                </a:effectLst>
+                <a:latin typeface="文泉驿微米黑" panose="020B0606030804020204" charset="-122"/>
+                <a:ea typeface="文泉驿微米黑" panose="020B0606030804020204" charset="-122"/>
+              </a:rPr>
+              <a:t>8</a:t>
+            </a:r>
+            <a:r>
+              <a:rPr lang="en-US" altLang="zh-CN" sz="7200" b="1">
+                <a:gradFill>
+                  <a:gsLst>
+                    <a:gs pos="0">
+                      <a:srgbClr val="012D86"/>
+                    </a:gs>
+                    <a:gs pos="100000">
+                      <a:srgbClr val="0E2557"/>
+                    </a:gs>
+                  </a:gsLst>
+                  <a:lin scaled="0"/>
+                </a:gradFill>
+                <a:effectLst>
+                  <a:outerShdw blurRad="38100" dist="25400" dir="5400000" algn="ctr" rotWithShape="0">
+                    <a:srgbClr val="6E747A">
+                      <a:alpha val="43000"/>
+                    </a:srgbClr>
+                  </a:outerShdw>
+                </a:effectLst>
+                <a:latin typeface="文泉驿微米黑" panose="020B0606030804020204" charset="-122"/>
+                <a:ea typeface="文泉驿微米黑" panose="020B0606030804020204" charset="-122"/>
+              </a:rPr>
+              <a:t>_Eff</a:t>
+            </a:r>
+            <a:r>
+              <a:rPr lang="en-US" altLang="zh-CN" sz="7200" b="1">
+                <a:solidFill>
+                  <a:srgbClr val="FF0000"/>
+                </a:solidFill>
+                <a:effectLst>
+                  <a:outerShdw blurRad="38100" dist="25400" dir="5400000" algn="ctr" rotWithShape="0">
+                    <a:srgbClr val="6E747A">
+                      <a:alpha val="43000"/>
+                    </a:srgbClr>
+                  </a:outerShdw>
+                </a:effectLst>
+                <a:latin typeface="文泉驿微米黑" panose="020B0606030804020204" charset="-122"/>
+                <a:ea typeface="文泉驿微米黑" panose="020B0606030804020204" charset="-122"/>
+              </a:rPr>
+              <a:t>i</a:t>
+            </a:r>
+            <a:r>
+              <a:rPr lang="en-US" altLang="zh-CN" sz="7200" b="1">
+                <a:gradFill>
+                  <a:gsLst>
+                    <a:gs pos="0">
+                      <a:srgbClr val="012D86"/>
+                    </a:gs>
+                    <a:gs pos="100000">
+                      <a:srgbClr val="0E2557"/>
+                    </a:gs>
+                  </a:gsLst>
+                  <a:lin scaled="0"/>
+                </a:gradFill>
+                <a:effectLst>
+                  <a:outerShdw blurRad="38100" dist="25400" dir="5400000" algn="ctr" rotWithShape="0">
+                    <a:srgbClr val="6E747A">
+                      <a:alpha val="43000"/>
+                    </a:srgbClr>
+                  </a:outerShdw>
+                </a:effectLst>
+                <a:latin typeface="文泉驿微米黑" panose="020B0606030804020204" charset="-122"/>
+                <a:ea typeface="文泉驿微米黑" panose="020B0606030804020204" charset="-122"/>
+              </a:rPr>
+              <a:t>cient</a:t>
+            </a:r>
+            <a:endParaRPr lang="en-US" altLang="zh-CN" sz="7200" b="1">
+              <a:gradFill>
+                <a:gsLst>
+                  <a:gs pos="0">
+                    <a:srgbClr val="012D86"/>
+                  </a:gs>
+                  <a:gs pos="100000">
+                    <a:srgbClr val="0E2557"/>
+                  </a:gs>
+                </a:gsLst>
+                <a:lin scaled="0"/>
+              </a:gradFill>
+              <a:effectLst>
+                <a:outerShdw blurRad="38100" dist="25400" dir="5400000" algn="ctr" rotWithShape="0">
+                  <a:srgbClr val="6E747A">
+                    <a:alpha val="43000"/>
+                  </a:srgbClr>
+                </a:outerShdw>
+              </a:effectLst>
+              <a:latin typeface="文泉驿微米黑" panose="020B0606030804020204" charset="-122"/>
+              <a:ea typeface="文泉驿微米黑" panose="020B0606030804020204" charset="-122"/>
+            </a:endParaRPr>
+          </a:p>
+          <a:p>
+            <a:pPr algn="r"/>
+            <a:r>
+              <a:rPr lang="en-US" altLang="zh-CN" sz="1400" b="1" u="sng">
+                <a:gradFill>
+                  <a:gsLst>
+                    <a:gs pos="0">
+                      <a:srgbClr val="012D86"/>
+                    </a:gs>
+                    <a:gs pos="100000">
+                      <a:srgbClr val="0E2557"/>
+                    </a:gs>
+                  </a:gsLst>
+                  <a:lin scaled="0"/>
+                </a:gradFill>
+                <a:effectLst>
+                  <a:outerShdw blurRad="38100" dist="25400" dir="5400000" algn="ctr" rotWithShape="0">
+                    <a:srgbClr val="6E747A">
+                      <a:alpha val="43000"/>
+                    </a:srgbClr>
+                  </a:outerShdw>
+                </a:effectLst>
+              </a:rPr>
+              <a:t>isLinXu</a:t>
+            </a:r>
+            <a:endParaRPr lang="en-US" altLang="zh-CN" sz="1400" b="1" u="sng">
+              <a:gradFill>
+                <a:gsLst>
+                  <a:gs pos="0">
+                    <a:srgbClr val="012D86"/>
+                  </a:gs>
+                  <a:gs pos="100000">
+                    <a:srgbClr val="0E2557"/>
+                  </a:gs>
+                </a:gsLst>
+                <a:lin scaled="0"/>
+              </a:gradFill>
+              <a:effectLst>
+                <a:outerShdw blurRad="38100" dist="25400" dir="5400000" algn="ctr" rotWithShape="0">
+                  <a:srgbClr val="6E747A">
+                    <a:alpha val="43000"/>
+                  </a:srgbClr>
+                </a:outerShdw>
+              </a:effectLst>
+            </a:endParaRPr>
+          </a:p>
+        </p:txBody>
+      </p:sp>
+    </p:spTree>
+  </p:cSld>
+  <p:clrMapOvr>
+    <a:masterClrMapping/>
+  </p:clrMapOvr>
+</p:sld>
+</file>
+
+<file path=ppt/slides/slide18.xml><?xml version="1.0" encoding="utf-8"?>
+<p:sld xmlns:a="http://schemas.openxmlformats.org/drawingml/2006/main" xmlns:r="http://schemas.openxmlformats.org/officeDocument/2006/relationships" xmlns:p="http://schemas.openxmlformats.org/presentationml/2006/main">
+  <p:cSld>
+    <p:spTree>
+      <p:nvGrpSpPr>
+        <p:cNvPr id="1" name=""/>
+        <p:cNvGrpSpPr/>
+        <p:nvPr/>
+      </p:nvGrpSpPr>
+      <p:grpSpPr/>
+      <p:sp>
+        <p:nvSpPr>
+          <p:cNvPr id="4" name="矩形 3"/>
+          <p:cNvSpPr/>
+          <p:nvPr/>
+        </p:nvSpPr>
+        <p:spPr>
+          <a:xfrm>
+            <a:off x="697865" y="2844800"/>
+            <a:ext cx="10918190" cy="1168400"/>
+          </a:xfrm>
+          <a:prstGeom prst="rect">
+            <a:avLst/>
+          </a:prstGeom>
+          <a:noFill/>
+          <a:ln>
+            <a:noFill/>
+          </a:ln>
+        </p:spPr>
+        <p:txBody>
+          <a:bodyPr wrap="square" rtlCol="0" anchor="t">
+            <a:spAutoFit/>
+          </a:bodyPr>
+          <a:p>
+            <a:pPr algn="r"/>
+            <a:r>
+              <a:rPr lang="en-US" altLang="zh-CN" sz="6000" b="1">
+                <a:gradFill>
+                  <a:gsLst>
+                    <a:gs pos="0">
+                      <a:srgbClr val="012D86"/>
+                    </a:gs>
+                    <a:gs pos="100000">
+                      <a:srgbClr val="0E2557"/>
+                    </a:gs>
+                  </a:gsLst>
+                  <a:lin scaled="0"/>
+                </a:gradFill>
+                <a:effectLst>
+                  <a:outerShdw blurRad="38100" dist="25400" dir="5400000" algn="ctr" rotWithShape="0">
+                    <a:srgbClr val="6E747A">
+                      <a:alpha val="43000"/>
+                    </a:srgbClr>
+                  </a:outerShdw>
+                </a:effectLst>
+                <a:latin typeface="文泉驿微米黑" panose="020B0606030804020204" charset="-122"/>
+                <a:ea typeface="文泉驿微米黑" panose="020B0606030804020204" charset="-122"/>
+                <a:sym typeface="+mn-ea"/>
+              </a:rPr>
+              <a:t>OpenMMLab-</a:t>
+            </a:r>
+            <a:r>
+              <a:rPr lang="en-US" altLang="zh-CN" sz="6000" b="1">
+                <a:gradFill>
+                  <a:gsLst>
+                    <a:gs pos="0">
+                      <a:srgbClr val="14CD68"/>
+                    </a:gs>
+                    <a:gs pos="100000">
+                      <a:srgbClr val="0B6E38"/>
+                    </a:gs>
+                  </a:gsLst>
+                  <a:lin scaled="0"/>
+                </a:gradFill>
+                <a:effectLst>
+                  <a:outerShdw blurRad="38100" dist="25400" dir="5400000" algn="ctr" rotWithShape="0">
+                    <a:srgbClr val="6E747A">
+                      <a:alpha val="43000"/>
+                    </a:srgbClr>
+                  </a:outerShdw>
+                </a:effectLst>
+                <a:latin typeface="文泉驿微米黑" panose="020B0606030804020204" charset="-122"/>
+                <a:ea typeface="文泉驿微米黑" panose="020B0606030804020204" charset="-122"/>
+                <a:sym typeface="+mn-ea"/>
+              </a:rPr>
+              <a:t>Learn</a:t>
+            </a:r>
+            <a:r>
+              <a:rPr lang="en-US" altLang="zh-CN" sz="6000" b="1">
+                <a:gradFill>
+                  <a:gsLst>
+                    <a:gs pos="0">
+                      <a:srgbClr val="012D86"/>
+                    </a:gs>
+                    <a:gs pos="100000">
+                      <a:srgbClr val="0E2557"/>
+                    </a:gs>
+                  </a:gsLst>
+                  <a:lin scaled="0"/>
+                </a:gradFill>
+                <a:effectLst>
+                  <a:outerShdw blurRad="38100" dist="25400" dir="5400000" algn="ctr" rotWithShape="0">
+                    <a:srgbClr val="6E747A">
+                      <a:alpha val="43000"/>
+                    </a:srgbClr>
+                  </a:outerShdw>
+                </a:effectLst>
+                <a:latin typeface="文泉驿微米黑" panose="020B0606030804020204" charset="-122"/>
+                <a:ea typeface="文泉驿微米黑" panose="020B0606030804020204" charset="-122"/>
+                <a:sym typeface="+mn-ea"/>
+              </a:rPr>
+              <a:t>-</a:t>
+            </a:r>
+            <a:r>
+              <a:rPr lang="en-US" altLang="zh-CN" sz="6000" b="1">
+                <a:gradFill>
+                  <a:gsLst>
+                    <a:gs pos="0">
+                      <a:srgbClr val="7B32B2"/>
+                    </a:gs>
+                    <a:gs pos="100000">
+                      <a:srgbClr val="401A5D"/>
+                    </a:gs>
+                  </a:gsLst>
+                  <a:lin scaled="0"/>
+                </a:gradFill>
+                <a:effectLst>
+                  <a:outerShdw blurRad="38100" dist="25400" dir="5400000" algn="ctr" rotWithShape="0">
+                    <a:srgbClr val="6E747A">
+                      <a:alpha val="43000"/>
+                    </a:srgbClr>
+                  </a:outerShdw>
+                </a:effectLst>
+                <a:latin typeface="文泉驿微米黑" panose="020B0606030804020204" charset="-122"/>
+                <a:ea typeface="文泉驿微米黑" panose="020B0606030804020204" charset="-122"/>
+                <a:sym typeface="+mn-ea"/>
+              </a:rPr>
+              <a:t>Exercise</a:t>
+            </a:r>
+            <a:br>
+              <a:rPr lang="en-US" altLang="zh-CN" sz="6000" b="1">
+                <a:gradFill>
+                  <a:gsLst>
+                    <a:gs pos="0">
+                      <a:srgbClr val="7B32B2"/>
+                    </a:gs>
+                    <a:gs pos="100000">
+                      <a:srgbClr val="401A5D"/>
+                    </a:gs>
+                  </a:gsLst>
+                  <a:lin scaled="0"/>
+                </a:gradFill>
+                <a:effectLst>
+                  <a:outerShdw blurRad="38100" dist="25400" dir="5400000" algn="ctr" rotWithShape="0">
+                    <a:srgbClr val="6E747A">
+                      <a:alpha val="43000"/>
+                    </a:srgbClr>
+                  </a:outerShdw>
+                </a:effectLst>
+                <a:latin typeface="文泉驿微米黑" panose="020B0606030804020204" charset="-122"/>
+                <a:ea typeface="文泉驿微米黑" panose="020B0606030804020204" charset="-122"/>
+                <a:sym typeface="+mn-ea"/>
+              </a:rPr>
+            </a:br>
+            <a:r>
+              <a:rPr lang="en-US" altLang="zh-CN" sz="1000" b="1" u="sng">
+                <a:gradFill>
+                  <a:gsLst>
+                    <a:gs pos="0">
+                      <a:srgbClr val="012D86"/>
+                    </a:gs>
+                    <a:gs pos="100000">
+                      <a:srgbClr val="0E2557"/>
+                    </a:gs>
+                  </a:gsLst>
+                  <a:lin scaled="0"/>
+                </a:gradFill>
+                <a:effectLst>
+                  <a:outerShdw blurRad="38100" dist="25400" dir="5400000" algn="ctr" rotWithShape="0">
+                    <a:srgbClr val="6E747A">
+                      <a:alpha val="43000"/>
+                    </a:srgbClr>
+                  </a:outerShdw>
+                </a:effectLst>
+              </a:rPr>
+              <a:t>isLinXu</a:t>
+            </a:r>
+            <a:endParaRPr lang="en-US" altLang="zh-CN" sz="1000" b="1" u="sng">
+              <a:gradFill>
+                <a:gsLst>
+                  <a:gs pos="0">
+                    <a:srgbClr val="012D86"/>
+                  </a:gs>
+                  <a:gs pos="100000">
+                    <a:srgbClr val="0E2557"/>
+                  </a:gs>
+                </a:gsLst>
+                <a:lin scaled="0"/>
+              </a:gradFill>
+              <a:effectLst>
+                <a:outerShdw blurRad="38100" dist="25400" dir="5400000" algn="ctr" rotWithShape="0">
+                  <a:srgbClr val="6E747A">
+                    <a:alpha val="43000"/>
+                  </a:srgbClr>
+                </a:outerShdw>
+              </a:effectLst>
+            </a:endParaRPr>
+          </a:p>
+        </p:txBody>
+      </p:sp>
+    </p:spTree>
+  </p:cSld>
+  <p:clrMapOvr>
+    <a:masterClrMapping/>
+  </p:clrMapOvr>
+</p:sld>
+</file>
+
+<file path=ppt/slides/slide19.xml><?xml version="1.0" encoding="utf-8"?>
+<p:sld xmlns:a="http://schemas.openxmlformats.org/drawingml/2006/main" xmlns:r="http://schemas.openxmlformats.org/officeDocument/2006/relationships" xmlns:p="http://schemas.openxmlformats.org/presentationml/2006/main">
+  <p:cSld>
+    <p:spTree>
+      <p:nvGrpSpPr>
+        <p:cNvPr id="1" name=""/>
+        <p:cNvGrpSpPr/>
+        <p:nvPr/>
+      </p:nvGrpSpPr>
+      <p:grpSpPr/>
+      <p:sp>
+        <p:nvSpPr>
+          <p:cNvPr id="4" name="矩形 3"/>
+          <p:cNvSpPr/>
+          <p:nvPr/>
+        </p:nvSpPr>
+        <p:spPr>
+          <a:xfrm>
+            <a:off x="697865" y="2844800"/>
+            <a:ext cx="10918190" cy="1168400"/>
+          </a:xfrm>
+          <a:prstGeom prst="rect">
+            <a:avLst/>
+          </a:prstGeom>
+          <a:noFill/>
+          <a:ln>
+            <a:noFill/>
+          </a:ln>
+        </p:spPr>
+        <p:txBody>
+          <a:bodyPr wrap="square" rtlCol="0" anchor="t">
+            <a:spAutoFit/>
+          </a:bodyPr>
+          <a:p>
+            <a:pPr algn="r"/>
+            <a:r>
+              <a:rPr lang="en-US" altLang="zh-CN" sz="6000" b="1">
+                <a:gradFill>
+                  <a:gsLst>
+                    <a:gs pos="0">
+                      <a:srgbClr val="012D86"/>
+                    </a:gs>
+                    <a:gs pos="100000">
+                      <a:srgbClr val="0E2557"/>
+                    </a:gs>
+                  </a:gsLst>
+                  <a:lin scaled="0"/>
+                </a:gradFill>
+                <a:effectLst>
+                  <a:outerShdw blurRad="38100" dist="25400" dir="5400000" algn="ctr" rotWithShape="0">
+                    <a:srgbClr val="6E747A">
+                      <a:alpha val="43000"/>
+                    </a:srgbClr>
+                  </a:outerShdw>
+                </a:effectLst>
+                <a:latin typeface="文泉驿微米黑" panose="020B0606030804020204" charset="-122"/>
+                <a:ea typeface="文泉驿微米黑" panose="020B0606030804020204" charset="-122"/>
+                <a:sym typeface="+mn-ea"/>
+              </a:rPr>
+              <a:t>PaddleSuide</a:t>
+            </a:r>
+            <a:r>
+              <a:rPr lang="en-US" altLang="zh-CN" sz="6000" b="1">
+                <a:gradFill>
+                  <a:gsLst>
+                    <a:gs pos="0">
+                      <a:srgbClr val="012D86"/>
+                    </a:gs>
+                    <a:gs pos="100000">
+                      <a:srgbClr val="0E2557"/>
+                    </a:gs>
+                  </a:gsLst>
+                  <a:lin scaled="0"/>
+                </a:gradFill>
+                <a:effectLst>
+                  <a:outerShdw blurRad="38100" dist="25400" dir="5400000" algn="ctr" rotWithShape="0">
+                    <a:srgbClr val="6E747A">
+                      <a:alpha val="43000"/>
+                    </a:srgbClr>
+                  </a:outerShdw>
+                </a:effectLst>
+                <a:latin typeface="文泉驿微米黑" panose="020B0606030804020204" charset="-122"/>
+                <a:ea typeface="文泉驿微米黑" panose="020B0606030804020204" charset="-122"/>
+                <a:sym typeface="+mn-ea"/>
+              </a:rPr>
+              <a:t>-</a:t>
+            </a:r>
+            <a:r>
+              <a:rPr lang="en-US" altLang="zh-CN" sz="6000" b="1">
+                <a:gradFill>
+                  <a:gsLst>
+                    <a:gs pos="0">
+                      <a:srgbClr val="14CD68"/>
+                    </a:gs>
+                    <a:gs pos="100000">
+                      <a:srgbClr val="0B6E38"/>
+                    </a:gs>
+                  </a:gsLst>
+                  <a:lin scaled="0"/>
+                </a:gradFill>
+                <a:effectLst>
+                  <a:outerShdw blurRad="38100" dist="25400" dir="5400000" algn="ctr" rotWithShape="0">
+                    <a:srgbClr val="6E747A">
+                      <a:alpha val="43000"/>
+                    </a:srgbClr>
+                  </a:outerShdw>
+                </a:effectLst>
+                <a:latin typeface="文泉驿微米黑" panose="020B0606030804020204" charset="-122"/>
+                <a:ea typeface="文泉驿微米黑" panose="020B0606030804020204" charset="-122"/>
+                <a:sym typeface="+mn-ea"/>
+              </a:rPr>
+              <a:t>Learn</a:t>
+            </a:r>
+            <a:r>
+              <a:rPr lang="en-US" altLang="zh-CN" sz="6000" b="1">
+                <a:gradFill>
+                  <a:gsLst>
+                    <a:gs pos="0">
+                      <a:srgbClr val="012D86"/>
+                    </a:gs>
+                    <a:gs pos="100000">
+                      <a:srgbClr val="0E2557"/>
+                    </a:gs>
+                  </a:gsLst>
+                  <a:lin scaled="0"/>
+                </a:gradFill>
+                <a:effectLst>
+                  <a:outerShdw blurRad="38100" dist="25400" dir="5400000" algn="ctr" rotWithShape="0">
+                    <a:srgbClr val="6E747A">
+                      <a:alpha val="43000"/>
+                    </a:srgbClr>
+                  </a:outerShdw>
+                </a:effectLst>
+                <a:latin typeface="文泉驿微米黑" panose="020B0606030804020204" charset="-122"/>
+                <a:ea typeface="文泉驿微米黑" panose="020B0606030804020204" charset="-122"/>
+                <a:sym typeface="+mn-ea"/>
+              </a:rPr>
+              <a:t>-</a:t>
+            </a:r>
+            <a:r>
+              <a:rPr lang="en-US" altLang="zh-CN" sz="6000" b="1">
+                <a:gradFill>
+                  <a:gsLst>
+                    <a:gs pos="0">
+                      <a:srgbClr val="7B32B2"/>
+                    </a:gs>
+                    <a:gs pos="100000">
+                      <a:srgbClr val="401A5D"/>
+                    </a:gs>
+                  </a:gsLst>
+                  <a:lin scaled="0"/>
+                </a:gradFill>
+                <a:effectLst>
+                  <a:outerShdw blurRad="38100" dist="25400" dir="5400000" algn="ctr" rotWithShape="0">
+                    <a:srgbClr val="6E747A">
+                      <a:alpha val="43000"/>
+                    </a:srgbClr>
+                  </a:outerShdw>
+                </a:effectLst>
+                <a:latin typeface="文泉驿微米黑" panose="020B0606030804020204" charset="-122"/>
+                <a:ea typeface="文泉驿微米黑" panose="020B0606030804020204" charset="-122"/>
+                <a:sym typeface="+mn-ea"/>
+              </a:rPr>
+              <a:t>Exercise</a:t>
+            </a:r>
+            <a:br>
+              <a:rPr lang="en-US" altLang="zh-CN" sz="6000" b="1">
+                <a:gradFill>
+                  <a:gsLst>
+                    <a:gs pos="0">
+                      <a:srgbClr val="7B32B2"/>
+                    </a:gs>
+                    <a:gs pos="100000">
+                      <a:srgbClr val="401A5D"/>
+                    </a:gs>
+                  </a:gsLst>
+                  <a:lin scaled="0"/>
+                </a:gradFill>
+                <a:effectLst>
+                  <a:outerShdw blurRad="38100" dist="25400" dir="5400000" algn="ctr" rotWithShape="0">
+                    <a:srgbClr val="6E747A">
+                      <a:alpha val="43000"/>
+                    </a:srgbClr>
+                  </a:outerShdw>
+                </a:effectLst>
+                <a:latin typeface="文泉驿微米黑" panose="020B0606030804020204" charset="-122"/>
+                <a:ea typeface="文泉驿微米黑" panose="020B0606030804020204" charset="-122"/>
+                <a:sym typeface="+mn-ea"/>
+              </a:rPr>
+            </a:br>
+            <a:r>
+              <a:rPr lang="en-US" altLang="zh-CN" sz="1000" b="1" u="sng">
+                <a:gradFill>
+                  <a:gsLst>
+                    <a:gs pos="0">
+                      <a:srgbClr val="012D86"/>
+                    </a:gs>
+                    <a:gs pos="100000">
+                      <a:srgbClr val="0E2557"/>
+                    </a:gs>
+                  </a:gsLst>
+                  <a:lin scaled="0"/>
+                </a:gradFill>
+                <a:effectLst>
+                  <a:outerShdw blurRad="38100" dist="25400" dir="5400000" algn="ctr" rotWithShape="0">
+                    <a:srgbClr val="6E747A">
+                      <a:alpha val="43000"/>
+                    </a:srgbClr>
+                  </a:outerShdw>
+                </a:effectLst>
+              </a:rPr>
+              <a:t>isLinXu</a:t>
+            </a:r>
+            <a:endParaRPr lang="en-US" altLang="zh-CN" sz="1000" b="1" u="sng">
+              <a:gradFill>
+                <a:gsLst>
+                  <a:gs pos="0">
+                    <a:srgbClr val="012D86"/>
+                  </a:gs>
+                  <a:gs pos="100000">
+                    <a:srgbClr val="0E2557"/>
+                  </a:gs>
+                </a:gsLst>
+                <a:lin scaled="0"/>
+              </a:gradFill>
+              <a:effectLst>
+                <a:outerShdw blurRad="38100" dist="25400" dir="5400000" algn="ctr" rotWithShape="0">
+                  <a:srgbClr val="6E747A">
+                    <a:alpha val="43000"/>
+                  </a:srgbClr>
+                </a:outerShdw>
+              </a:effectLst>
+            </a:endParaRPr>
+          </a:p>
+        </p:txBody>
+      </p:sp>
+    </p:spTree>
+  </p:cSld>
+  <p:clrMapOvr>
+    <a:masterClrMapping/>
+  </p:clrMapOvr>
+</p:sld>
+</file>
+
+<file path=ppt/slides/slide2.xml><?xml version="1.0" encoding="utf-8"?>
+<p:sld xmlns:a="http://schemas.openxmlformats.org/drawingml/2006/main" xmlns:r="http://schemas.openxmlformats.org/officeDocument/2006/relationships" xmlns:p="http://schemas.openxmlformats.org/presentationml/2006/main">
+  <p:cSld>
+    <p:spTree>
+      <p:nvGrpSpPr>
+        <p:cNvPr id="1" name=""/>
+        <p:cNvGrpSpPr/>
+        <p:nvPr/>
+      </p:nvGrpSpPr>
+      <p:grpSpPr/>
+      <p:sp>
+        <p:nvSpPr>
+          <p:cNvPr id="4" name="矩形 3"/>
+          <p:cNvSpPr/>
+          <p:nvPr/>
+        </p:nvSpPr>
+        <p:spPr>
+          <a:xfrm>
+            <a:off x="3383915" y="2829560"/>
+            <a:ext cx="5424170" cy="1414780"/>
+          </a:xfrm>
+          <a:prstGeom prst="rect">
+            <a:avLst/>
+          </a:prstGeom>
+          <a:noFill/>
+          <a:ln>
+            <a:noFill/>
+          </a:ln>
+        </p:spPr>
+        <p:txBody>
+          <a:bodyPr wrap="none" rtlCol="0" anchor="t">
+            <a:spAutoFit/>
+          </a:bodyPr>
+          <a:p>
+            <a:pPr algn="ctr"/>
+            <a:r>
+              <a:rPr lang="en-US" altLang="zh-CN" sz="7200" b="1">
+                <a:gradFill>
+                  <a:gsLst>
+                    <a:gs pos="0">
+                      <a:srgbClr val="007BD3"/>
+                    </a:gs>
+                    <a:gs pos="100000">
+                      <a:srgbClr val="034373"/>
+                    </a:gs>
+                  </a:gsLst>
+                  <a:lin scaled="0"/>
+                </a:gradFill>
+                <a:effectLst>
+                  <a:outerShdw blurRad="38100" dist="25400" dir="5400000" algn="ctr" rotWithShape="0">
+                    <a:srgbClr val="6E747A">
+                      <a:alpha val="43000"/>
+                    </a:srgbClr>
+                  </a:outerShdw>
+                </a:effectLst>
+                <a:latin typeface="文泉驿微米黑" panose="020B0606030804020204" charset="-122"/>
+                <a:ea typeface="文泉驿微米黑" panose="020B0606030804020204" charset="-122"/>
+              </a:rPr>
+              <a:t>Project-List</a:t>
+            </a:r>
+            <a:endParaRPr lang="en-US" altLang="zh-CN" sz="7200" b="1">
+              <a:solidFill>
+                <a:schemeClr val="accent1"/>
+              </a:solidFill>
+              <a:effectLst>
+                <a:outerShdw blurRad="38100" dist="25400" dir="5400000" algn="ctr" rotWithShape="0">
+                  <a:srgbClr val="6E747A">
+                    <a:alpha val="43000"/>
+                  </a:srgbClr>
+                </a:outerShdw>
+              </a:effectLst>
+              <a:latin typeface="文泉驿微米黑" panose="020B0606030804020204" charset="-122"/>
+              <a:ea typeface="文泉驿微米黑" panose="020B0606030804020204" charset="-122"/>
+            </a:endParaRPr>
+          </a:p>
+          <a:p>
+            <a:pPr algn="r"/>
+            <a:r>
+              <a:rPr lang="en-US" altLang="zh-CN" sz="1400" b="1" u="sng">
                 <a:solidFill>
                   <a:srgbClr val="FF0000"/>
                 </a:solidFill>
@@ -5007,6 +5969,2954 @@
           </a:p>
         </p:txBody>
       </p:sp>
+    </p:spTree>
+  </p:cSld>
+  <p:clrMapOvr>
+    <a:masterClrMapping/>
+  </p:clrMapOvr>
+</p:sld>
+</file>
+
+<file path=ppt/slides/slide20.xml><?xml version="1.0" encoding="utf-8"?>
+<p:sld xmlns:a="http://schemas.openxmlformats.org/drawingml/2006/main" xmlns:r="http://schemas.openxmlformats.org/officeDocument/2006/relationships" xmlns:p="http://schemas.openxmlformats.org/presentationml/2006/main">
+  <p:cSld>
+    <p:spTree>
+      <p:nvGrpSpPr>
+        <p:cNvPr id="1" name=""/>
+        <p:cNvGrpSpPr/>
+        <p:nvPr/>
+      </p:nvGrpSpPr>
+      <p:grpSpPr/>
+      <p:sp>
+        <p:nvSpPr>
+          <p:cNvPr id="4" name="矩形 3"/>
+          <p:cNvSpPr/>
+          <p:nvPr/>
+        </p:nvSpPr>
+        <p:spPr>
+          <a:xfrm>
+            <a:off x="4364991" y="2829560"/>
+            <a:ext cx="3462020" cy="1414780"/>
+          </a:xfrm>
+          <a:prstGeom prst="rect">
+            <a:avLst/>
+          </a:prstGeom>
+          <a:noFill/>
+          <a:ln>
+            <a:noFill/>
+          </a:ln>
+        </p:spPr>
+        <p:txBody>
+          <a:bodyPr wrap="none" rtlCol="0" anchor="t">
+            <a:spAutoFit/>
+          </a:bodyPr>
+          <a:p>
+            <a:pPr algn="ctr"/>
+            <a:r>
+              <a:rPr lang="en-US" altLang="zh-CN" sz="7200" b="1">
+                <a:solidFill>
+                  <a:schemeClr val="bg2">
+                    <a:lumMod val="10000"/>
+                  </a:schemeClr>
+                </a:solidFill>
+                <a:effectLst>
+                  <a:outerShdw blurRad="38100" dist="25400" dir="5400000" algn="ctr" rotWithShape="0">
+                    <a:srgbClr val="6E747A">
+                      <a:alpha val="43000"/>
+                    </a:srgbClr>
+                  </a:outerShdw>
+                </a:effectLst>
+                <a:latin typeface="文泉驿微米黑" panose="020B0606030804020204" charset="-122"/>
+                <a:ea typeface="文泉驿微米黑" panose="020B0606030804020204" charset="-122"/>
+                <a:sym typeface="+mn-ea"/>
+              </a:rPr>
+              <a:t>is</a:t>
+            </a:r>
+            <a:r>
+              <a:rPr lang="en-US" altLang="zh-CN" sz="7200" b="1">
+                <a:gradFill>
+                  <a:gsLst>
+                    <a:gs pos="0">
+                      <a:srgbClr val="012D86"/>
+                    </a:gs>
+                    <a:gs pos="100000">
+                      <a:srgbClr val="0E2557"/>
+                    </a:gs>
+                  </a:gsLst>
+                  <a:lin scaled="0"/>
+                </a:gradFill>
+                <a:effectLst>
+                  <a:outerShdw blurRad="38100" dist="25400" dir="5400000" algn="ctr" rotWithShape="0">
+                    <a:srgbClr val="6E747A">
+                      <a:alpha val="43000"/>
+                    </a:srgbClr>
+                  </a:outerShdw>
+                </a:effectLst>
+                <a:latin typeface="文泉驿微米黑" panose="020B0606030804020204" charset="-122"/>
+                <a:ea typeface="文泉驿微米黑" panose="020B0606030804020204" charset="-122"/>
+                <a:sym typeface="+mn-ea"/>
+              </a:rPr>
+              <a:t>LinXu</a:t>
+            </a:r>
+            <a:endParaRPr lang="en-US" altLang="zh-CN" sz="7200" b="1">
+              <a:gradFill>
+                <a:gsLst>
+                  <a:gs pos="0">
+                    <a:srgbClr val="012D86"/>
+                  </a:gs>
+                  <a:gs pos="100000">
+                    <a:srgbClr val="0E2557"/>
+                  </a:gs>
+                </a:gsLst>
+                <a:lin scaled="0"/>
+              </a:gradFill>
+              <a:effectLst>
+                <a:outerShdw blurRad="38100" dist="25400" dir="5400000" algn="ctr" rotWithShape="0">
+                  <a:srgbClr val="6E747A">
+                    <a:alpha val="43000"/>
+                  </a:srgbClr>
+                </a:outerShdw>
+              </a:effectLst>
+              <a:latin typeface="文泉驿微米黑" panose="020B0606030804020204" charset="-122"/>
+              <a:ea typeface="文泉驿微米黑" panose="020B0606030804020204" charset="-122"/>
+            </a:endParaRPr>
+          </a:p>
+          <a:p>
+            <a:pPr algn="ctr"/>
+            <a:r>
+              <a:rPr lang="en-US" altLang="zh-CN" sz="1400" b="1" u="sng">
+                <a:gradFill>
+                  <a:gsLst>
+                    <a:gs pos="0">
+                      <a:srgbClr val="012D86"/>
+                    </a:gs>
+                    <a:gs pos="100000">
+                      <a:srgbClr val="0E2557"/>
+                    </a:gs>
+                  </a:gsLst>
+                  <a:lin scaled="0"/>
+                </a:gradFill>
+                <a:effectLst>
+                  <a:outerShdw blurRad="38100" dist="25400" dir="5400000" algn="ctr" rotWithShape="0">
+                    <a:srgbClr val="6E747A">
+                      <a:alpha val="43000"/>
+                    </a:srgbClr>
+                  </a:outerShdw>
+                </a:effectLst>
+              </a:rPr>
+              <a:t>isLinXu</a:t>
+            </a:r>
+            <a:endParaRPr lang="en-US" altLang="zh-CN" sz="1400" b="1" u="sng">
+              <a:gradFill>
+                <a:gsLst>
+                  <a:gs pos="0">
+                    <a:srgbClr val="012D86"/>
+                  </a:gs>
+                  <a:gs pos="100000">
+                    <a:srgbClr val="0E2557"/>
+                  </a:gs>
+                </a:gsLst>
+                <a:lin scaled="0"/>
+              </a:gradFill>
+              <a:effectLst>
+                <a:outerShdw blurRad="38100" dist="25400" dir="5400000" algn="ctr" rotWithShape="0">
+                  <a:srgbClr val="6E747A">
+                    <a:alpha val="43000"/>
+                  </a:srgbClr>
+                </a:outerShdw>
+              </a:effectLst>
+            </a:endParaRPr>
+          </a:p>
+        </p:txBody>
+      </p:sp>
+    </p:spTree>
+  </p:cSld>
+  <p:clrMapOvr>
+    <a:masterClrMapping/>
+  </p:clrMapOvr>
+</p:sld>
+</file>
+
+<file path=ppt/slides/slide21.xml><?xml version="1.0" encoding="utf-8"?>
+<p:sld xmlns:a="http://schemas.openxmlformats.org/drawingml/2006/main" xmlns:r="http://schemas.openxmlformats.org/officeDocument/2006/relationships" xmlns:p="http://schemas.openxmlformats.org/presentationml/2006/main">
+  <p:cSld>
+    <p:spTree>
+      <p:nvGrpSpPr>
+        <p:cNvPr id="1" name=""/>
+        <p:cNvGrpSpPr/>
+        <p:nvPr/>
+      </p:nvGrpSpPr>
+      <p:grpSpPr/>
+      <p:sp>
+        <p:nvSpPr>
+          <p:cNvPr id="4" name="矩形 3"/>
+          <p:cNvSpPr/>
+          <p:nvPr/>
+        </p:nvSpPr>
+        <p:spPr>
+          <a:xfrm>
+            <a:off x="2159953" y="2829560"/>
+            <a:ext cx="7872095" cy="1414780"/>
+          </a:xfrm>
+          <a:prstGeom prst="rect">
+            <a:avLst/>
+          </a:prstGeom>
+          <a:noFill/>
+          <a:ln>
+            <a:noFill/>
+          </a:ln>
+        </p:spPr>
+        <p:txBody>
+          <a:bodyPr wrap="none" rtlCol="0" anchor="t">
+            <a:spAutoFit/>
+          </a:bodyPr>
+          <a:p>
+            <a:pPr algn="ctr"/>
+            <a:r>
+              <a:rPr lang="en-US" altLang="zh-CN" sz="7200" b="1">
+                <a:solidFill>
+                  <a:schemeClr val="bg2">
+                    <a:lumMod val="10000"/>
+                  </a:schemeClr>
+                </a:solidFill>
+                <a:effectLst>
+                  <a:outerShdw blurRad="38100" dist="25400" dir="5400000" algn="ctr" rotWithShape="0">
+                    <a:srgbClr val="6E747A">
+                      <a:alpha val="43000"/>
+                    </a:srgbClr>
+                  </a:outerShdw>
+                </a:effectLst>
+                <a:latin typeface="文泉驿微米黑" panose="020B0606030804020204" charset="-122"/>
+                <a:ea typeface="文泉驿微米黑" panose="020B0606030804020204" charset="-122"/>
+                <a:sym typeface="+mn-ea"/>
+              </a:rPr>
+              <a:t>is</a:t>
+            </a:r>
+            <a:r>
+              <a:rPr lang="en-US" altLang="zh-CN" sz="7200" b="1">
+                <a:gradFill>
+                  <a:gsLst>
+                    <a:gs pos="0">
+                      <a:srgbClr val="012D86"/>
+                    </a:gs>
+                    <a:gs pos="100000">
+                      <a:srgbClr val="0E2557"/>
+                    </a:gs>
+                  </a:gsLst>
+                  <a:lin scaled="0"/>
+                </a:gradFill>
+                <a:effectLst>
+                  <a:outerShdw blurRad="38100" dist="25400" dir="5400000" algn="ctr" rotWithShape="0">
+                    <a:srgbClr val="6E747A">
+                      <a:alpha val="43000"/>
+                    </a:srgbClr>
+                  </a:outerShdw>
+                </a:effectLst>
+                <a:latin typeface="文泉驿微米黑" panose="020B0606030804020204" charset="-122"/>
+                <a:ea typeface="文泉驿微米黑" panose="020B0606030804020204" charset="-122"/>
+                <a:sym typeface="+mn-ea"/>
+              </a:rPr>
+              <a:t>LinXu.github.</a:t>
+            </a:r>
+            <a:r>
+              <a:rPr lang="en-US" altLang="zh-CN" sz="7200" b="1">
+                <a:solidFill>
+                  <a:schemeClr val="bg2">
+                    <a:lumMod val="10000"/>
+                  </a:schemeClr>
+                </a:solidFill>
+                <a:effectLst>
+                  <a:outerShdw blurRad="38100" dist="25400" dir="5400000" algn="ctr" rotWithShape="0">
+                    <a:srgbClr val="6E747A">
+                      <a:alpha val="43000"/>
+                    </a:srgbClr>
+                  </a:outerShdw>
+                </a:effectLst>
+                <a:latin typeface="文泉驿微米黑" panose="020B0606030804020204" charset="-122"/>
+                <a:ea typeface="文泉驿微米黑" panose="020B0606030804020204" charset="-122"/>
+                <a:sym typeface="+mn-ea"/>
+              </a:rPr>
+              <a:t>io</a:t>
+            </a:r>
+            <a:endParaRPr lang="en-US" altLang="zh-CN" sz="7200" b="1">
+              <a:gradFill>
+                <a:gsLst>
+                  <a:gs pos="0">
+                    <a:srgbClr val="012D86"/>
+                  </a:gs>
+                  <a:gs pos="100000">
+                    <a:srgbClr val="0E2557"/>
+                  </a:gs>
+                </a:gsLst>
+                <a:lin scaled="0"/>
+              </a:gradFill>
+              <a:effectLst>
+                <a:outerShdw blurRad="38100" dist="25400" dir="5400000" algn="ctr" rotWithShape="0">
+                  <a:srgbClr val="6E747A">
+                    <a:alpha val="43000"/>
+                  </a:srgbClr>
+                </a:outerShdw>
+              </a:effectLst>
+              <a:latin typeface="文泉驿微米黑" panose="020B0606030804020204" charset="-122"/>
+              <a:ea typeface="文泉驿微米黑" panose="020B0606030804020204" charset="-122"/>
+            </a:endParaRPr>
+          </a:p>
+          <a:p>
+            <a:pPr algn="r"/>
+            <a:r>
+              <a:rPr lang="en-US" altLang="zh-CN" sz="1400" b="1" u="sng">
+                <a:gradFill>
+                  <a:gsLst>
+                    <a:gs pos="0">
+                      <a:srgbClr val="012D86"/>
+                    </a:gs>
+                    <a:gs pos="100000">
+                      <a:srgbClr val="0E2557"/>
+                    </a:gs>
+                  </a:gsLst>
+                  <a:lin scaled="0"/>
+                </a:gradFill>
+                <a:effectLst>
+                  <a:outerShdw blurRad="38100" dist="25400" dir="5400000" algn="ctr" rotWithShape="0">
+                    <a:srgbClr val="6E747A">
+                      <a:alpha val="43000"/>
+                    </a:srgbClr>
+                  </a:outerShdw>
+                </a:effectLst>
+              </a:rPr>
+              <a:t>isLinXu</a:t>
+            </a:r>
+            <a:endParaRPr lang="en-US" altLang="zh-CN" sz="1400" b="1" u="sng">
+              <a:gradFill>
+                <a:gsLst>
+                  <a:gs pos="0">
+                    <a:srgbClr val="012D86"/>
+                  </a:gs>
+                  <a:gs pos="100000">
+                    <a:srgbClr val="0E2557"/>
+                  </a:gs>
+                </a:gsLst>
+                <a:lin scaled="0"/>
+              </a:gradFill>
+              <a:effectLst>
+                <a:outerShdw blurRad="38100" dist="25400" dir="5400000" algn="ctr" rotWithShape="0">
+                  <a:srgbClr val="6E747A">
+                    <a:alpha val="43000"/>
+                  </a:srgbClr>
+                </a:outerShdw>
+              </a:effectLst>
+            </a:endParaRPr>
+          </a:p>
+        </p:txBody>
+      </p:sp>
+    </p:spTree>
+  </p:cSld>
+  <p:clrMapOvr>
+    <a:masterClrMapping/>
+  </p:clrMapOvr>
+</p:sld>
+</file>
+
+<file path=ppt/slides/slide22.xml><?xml version="1.0" encoding="utf-8"?>
+<p:sld xmlns:a="http://schemas.openxmlformats.org/drawingml/2006/main" xmlns:r="http://schemas.openxmlformats.org/officeDocument/2006/relationships" xmlns:p="http://schemas.openxmlformats.org/presentationml/2006/main">
+  <p:cSld>
+    <p:spTree>
+      <p:nvGrpSpPr>
+        <p:cNvPr id="1" name=""/>
+        <p:cNvGrpSpPr/>
+        <p:nvPr/>
+      </p:nvGrpSpPr>
+      <p:grpSpPr/>
+      <p:sp>
+        <p:nvSpPr>
+          <p:cNvPr id="4" name="矩形 3"/>
+          <p:cNvSpPr/>
+          <p:nvPr/>
+        </p:nvSpPr>
+        <p:spPr>
+          <a:xfrm>
+            <a:off x="3837306" y="2829560"/>
+            <a:ext cx="4517390" cy="1414780"/>
+          </a:xfrm>
+          <a:prstGeom prst="rect">
+            <a:avLst/>
+          </a:prstGeom>
+          <a:noFill/>
+          <a:ln>
+            <a:noFill/>
+          </a:ln>
+        </p:spPr>
+        <p:txBody>
+          <a:bodyPr wrap="none" rtlCol="0" anchor="t">
+            <a:spAutoFit/>
+          </a:bodyPr>
+          <a:p>
+            <a:pPr algn="ctr">
+              <a:buClrTx/>
+              <a:buSzTx/>
+              <a:buFontTx/>
+            </a:pPr>
+            <a:r>
+              <a:rPr lang="en-US" altLang="zh-CN" sz="7200" b="1">
+                <a:gradFill>
+                  <a:gsLst>
+                    <a:gs pos="0">
+                      <a:srgbClr val="012D86"/>
+                    </a:gs>
+                    <a:gs pos="100000">
+                      <a:srgbClr val="0E2557"/>
+                    </a:gs>
+                  </a:gsLst>
+                  <a:lin scaled="0"/>
+                </a:gradFill>
+                <a:effectLst>
+                  <a:outerShdw blurRad="38100" dist="25400" dir="5400000" algn="ctr" rotWithShape="0">
+                    <a:srgbClr val="6E747A">
+                      <a:alpha val="43000"/>
+                    </a:srgbClr>
+                  </a:outerShdw>
+                </a:effectLst>
+                <a:latin typeface="文泉驿微米黑" panose="020B0606030804020204" charset="-122"/>
+                <a:ea typeface="文泉驿微米黑" panose="020B0606030804020204" charset="-122"/>
+                <a:sym typeface="+mn-ea"/>
+              </a:rPr>
+              <a:t>pp-</a:t>
+            </a:r>
+            <a:r>
+              <a:rPr lang="en-US" altLang="zh-CN" sz="7200" b="1">
+                <a:solidFill>
+                  <a:schemeClr val="accent5"/>
+                </a:solidFill>
+                <a:effectLst>
+                  <a:outerShdw blurRad="38100" dist="25400" dir="5400000" algn="ctr" rotWithShape="0">
+                    <a:srgbClr val="6E747A">
+                      <a:alpha val="43000"/>
+                    </a:srgbClr>
+                  </a:outerShdw>
+                </a:effectLst>
+                <a:latin typeface="文泉驿微米黑" panose="020B0606030804020204" charset="-122"/>
+                <a:ea typeface="文泉驿微米黑" panose="020B0606030804020204" charset="-122"/>
+                <a:sym typeface="+mn-ea"/>
+              </a:rPr>
+              <a:t>install</a:t>
+            </a:r>
+            <a:endParaRPr lang="en-US" altLang="zh-CN" sz="7200" b="1">
+              <a:gradFill>
+                <a:gsLst>
+                  <a:gs pos="0">
+                    <a:srgbClr val="012D86"/>
+                  </a:gs>
+                  <a:gs pos="100000">
+                    <a:srgbClr val="0E2557"/>
+                  </a:gs>
+                </a:gsLst>
+                <a:lin scaled="0"/>
+              </a:gradFill>
+              <a:effectLst>
+                <a:outerShdw blurRad="38100" dist="25400" dir="5400000" algn="ctr" rotWithShape="0">
+                  <a:srgbClr val="6E747A">
+                    <a:alpha val="43000"/>
+                  </a:srgbClr>
+                </a:outerShdw>
+              </a:effectLst>
+              <a:latin typeface="文泉驿微米黑" panose="020B0606030804020204" charset="-122"/>
+              <a:ea typeface="文泉驿微米黑" panose="020B0606030804020204" charset="-122"/>
+            </a:endParaRPr>
+          </a:p>
+          <a:p>
+            <a:pPr algn="r"/>
+            <a:r>
+              <a:rPr lang="en-US" altLang="zh-CN" sz="1400" b="1" u="sng">
+                <a:gradFill>
+                  <a:gsLst>
+                    <a:gs pos="0">
+                      <a:srgbClr val="012D86"/>
+                    </a:gs>
+                    <a:gs pos="100000">
+                      <a:srgbClr val="0E2557"/>
+                    </a:gs>
+                  </a:gsLst>
+                  <a:lin scaled="0"/>
+                </a:gradFill>
+                <a:effectLst>
+                  <a:outerShdw blurRad="38100" dist="25400" dir="5400000" algn="ctr" rotWithShape="0">
+                    <a:srgbClr val="6E747A">
+                      <a:alpha val="43000"/>
+                    </a:srgbClr>
+                  </a:outerShdw>
+                </a:effectLst>
+              </a:rPr>
+              <a:t>isLinXu</a:t>
+            </a:r>
+            <a:endParaRPr lang="en-US" altLang="zh-CN" sz="1400" b="1" u="sng">
+              <a:gradFill>
+                <a:gsLst>
+                  <a:gs pos="0">
+                    <a:srgbClr val="012D86"/>
+                  </a:gs>
+                  <a:gs pos="100000">
+                    <a:srgbClr val="0E2557"/>
+                  </a:gs>
+                </a:gsLst>
+                <a:lin scaled="0"/>
+              </a:gradFill>
+              <a:effectLst>
+                <a:outerShdw blurRad="38100" dist="25400" dir="5400000" algn="ctr" rotWithShape="0">
+                  <a:srgbClr val="6E747A">
+                    <a:alpha val="43000"/>
+                  </a:srgbClr>
+                </a:outerShdw>
+              </a:effectLst>
+            </a:endParaRPr>
+          </a:p>
+        </p:txBody>
+      </p:sp>
+    </p:spTree>
+  </p:cSld>
+  <p:clrMapOvr>
+    <a:masterClrMapping/>
+  </p:clrMapOvr>
+</p:sld>
+</file>
+
+<file path=ppt/slides/slide23.xml><?xml version="1.0" encoding="utf-8"?>
+<p:sld xmlns:a="http://schemas.openxmlformats.org/drawingml/2006/main" xmlns:r="http://schemas.openxmlformats.org/officeDocument/2006/relationships" xmlns:p="http://schemas.openxmlformats.org/presentationml/2006/main">
+  <p:cSld>
+    <p:spTree>
+      <p:nvGrpSpPr>
+        <p:cNvPr id="1" name=""/>
+        <p:cNvGrpSpPr/>
+        <p:nvPr/>
+      </p:nvGrpSpPr>
+      <p:grpSpPr/>
+      <p:sp>
+        <p:nvSpPr>
+          <p:cNvPr id="4" name="矩形 3"/>
+          <p:cNvSpPr/>
+          <p:nvPr/>
+        </p:nvSpPr>
+        <p:spPr>
+          <a:xfrm>
+            <a:off x="3544571" y="2829560"/>
+            <a:ext cx="5102860" cy="1414780"/>
+          </a:xfrm>
+          <a:prstGeom prst="rect">
+            <a:avLst/>
+          </a:prstGeom>
+          <a:noFill/>
+          <a:ln>
+            <a:noFill/>
+          </a:ln>
+        </p:spPr>
+        <p:txBody>
+          <a:bodyPr wrap="none" rtlCol="0" anchor="t">
+            <a:spAutoFit/>
+          </a:bodyPr>
+          <a:p>
+            <a:pPr algn="ctr">
+              <a:buClrTx/>
+              <a:buSzTx/>
+              <a:buFontTx/>
+            </a:pPr>
+            <a:r>
+              <a:rPr lang="en-US" altLang="zh-CN" sz="7200" b="1">
+                <a:gradFill>
+                  <a:gsLst>
+                    <a:gs pos="0">
+                      <a:srgbClr val="012D86"/>
+                    </a:gs>
+                    <a:gs pos="100000">
+                      <a:srgbClr val="0E2557"/>
+                    </a:gs>
+                  </a:gsLst>
+                  <a:lin scaled="0"/>
+                </a:gradFill>
+                <a:effectLst>
+                  <a:outerShdw blurRad="38100" dist="25400" dir="5400000" algn="ctr" rotWithShape="0">
+                    <a:srgbClr val="6E747A">
+                      <a:alpha val="43000"/>
+                    </a:srgbClr>
+                  </a:outerShdw>
+                </a:effectLst>
+                <a:latin typeface="文泉驿微米黑" panose="020B0606030804020204" charset="-122"/>
+                <a:ea typeface="文泉驿微米黑" panose="020B0606030804020204" charset="-122"/>
+                <a:sym typeface="+mn-ea"/>
+              </a:rPr>
+              <a:t>mm-</a:t>
+            </a:r>
+            <a:r>
+              <a:rPr lang="en-US" altLang="zh-CN" sz="7200" b="1">
+                <a:solidFill>
+                  <a:schemeClr val="accent5"/>
+                </a:solidFill>
+                <a:effectLst>
+                  <a:outerShdw blurRad="38100" dist="25400" dir="5400000" algn="ctr" rotWithShape="0">
+                    <a:srgbClr val="6E747A">
+                      <a:alpha val="43000"/>
+                    </a:srgbClr>
+                  </a:outerShdw>
+                </a:effectLst>
+                <a:latin typeface="文泉驿微米黑" panose="020B0606030804020204" charset="-122"/>
+                <a:ea typeface="文泉驿微米黑" panose="020B0606030804020204" charset="-122"/>
+                <a:sym typeface="+mn-ea"/>
+              </a:rPr>
+              <a:t>install</a:t>
+            </a:r>
+            <a:endParaRPr lang="en-US" altLang="zh-CN" sz="7200" b="1">
+              <a:gradFill>
+                <a:gsLst>
+                  <a:gs pos="0">
+                    <a:srgbClr val="012D86"/>
+                  </a:gs>
+                  <a:gs pos="100000">
+                    <a:srgbClr val="0E2557"/>
+                  </a:gs>
+                </a:gsLst>
+                <a:lin scaled="0"/>
+              </a:gradFill>
+              <a:effectLst>
+                <a:outerShdw blurRad="38100" dist="25400" dir="5400000" algn="ctr" rotWithShape="0">
+                  <a:srgbClr val="6E747A">
+                    <a:alpha val="43000"/>
+                  </a:srgbClr>
+                </a:outerShdw>
+              </a:effectLst>
+              <a:latin typeface="文泉驿微米黑" panose="020B0606030804020204" charset="-122"/>
+              <a:ea typeface="文泉驿微米黑" panose="020B0606030804020204" charset="-122"/>
+            </a:endParaRPr>
+          </a:p>
+          <a:p>
+            <a:pPr algn="r"/>
+            <a:r>
+              <a:rPr lang="en-US" altLang="zh-CN" sz="1400" b="1" u="sng">
+                <a:gradFill>
+                  <a:gsLst>
+                    <a:gs pos="0">
+                      <a:srgbClr val="012D86"/>
+                    </a:gs>
+                    <a:gs pos="100000">
+                      <a:srgbClr val="0E2557"/>
+                    </a:gs>
+                  </a:gsLst>
+                  <a:lin scaled="0"/>
+                </a:gradFill>
+                <a:effectLst>
+                  <a:outerShdw blurRad="38100" dist="25400" dir="5400000" algn="ctr" rotWithShape="0">
+                    <a:srgbClr val="6E747A">
+                      <a:alpha val="43000"/>
+                    </a:srgbClr>
+                  </a:outerShdw>
+                </a:effectLst>
+              </a:rPr>
+              <a:t>isLinXu</a:t>
+            </a:r>
+            <a:endParaRPr lang="en-US" altLang="zh-CN" sz="1400" b="1" u="sng">
+              <a:gradFill>
+                <a:gsLst>
+                  <a:gs pos="0">
+                    <a:srgbClr val="012D86"/>
+                  </a:gs>
+                  <a:gs pos="100000">
+                    <a:srgbClr val="0E2557"/>
+                  </a:gs>
+                </a:gsLst>
+                <a:lin scaled="0"/>
+              </a:gradFill>
+              <a:effectLst>
+                <a:outerShdw blurRad="38100" dist="25400" dir="5400000" algn="ctr" rotWithShape="0">
+                  <a:srgbClr val="6E747A">
+                    <a:alpha val="43000"/>
+                  </a:srgbClr>
+                </a:outerShdw>
+              </a:effectLst>
+            </a:endParaRPr>
+          </a:p>
+        </p:txBody>
+      </p:sp>
+    </p:spTree>
+  </p:cSld>
+  <p:clrMapOvr>
+    <a:masterClrMapping/>
+  </p:clrMapOvr>
+</p:sld>
+</file>
+
+<file path=ppt/slides/slide24.xml><?xml version="1.0" encoding="utf-8"?>
+<p:sld xmlns:a="http://schemas.openxmlformats.org/drawingml/2006/main" xmlns:r="http://schemas.openxmlformats.org/officeDocument/2006/relationships" xmlns:p="http://schemas.openxmlformats.org/presentationml/2006/main">
+  <p:cSld>
+    <p:spTree>
+      <p:nvGrpSpPr>
+        <p:cNvPr id="1" name=""/>
+        <p:cNvGrpSpPr/>
+        <p:nvPr/>
+      </p:nvGrpSpPr>
+      <p:grpSpPr/>
+      <p:sp>
+        <p:nvSpPr>
+          <p:cNvPr id="4" name="矩形 3"/>
+          <p:cNvSpPr/>
+          <p:nvPr/>
+        </p:nvSpPr>
+        <p:spPr>
+          <a:xfrm>
+            <a:off x="4511676" y="2829560"/>
+            <a:ext cx="3168650" cy="1414780"/>
+          </a:xfrm>
+          <a:prstGeom prst="rect">
+            <a:avLst/>
+          </a:prstGeom>
+          <a:noFill/>
+          <a:ln>
+            <a:noFill/>
+          </a:ln>
+        </p:spPr>
+        <p:txBody>
+          <a:bodyPr wrap="none" rtlCol="0" anchor="t">
+            <a:spAutoFit/>
+          </a:bodyPr>
+          <a:p>
+            <a:pPr algn="ctr">
+              <a:buClrTx/>
+              <a:buSzTx/>
+              <a:buFontTx/>
+            </a:pPr>
+            <a:r>
+              <a:rPr lang="en-US" altLang="zh-CN" sz="7200" b="1">
+                <a:gradFill>
+                  <a:gsLst>
+                    <a:gs pos="0">
+                      <a:srgbClr val="012D86"/>
+                    </a:gs>
+                    <a:gs pos="100000">
+                      <a:srgbClr val="0E2557"/>
+                    </a:gs>
+                  </a:gsLst>
+                  <a:lin scaled="0"/>
+                </a:gradFill>
+                <a:effectLst>
+                  <a:outerShdw blurRad="38100" dist="25400" dir="5400000" algn="ctr" rotWithShape="0">
+                    <a:srgbClr val="6E747A">
+                      <a:alpha val="43000"/>
+                    </a:srgbClr>
+                  </a:outerShdw>
+                </a:effectLst>
+                <a:latin typeface="文泉驿微米黑" panose="020B0606030804020204" charset="-122"/>
+                <a:ea typeface="文泉驿微米黑" panose="020B0606030804020204" charset="-122"/>
+                <a:sym typeface="+mn-ea"/>
+              </a:rPr>
+              <a:t>hillt</a:t>
+            </a:r>
+            <a:r>
+              <a:rPr lang="en-US" altLang="zh-CN" sz="7200" b="1">
+                <a:solidFill>
+                  <a:schemeClr val="bg2">
+                    <a:lumMod val="10000"/>
+                  </a:schemeClr>
+                </a:solidFill>
+                <a:effectLst>
+                  <a:outerShdw blurRad="38100" dist="25400" dir="5400000" algn="ctr" rotWithShape="0">
+                    <a:srgbClr val="6E747A">
+                      <a:alpha val="43000"/>
+                    </a:srgbClr>
+                  </a:outerShdw>
+                </a:effectLst>
+                <a:latin typeface="文泉驿微米黑" panose="020B0606030804020204" charset="-122"/>
+                <a:ea typeface="文泉驿微米黑" panose="020B0606030804020204" charset="-122"/>
+                <a:sym typeface="+mn-ea"/>
+              </a:rPr>
+              <a:t>o</a:t>
+            </a:r>
+            <a:r>
+              <a:rPr lang="en-US" altLang="zh-CN" sz="7200" b="1">
+                <a:gradFill>
+                  <a:gsLst>
+                    <a:gs pos="0">
+                      <a:srgbClr val="012D86"/>
+                    </a:gs>
+                    <a:gs pos="100000">
+                      <a:srgbClr val="0E2557"/>
+                    </a:gs>
+                  </a:gsLst>
+                  <a:lin scaled="0"/>
+                </a:gradFill>
+                <a:effectLst>
+                  <a:outerShdw blurRad="38100" dist="25400" dir="5400000" algn="ctr" rotWithShape="0">
+                    <a:srgbClr val="6E747A">
+                      <a:alpha val="43000"/>
+                    </a:srgbClr>
+                  </a:outerShdw>
+                </a:effectLst>
+                <a:latin typeface="文泉驿微米黑" panose="020B0606030804020204" charset="-122"/>
+                <a:ea typeface="文泉驿微米黑" panose="020B0606030804020204" charset="-122"/>
+                <a:sym typeface="+mn-ea"/>
+              </a:rPr>
+              <a:t>p</a:t>
+            </a:r>
+            <a:endParaRPr lang="en-US" altLang="zh-CN" sz="7200" b="1">
+              <a:gradFill>
+                <a:gsLst>
+                  <a:gs pos="0">
+                    <a:srgbClr val="012D86"/>
+                  </a:gs>
+                  <a:gs pos="100000">
+                    <a:srgbClr val="0E2557"/>
+                  </a:gs>
+                </a:gsLst>
+                <a:lin scaled="0"/>
+              </a:gradFill>
+              <a:effectLst>
+                <a:outerShdw blurRad="38100" dist="25400" dir="5400000" algn="ctr" rotWithShape="0">
+                  <a:srgbClr val="6E747A">
+                    <a:alpha val="43000"/>
+                  </a:srgbClr>
+                </a:outerShdw>
+              </a:effectLst>
+              <a:latin typeface="文泉驿微米黑" panose="020B0606030804020204" charset="-122"/>
+              <a:ea typeface="文泉驿微米黑" panose="020B0606030804020204" charset="-122"/>
+            </a:endParaRPr>
+          </a:p>
+          <a:p>
+            <a:pPr algn="r"/>
+            <a:r>
+              <a:rPr lang="en-US" altLang="zh-CN" sz="1400" b="1" u="sng">
+                <a:gradFill>
+                  <a:gsLst>
+                    <a:gs pos="0">
+                      <a:srgbClr val="012D86"/>
+                    </a:gs>
+                    <a:gs pos="100000">
+                      <a:srgbClr val="0E2557"/>
+                    </a:gs>
+                  </a:gsLst>
+                  <a:lin scaled="0"/>
+                </a:gradFill>
+                <a:effectLst>
+                  <a:outerShdw blurRad="38100" dist="25400" dir="5400000" algn="ctr" rotWithShape="0">
+                    <a:srgbClr val="6E747A">
+                      <a:alpha val="43000"/>
+                    </a:srgbClr>
+                  </a:outerShdw>
+                </a:effectLst>
+              </a:rPr>
+              <a:t>isLinXu</a:t>
+            </a:r>
+            <a:endParaRPr lang="en-US" altLang="zh-CN" sz="1400" b="1" u="sng">
+              <a:gradFill>
+                <a:gsLst>
+                  <a:gs pos="0">
+                    <a:srgbClr val="012D86"/>
+                  </a:gs>
+                  <a:gs pos="100000">
+                    <a:srgbClr val="0E2557"/>
+                  </a:gs>
+                </a:gsLst>
+                <a:lin scaled="0"/>
+              </a:gradFill>
+              <a:effectLst>
+                <a:outerShdw blurRad="38100" dist="25400" dir="5400000" algn="ctr" rotWithShape="0">
+                  <a:srgbClr val="6E747A">
+                    <a:alpha val="43000"/>
+                  </a:srgbClr>
+                </a:outerShdw>
+              </a:effectLst>
+            </a:endParaRPr>
+          </a:p>
+        </p:txBody>
+      </p:sp>
+      <p:sp>
+        <p:nvSpPr>
+          <p:cNvPr id="2" name="文本框 1"/>
+          <p:cNvSpPr txBox="1"/>
+          <p:nvPr/>
+        </p:nvSpPr>
+        <p:spPr>
+          <a:xfrm>
+            <a:off x="5071745" y="1913255"/>
+            <a:ext cx="2540000" cy="368300"/>
+          </a:xfrm>
+          <a:prstGeom prst="rect">
+            <a:avLst/>
+          </a:prstGeom>
+          <a:noFill/>
+        </p:spPr>
+        <p:txBody>
+          <a:bodyPr wrap="square" rtlCol="0" anchor="t">
+            <a:spAutoFit/>
+          </a:bodyPr>
+          <a:p>
+            <a:r>
+              <a:rPr lang="zh-CN" altLang="en-US"/>
+              <a:t>pp-install</a:t>
+            </a:r>
+            <a:endParaRPr lang="zh-CN" altLang="en-US"/>
+          </a:p>
+        </p:txBody>
+      </p:sp>
+    </p:spTree>
+  </p:cSld>
+  <p:clrMapOvr>
+    <a:masterClrMapping/>
+  </p:clrMapOvr>
+</p:sld>
+</file>
+
+<file path=ppt/slides/slide25.xml><?xml version="1.0" encoding="utf-8"?>
+<p:sld xmlns:a="http://schemas.openxmlformats.org/drawingml/2006/main" xmlns:r="http://schemas.openxmlformats.org/officeDocument/2006/relationships" xmlns:p="http://schemas.openxmlformats.org/presentationml/2006/main">
+  <p:cSld>
+    <p:spTree>
+      <p:nvGrpSpPr>
+        <p:cNvPr id="1" name=""/>
+        <p:cNvGrpSpPr/>
+        <p:nvPr/>
+      </p:nvGrpSpPr>
+      <p:grpSpPr/>
+      <p:sp>
+        <p:nvSpPr>
+          <p:cNvPr id="8" name="矩形 7"/>
+          <p:cNvSpPr/>
+          <p:nvPr/>
+        </p:nvSpPr>
+        <p:spPr>
+          <a:xfrm>
+            <a:off x="4537075" y="2406015"/>
+            <a:ext cx="3117215" cy="1414780"/>
+          </a:xfrm>
+          <a:prstGeom prst="rect">
+            <a:avLst/>
+          </a:prstGeom>
+          <a:noFill/>
+          <a:ln>
+            <a:noFill/>
+          </a:ln>
+        </p:spPr>
+        <p:txBody>
+          <a:bodyPr wrap="square" rtlCol="0" anchor="t">
+            <a:spAutoFit/>
+          </a:bodyPr>
+          <a:p>
+            <a:pPr algn="ctr">
+              <a:buClrTx/>
+              <a:buSzTx/>
+              <a:buFontTx/>
+            </a:pPr>
+            <a:r>
+              <a:rPr lang="en-US" altLang="zh-CN" sz="7200" b="1">
+                <a:gradFill>
+                  <a:gsLst>
+                    <a:gs pos="0">
+                      <a:srgbClr val="012D86"/>
+                    </a:gs>
+                    <a:gs pos="100000">
+                      <a:srgbClr val="0E2557"/>
+                    </a:gs>
+                  </a:gsLst>
+                  <a:lin scaled="0"/>
+                </a:gradFill>
+                <a:effectLst>
+                  <a:outerShdw blurRad="38100" dist="25400" dir="5400000" algn="ctr" rotWithShape="0">
+                    <a:srgbClr val="6E747A">
+                      <a:alpha val="43000"/>
+                    </a:srgbClr>
+                  </a:outerShdw>
+                </a:effectLst>
+                <a:latin typeface="文泉驿微米黑" panose="020B0606030804020204" charset="-122"/>
+                <a:ea typeface="文泉驿微米黑" panose="020B0606030804020204" charset="-122"/>
+                <a:sym typeface="+mn-ea"/>
+              </a:rPr>
+              <a:t>Mat</a:t>
+            </a:r>
+            <a:r>
+              <a:rPr lang="en-US" altLang="zh-CN" sz="7200" b="1">
+                <a:solidFill>
+                  <a:schemeClr val="accent5"/>
+                </a:solidFill>
+                <a:effectLst>
+                  <a:outerShdw blurRad="38100" dist="25400" dir="5400000" algn="ctr" rotWithShape="0">
+                    <a:srgbClr val="6E747A">
+                      <a:alpha val="43000"/>
+                    </a:srgbClr>
+                  </a:outerShdw>
+                </a:effectLst>
+                <a:latin typeface="文泉驿微米黑" panose="020B0606030804020204" charset="-122"/>
+                <a:ea typeface="文泉驿微米黑" panose="020B0606030804020204" charset="-122"/>
+                <a:sym typeface="+mn-ea"/>
+              </a:rPr>
+              <a:t>Py</a:t>
+            </a:r>
+            <a:endParaRPr lang="en-US" altLang="zh-CN" sz="7200" b="1">
+              <a:gradFill>
+                <a:gsLst>
+                  <a:gs pos="0">
+                    <a:srgbClr val="012D86"/>
+                  </a:gs>
+                  <a:gs pos="100000">
+                    <a:srgbClr val="0E2557"/>
+                  </a:gs>
+                </a:gsLst>
+                <a:lin scaled="0"/>
+              </a:gradFill>
+              <a:effectLst>
+                <a:outerShdw blurRad="38100" dist="25400" dir="5400000" algn="ctr" rotWithShape="0">
+                  <a:srgbClr val="6E747A">
+                    <a:alpha val="43000"/>
+                  </a:srgbClr>
+                </a:outerShdw>
+              </a:effectLst>
+              <a:latin typeface="文泉驿微米黑" panose="020B0606030804020204" charset="-122"/>
+              <a:ea typeface="文泉驿微米黑" panose="020B0606030804020204" charset="-122"/>
+            </a:endParaRPr>
+          </a:p>
+          <a:p>
+            <a:pPr algn="r"/>
+            <a:r>
+              <a:rPr lang="en-US" altLang="zh-CN" sz="1400" b="1" u="sng">
+                <a:gradFill>
+                  <a:gsLst>
+                    <a:gs pos="0">
+                      <a:srgbClr val="012D86"/>
+                    </a:gs>
+                    <a:gs pos="100000">
+                      <a:srgbClr val="0E2557"/>
+                    </a:gs>
+                  </a:gsLst>
+                  <a:lin scaled="0"/>
+                </a:gradFill>
+                <a:effectLst>
+                  <a:outerShdw blurRad="38100" dist="25400" dir="5400000" algn="ctr" rotWithShape="0">
+                    <a:srgbClr val="6E747A">
+                      <a:alpha val="43000"/>
+                    </a:srgbClr>
+                  </a:outerShdw>
+                </a:effectLst>
+              </a:rPr>
+              <a:t>isLinXu</a:t>
+            </a:r>
+            <a:endParaRPr lang="en-US" altLang="zh-CN" sz="1400" b="1" u="sng">
+              <a:gradFill>
+                <a:gsLst>
+                  <a:gs pos="0">
+                    <a:srgbClr val="012D86"/>
+                  </a:gs>
+                  <a:gs pos="100000">
+                    <a:srgbClr val="0E2557"/>
+                  </a:gs>
+                </a:gsLst>
+                <a:lin scaled="0"/>
+              </a:gradFill>
+              <a:effectLst>
+                <a:outerShdw blurRad="38100" dist="25400" dir="5400000" algn="ctr" rotWithShape="0">
+                  <a:srgbClr val="6E747A">
+                    <a:alpha val="43000"/>
+                  </a:srgbClr>
+                </a:outerShdw>
+              </a:effectLst>
+            </a:endParaRPr>
+          </a:p>
+        </p:txBody>
+      </p:sp>
+    </p:spTree>
+  </p:cSld>
+  <p:clrMapOvr>
+    <a:masterClrMapping/>
+  </p:clrMapOvr>
+</p:sld>
+</file>
+
+<file path=ppt/slides/slide26.xml><?xml version="1.0" encoding="utf-8"?>
+<p:sld xmlns:a="http://schemas.openxmlformats.org/drawingml/2006/main" xmlns:r="http://schemas.openxmlformats.org/officeDocument/2006/relationships" xmlns:p="http://schemas.openxmlformats.org/presentationml/2006/main">
+  <p:cSld>
+    <p:spTree>
+      <p:nvGrpSpPr>
+        <p:cNvPr id="1" name=""/>
+        <p:cNvGrpSpPr/>
+        <p:nvPr/>
+      </p:nvGrpSpPr>
+      <p:grpSpPr/>
+      <p:sp>
+        <p:nvSpPr>
+          <p:cNvPr id="4" name="矩形 3"/>
+          <p:cNvSpPr/>
+          <p:nvPr/>
+        </p:nvSpPr>
+        <p:spPr>
+          <a:xfrm>
+            <a:off x="3188970" y="2829560"/>
+            <a:ext cx="5342255" cy="1414780"/>
+          </a:xfrm>
+          <a:prstGeom prst="rect">
+            <a:avLst/>
+          </a:prstGeom>
+          <a:noFill/>
+          <a:ln>
+            <a:noFill/>
+          </a:ln>
+        </p:spPr>
+        <p:txBody>
+          <a:bodyPr wrap="square" rtlCol="0" anchor="t">
+            <a:spAutoFit/>
+          </a:bodyPr>
+          <a:p>
+            <a:pPr algn="ctr"/>
+            <a:r>
+              <a:rPr lang="en-US" altLang="zh-CN" sz="7200" b="1">
+                <a:gradFill>
+                  <a:gsLst>
+                    <a:gs pos="0">
+                      <a:srgbClr val="012D86"/>
+                    </a:gs>
+                    <a:gs pos="100000">
+                      <a:srgbClr val="0E2557"/>
+                    </a:gs>
+                  </a:gsLst>
+                  <a:lin scaled="0"/>
+                </a:gradFill>
+                <a:effectLst>
+                  <a:outerShdw blurRad="38100" dist="25400" dir="5400000" algn="ctr" rotWithShape="0">
+                    <a:srgbClr val="6E747A">
+                      <a:alpha val="43000"/>
+                    </a:srgbClr>
+                  </a:outerShdw>
+                </a:effectLst>
+                <a:latin typeface="文泉驿微米黑" panose="020B0606030804020204" charset="-122"/>
+                <a:ea typeface="文泉驿微米黑" panose="020B0606030804020204" charset="-122"/>
+              </a:rPr>
+              <a:t>One</a:t>
+            </a:r>
+            <a:r>
+              <a:rPr lang="en-US" altLang="zh-CN" sz="7200" b="1">
+                <a:solidFill>
+                  <a:srgbClr val="087B7C"/>
+                </a:solidFill>
+                <a:effectLst>
+                  <a:outerShdw blurRad="38100" dist="25400" dir="5400000" algn="ctr" rotWithShape="0">
+                    <a:srgbClr val="6E747A">
+                      <a:alpha val="43000"/>
+                    </a:srgbClr>
+                  </a:outerShdw>
+                </a:effectLst>
+                <a:latin typeface="文泉驿微米黑" panose="020B0606030804020204" charset="-122"/>
+                <a:ea typeface="文泉驿微米黑" panose="020B0606030804020204" charset="-122"/>
+              </a:rPr>
+              <a:t>Marker</a:t>
+            </a:r>
+            <a:endParaRPr lang="en-US" altLang="zh-CN" sz="7200" b="1">
+              <a:gradFill>
+                <a:gsLst>
+                  <a:gs pos="0">
+                    <a:srgbClr val="012D86"/>
+                  </a:gs>
+                  <a:gs pos="100000">
+                    <a:srgbClr val="0E2557"/>
+                  </a:gs>
+                </a:gsLst>
+                <a:lin scaled="0"/>
+              </a:gradFill>
+              <a:effectLst>
+                <a:outerShdw blurRad="38100" dist="25400" dir="5400000" algn="ctr" rotWithShape="0">
+                  <a:srgbClr val="6E747A">
+                    <a:alpha val="43000"/>
+                  </a:srgbClr>
+                </a:outerShdw>
+              </a:effectLst>
+              <a:latin typeface="文泉驿微米黑" panose="020B0606030804020204" charset="-122"/>
+              <a:ea typeface="文泉驿微米黑" panose="020B0606030804020204" charset="-122"/>
+            </a:endParaRPr>
+          </a:p>
+          <a:p>
+            <a:pPr algn="r"/>
+            <a:r>
+              <a:rPr lang="en-US" altLang="zh-CN" sz="1400" b="1" u="sng">
+                <a:gradFill>
+                  <a:gsLst>
+                    <a:gs pos="0">
+                      <a:srgbClr val="012D86"/>
+                    </a:gs>
+                    <a:gs pos="100000">
+                      <a:srgbClr val="0E2557"/>
+                    </a:gs>
+                  </a:gsLst>
+                  <a:lin scaled="0"/>
+                </a:gradFill>
+                <a:effectLst>
+                  <a:outerShdw blurRad="38100" dist="25400" dir="5400000" algn="ctr" rotWithShape="0">
+                    <a:srgbClr val="6E747A">
+                      <a:alpha val="43000"/>
+                    </a:srgbClr>
+                  </a:outerShdw>
+                </a:effectLst>
+              </a:rPr>
+              <a:t>isLinXu</a:t>
+            </a:r>
+            <a:endParaRPr lang="en-US" altLang="zh-CN" sz="1400" b="1" u="sng">
+              <a:gradFill>
+                <a:gsLst>
+                  <a:gs pos="0">
+                    <a:srgbClr val="012D86"/>
+                  </a:gs>
+                  <a:gs pos="100000">
+                    <a:srgbClr val="0E2557"/>
+                  </a:gs>
+                </a:gsLst>
+                <a:lin scaled="0"/>
+              </a:gradFill>
+              <a:effectLst>
+                <a:outerShdw blurRad="38100" dist="25400" dir="5400000" algn="ctr" rotWithShape="0">
+                  <a:srgbClr val="6E747A">
+                    <a:alpha val="43000"/>
+                  </a:srgbClr>
+                </a:outerShdw>
+              </a:effectLst>
+            </a:endParaRPr>
+          </a:p>
+        </p:txBody>
+      </p:sp>
+    </p:spTree>
+  </p:cSld>
+  <p:clrMapOvr>
+    <a:masterClrMapping/>
+  </p:clrMapOvr>
+</p:sld>
+</file>
+
+<file path=ppt/slides/slide27.xml><?xml version="1.0" encoding="utf-8"?>
+<p:sld xmlns:a="http://schemas.openxmlformats.org/drawingml/2006/main" xmlns:r="http://schemas.openxmlformats.org/officeDocument/2006/relationships" xmlns:p="http://schemas.openxmlformats.org/presentationml/2006/main">
+  <p:cSld>
+    <p:spTree>
+      <p:nvGrpSpPr>
+        <p:cNvPr id="1" name=""/>
+        <p:cNvGrpSpPr/>
+        <p:nvPr/>
+      </p:nvGrpSpPr>
+      <p:grpSpPr/>
+      <p:sp>
+        <p:nvSpPr>
+          <p:cNvPr id="5" name="矩形 4"/>
+          <p:cNvSpPr/>
+          <p:nvPr/>
+        </p:nvSpPr>
+        <p:spPr>
+          <a:xfrm>
+            <a:off x="2840355" y="2829560"/>
+            <a:ext cx="5924550" cy="1414780"/>
+          </a:xfrm>
+          <a:prstGeom prst="rect">
+            <a:avLst/>
+          </a:prstGeom>
+          <a:noFill/>
+          <a:ln>
+            <a:noFill/>
+          </a:ln>
+        </p:spPr>
+        <p:txBody>
+          <a:bodyPr wrap="square" rtlCol="0" anchor="t">
+            <a:spAutoFit/>
+          </a:bodyPr>
+          <a:p>
+            <a:pPr algn="ctr"/>
+            <a:r>
+              <a:rPr lang="en-US" altLang="zh-CN" sz="7200" b="1">
+                <a:gradFill>
+                  <a:gsLst>
+                    <a:gs pos="0">
+                      <a:srgbClr val="012D86"/>
+                    </a:gs>
+                    <a:gs pos="100000">
+                      <a:srgbClr val="0E2557"/>
+                    </a:gs>
+                  </a:gsLst>
+                  <a:lin scaled="0"/>
+                </a:gradFill>
+                <a:effectLst>
+                  <a:outerShdw blurRad="38100" dist="25400" dir="5400000" algn="ctr" rotWithShape="0">
+                    <a:srgbClr val="6E747A">
+                      <a:alpha val="43000"/>
+                    </a:srgbClr>
+                  </a:outerShdw>
+                </a:effectLst>
+                <a:latin typeface="文泉驿微米黑" panose="020B0606030804020204" charset="-122"/>
+                <a:ea typeface="文泉驿微米黑" panose="020B0606030804020204" charset="-122"/>
+              </a:rPr>
+              <a:t>One</a:t>
+            </a:r>
+            <a:r>
+              <a:rPr lang="en-US" altLang="zh-CN" sz="7200" b="1">
+                <a:solidFill>
+                  <a:srgbClr val="087B7C"/>
+                </a:solidFill>
+                <a:effectLst>
+                  <a:outerShdw blurRad="38100" dist="25400" dir="5400000" algn="ctr" rotWithShape="0">
+                    <a:srgbClr val="6E747A">
+                      <a:alpha val="43000"/>
+                    </a:srgbClr>
+                  </a:outerShdw>
+                </a:effectLst>
+                <a:latin typeface="文泉驿微米黑" panose="020B0606030804020204" charset="-122"/>
+                <a:ea typeface="文泉驿微米黑" panose="020B0606030804020204" charset="-122"/>
+                <a:sym typeface="+mn-ea"/>
+              </a:rPr>
+              <a:t>Installer</a:t>
+            </a:r>
+            <a:endParaRPr lang="zh-CN" altLang="en-US" sz="7200"/>
+          </a:p>
+          <a:p>
+            <a:pPr algn="r"/>
+            <a:r>
+              <a:rPr lang="en-US" altLang="zh-CN" sz="1400" b="1" u="sng">
+                <a:gradFill>
+                  <a:gsLst>
+                    <a:gs pos="0">
+                      <a:srgbClr val="012D86"/>
+                    </a:gs>
+                    <a:gs pos="100000">
+                      <a:srgbClr val="0E2557"/>
+                    </a:gs>
+                  </a:gsLst>
+                  <a:lin scaled="0"/>
+                </a:gradFill>
+                <a:effectLst>
+                  <a:outerShdw blurRad="38100" dist="25400" dir="5400000" algn="ctr" rotWithShape="0">
+                    <a:srgbClr val="6E747A">
+                      <a:alpha val="43000"/>
+                    </a:srgbClr>
+                  </a:outerShdw>
+                </a:effectLst>
+              </a:rPr>
+              <a:t>isLinXu</a:t>
+            </a:r>
+            <a:endParaRPr lang="en-US" altLang="zh-CN" sz="1400" b="1" u="sng">
+              <a:gradFill>
+                <a:gsLst>
+                  <a:gs pos="0">
+                    <a:srgbClr val="012D86"/>
+                  </a:gs>
+                  <a:gs pos="100000">
+                    <a:srgbClr val="0E2557"/>
+                  </a:gs>
+                </a:gsLst>
+                <a:lin scaled="0"/>
+              </a:gradFill>
+              <a:effectLst>
+                <a:outerShdw blurRad="38100" dist="25400" dir="5400000" algn="ctr" rotWithShape="0">
+                  <a:srgbClr val="6E747A">
+                    <a:alpha val="43000"/>
+                  </a:srgbClr>
+                </a:outerShdw>
+              </a:effectLst>
+            </a:endParaRPr>
+          </a:p>
+        </p:txBody>
+      </p:sp>
+    </p:spTree>
+  </p:cSld>
+  <p:clrMapOvr>
+    <a:masterClrMapping/>
+  </p:clrMapOvr>
+</p:sld>
+</file>
+
+<file path=ppt/slides/slide28.xml><?xml version="1.0" encoding="utf-8"?>
+<p:sld xmlns:a="http://schemas.openxmlformats.org/drawingml/2006/main" xmlns:r="http://schemas.openxmlformats.org/officeDocument/2006/relationships" xmlns:p="http://schemas.openxmlformats.org/presentationml/2006/main">
+  <p:cSld>
+    <p:spTree>
+      <p:nvGrpSpPr>
+        <p:cNvPr id="1" name=""/>
+        <p:cNvGrpSpPr/>
+        <p:nvPr/>
+      </p:nvGrpSpPr>
+      <p:grpSpPr/>
+      <p:sp>
+        <p:nvSpPr>
+          <p:cNvPr id="5" name="矩形 4"/>
+          <p:cNvSpPr/>
+          <p:nvPr/>
+        </p:nvSpPr>
+        <p:spPr>
+          <a:xfrm>
+            <a:off x="579120" y="2446655"/>
+            <a:ext cx="11238230" cy="1414780"/>
+          </a:xfrm>
+          <a:prstGeom prst="rect">
+            <a:avLst/>
+          </a:prstGeom>
+          <a:noFill/>
+          <a:ln>
+            <a:noFill/>
+          </a:ln>
+        </p:spPr>
+        <p:txBody>
+          <a:bodyPr wrap="square" rtlCol="0" anchor="t">
+            <a:spAutoFit/>
+          </a:bodyPr>
+          <a:p>
+            <a:pPr algn="ctr"/>
+            <a:r>
+              <a:rPr lang="en-US" altLang="zh-CN" sz="7200" b="1">
+                <a:gradFill>
+                  <a:gsLst>
+                    <a:gs pos="0">
+                      <a:srgbClr val="012D86"/>
+                    </a:gs>
+                    <a:gs pos="100000">
+                      <a:srgbClr val="0E2557"/>
+                    </a:gs>
+                  </a:gsLst>
+                  <a:lin scaled="0"/>
+                </a:gradFill>
+                <a:effectLst>
+                  <a:outerShdw blurRad="38100" dist="25400" dir="5400000" algn="ctr" rotWithShape="0">
+                    <a:srgbClr val="6E747A">
+                      <a:alpha val="43000"/>
+                    </a:srgbClr>
+                  </a:outerShdw>
+                </a:effectLst>
+                <a:latin typeface="文泉驿微米黑" panose="020B0606030804020204" charset="-122"/>
+                <a:ea typeface="文泉驿微米黑" panose="020B0606030804020204" charset="-122"/>
+                <a:sym typeface="+mn-ea"/>
+              </a:rPr>
+              <a:t>Self</a:t>
+            </a:r>
+            <a:r>
+              <a:rPr lang="en-US" altLang="zh-CN" sz="7200" b="1">
+                <a:solidFill>
+                  <a:srgbClr val="087B7C"/>
+                </a:solidFill>
+                <a:effectLst>
+                  <a:outerShdw blurRad="38100" dist="25400" dir="5400000" algn="ctr" rotWithShape="0">
+                    <a:srgbClr val="6E747A">
+                      <a:alpha val="43000"/>
+                    </a:srgbClr>
+                  </a:outerShdw>
+                </a:effectLst>
+                <a:latin typeface="文泉驿微米黑" panose="020B0606030804020204" charset="-122"/>
+                <a:ea typeface="文泉驿微米黑" panose="020B0606030804020204" charset="-122"/>
+                <a:sym typeface="+mn-ea"/>
+              </a:rPr>
+              <a:t>Reinforcing</a:t>
+            </a:r>
+            <a:r>
+              <a:rPr lang="en-US" altLang="zh-CN" sz="7200" b="1">
+                <a:gradFill>
+                  <a:gsLst>
+                    <a:gs pos="0">
+                      <a:srgbClr val="007BD3"/>
+                    </a:gs>
+                    <a:gs pos="100000">
+                      <a:srgbClr val="034373"/>
+                    </a:gs>
+                  </a:gsLst>
+                  <a:lin scaled="0"/>
+                </a:gradFill>
+                <a:effectLst>
+                  <a:outerShdw blurRad="38100" dist="25400" dir="5400000" algn="ctr" rotWithShape="0">
+                    <a:srgbClr val="6E747A">
+                      <a:alpha val="43000"/>
+                    </a:srgbClr>
+                  </a:outerShdw>
+                </a:effectLst>
+                <a:latin typeface="文泉驿微米黑" panose="020B0606030804020204" charset="-122"/>
+                <a:ea typeface="文泉驿微米黑" panose="020B0606030804020204" charset="-122"/>
+                <a:sym typeface="+mn-ea"/>
+              </a:rPr>
+              <a:t>Furnace</a:t>
+            </a:r>
+            <a:endParaRPr lang="zh-CN" altLang="en-US" sz="7200">
+              <a:gradFill>
+                <a:gsLst>
+                  <a:gs pos="0">
+                    <a:srgbClr val="007BD3"/>
+                  </a:gs>
+                  <a:gs pos="100000">
+                    <a:srgbClr val="034373"/>
+                  </a:gs>
+                </a:gsLst>
+                <a:lin scaled="0"/>
+              </a:gradFill>
+            </a:endParaRPr>
+          </a:p>
+          <a:p>
+            <a:pPr algn="r"/>
+            <a:r>
+              <a:rPr lang="en-US" altLang="zh-CN" sz="1400" b="1" u="sng">
+                <a:gradFill>
+                  <a:gsLst>
+                    <a:gs pos="0">
+                      <a:srgbClr val="012D86"/>
+                    </a:gs>
+                    <a:gs pos="100000">
+                      <a:srgbClr val="0E2557"/>
+                    </a:gs>
+                  </a:gsLst>
+                  <a:lin scaled="0"/>
+                </a:gradFill>
+                <a:effectLst>
+                  <a:outerShdw blurRad="38100" dist="25400" dir="5400000" algn="ctr" rotWithShape="0">
+                    <a:srgbClr val="6E747A">
+                      <a:alpha val="43000"/>
+                    </a:srgbClr>
+                  </a:outerShdw>
+                </a:effectLst>
+              </a:rPr>
+              <a:t>isLinXu</a:t>
+            </a:r>
+            <a:endParaRPr lang="en-US" altLang="zh-CN" sz="1400" b="1" u="sng">
+              <a:gradFill>
+                <a:gsLst>
+                  <a:gs pos="0">
+                    <a:srgbClr val="012D86"/>
+                  </a:gs>
+                  <a:gs pos="100000">
+                    <a:srgbClr val="0E2557"/>
+                  </a:gs>
+                </a:gsLst>
+                <a:lin scaled="0"/>
+              </a:gradFill>
+              <a:effectLst>
+                <a:outerShdw blurRad="38100" dist="25400" dir="5400000" algn="ctr" rotWithShape="0">
+                  <a:srgbClr val="6E747A">
+                    <a:alpha val="43000"/>
+                  </a:srgbClr>
+                </a:outerShdw>
+              </a:effectLst>
+            </a:endParaRPr>
+          </a:p>
+        </p:txBody>
+      </p:sp>
+    </p:spTree>
+  </p:cSld>
+  <p:clrMapOvr>
+    <a:masterClrMapping/>
+  </p:clrMapOvr>
+</p:sld>
+</file>
+
+<file path=ppt/slides/slide29.xml><?xml version="1.0" encoding="utf-8"?>
+<p:sld xmlns:a="http://schemas.openxmlformats.org/drawingml/2006/main" xmlns:r="http://schemas.openxmlformats.org/officeDocument/2006/relationships" xmlns:p="http://schemas.openxmlformats.org/presentationml/2006/main">
+  <p:cSld>
+    <p:spTree>
+      <p:nvGrpSpPr>
+        <p:cNvPr id="1" name=""/>
+        <p:cNvGrpSpPr/>
+        <p:nvPr/>
+      </p:nvGrpSpPr>
+      <p:grpSpPr/>
+      <p:sp>
+        <p:nvSpPr>
+          <p:cNvPr id="5" name="矩形 4"/>
+          <p:cNvSpPr/>
+          <p:nvPr/>
+        </p:nvSpPr>
+        <p:spPr>
+          <a:xfrm>
+            <a:off x="1459230" y="2535555"/>
+            <a:ext cx="9947910" cy="1414780"/>
+          </a:xfrm>
+          <a:prstGeom prst="rect">
+            <a:avLst/>
+          </a:prstGeom>
+          <a:noFill/>
+          <a:ln>
+            <a:noFill/>
+          </a:ln>
+        </p:spPr>
+        <p:txBody>
+          <a:bodyPr wrap="square" rtlCol="0" anchor="t">
+            <a:spAutoFit/>
+          </a:bodyPr>
+          <a:p>
+            <a:pPr algn="r"/>
+            <a:r>
+              <a:rPr lang="en-US" altLang="zh-CN" sz="7200" b="1">
+                <a:gradFill>
+                  <a:gsLst>
+                    <a:gs pos="0">
+                      <a:srgbClr val="012D86"/>
+                    </a:gs>
+                    <a:gs pos="100000">
+                      <a:srgbClr val="0E2557"/>
+                    </a:gs>
+                  </a:gsLst>
+                  <a:lin scaled="0"/>
+                </a:gradFill>
+                <a:effectLst>
+                  <a:outerShdw blurRad="38100" dist="25400" dir="5400000" algn="ctr" rotWithShape="0">
+                    <a:srgbClr val="6E747A">
+                      <a:alpha val="43000"/>
+                    </a:srgbClr>
+                  </a:outerShdw>
+                </a:effectLst>
+                <a:latin typeface="文泉驿微米黑" panose="020B0606030804020204" charset="-122"/>
+                <a:ea typeface="文泉驿微米黑" panose="020B0606030804020204" charset="-122"/>
+                <a:sym typeface="+mn-ea"/>
+              </a:rPr>
+              <a:t>Awesome</a:t>
+            </a:r>
+            <a:r>
+              <a:rPr lang="en-US" altLang="zh-CN" sz="7200" b="1">
+                <a:solidFill>
+                  <a:srgbClr val="087B7C"/>
+                </a:solidFill>
+                <a:effectLst>
+                  <a:outerShdw blurRad="38100" dist="25400" dir="5400000" algn="ctr" rotWithShape="0">
+                    <a:srgbClr val="6E747A">
+                      <a:alpha val="43000"/>
+                    </a:srgbClr>
+                  </a:outerShdw>
+                </a:effectLst>
+                <a:latin typeface="文泉驿微米黑" panose="020B0606030804020204" charset="-122"/>
+                <a:ea typeface="文泉驿微米黑" panose="020B0606030804020204" charset="-122"/>
+                <a:sym typeface="+mn-ea"/>
+              </a:rPr>
+              <a:t>Course</a:t>
+            </a:r>
+            <a:r>
+              <a:rPr lang="en-US" altLang="zh-CN" sz="7200" b="1">
+                <a:gradFill>
+                  <a:gsLst>
+                    <a:gs pos="0">
+                      <a:srgbClr val="007BD3"/>
+                    </a:gs>
+                    <a:gs pos="100000">
+                      <a:srgbClr val="034373"/>
+                    </a:gs>
+                  </a:gsLst>
+                  <a:lin scaled="0"/>
+                </a:gradFill>
+                <a:effectLst>
+                  <a:outerShdw blurRad="38100" dist="25400" dir="5400000" algn="ctr" rotWithShape="0">
+                    <a:srgbClr val="6E747A">
+                      <a:alpha val="43000"/>
+                    </a:srgbClr>
+                  </a:outerShdw>
+                </a:effectLst>
+                <a:latin typeface="文泉驿微米黑" panose="020B0606030804020204" charset="-122"/>
+                <a:ea typeface="文泉驿微米黑" panose="020B0606030804020204" charset="-122"/>
+                <a:sym typeface="+mn-ea"/>
+              </a:rPr>
+              <a:t>Note</a:t>
+            </a:r>
+            <a:br>
+              <a:rPr lang="en-US" altLang="zh-CN" sz="7200" b="1">
+                <a:gradFill>
+                  <a:gsLst>
+                    <a:gs pos="0">
+                      <a:srgbClr val="007BD3"/>
+                    </a:gs>
+                    <a:gs pos="100000">
+                      <a:srgbClr val="034373"/>
+                    </a:gs>
+                  </a:gsLst>
+                  <a:lin scaled="0"/>
+                </a:gradFill>
+                <a:effectLst>
+                  <a:outerShdw blurRad="38100" dist="25400" dir="5400000" algn="ctr" rotWithShape="0">
+                    <a:srgbClr val="6E747A">
+                      <a:alpha val="43000"/>
+                    </a:srgbClr>
+                  </a:outerShdw>
+                </a:effectLst>
+                <a:latin typeface="文泉驿微米黑" panose="020B0606030804020204" charset="-122"/>
+                <a:ea typeface="文泉驿微米黑" panose="020B0606030804020204" charset="-122"/>
+                <a:sym typeface="+mn-ea"/>
+              </a:rPr>
+            </a:br>
+            <a:r>
+              <a:rPr lang="en-US" altLang="zh-CN" sz="1400" b="1" u="sng">
+                <a:gradFill>
+                  <a:gsLst>
+                    <a:gs pos="0">
+                      <a:srgbClr val="012D86"/>
+                    </a:gs>
+                    <a:gs pos="100000">
+                      <a:srgbClr val="0E2557"/>
+                    </a:gs>
+                  </a:gsLst>
+                  <a:lin scaled="0"/>
+                </a:gradFill>
+                <a:effectLst>
+                  <a:outerShdw blurRad="38100" dist="25400" dir="5400000" algn="ctr" rotWithShape="0">
+                    <a:srgbClr val="6E747A">
+                      <a:alpha val="43000"/>
+                    </a:srgbClr>
+                  </a:outerShdw>
+                </a:effectLst>
+              </a:rPr>
+              <a:t>isLinXu</a:t>
+            </a:r>
+            <a:endParaRPr lang="en-US" altLang="zh-CN" sz="1400" b="1" u="sng">
+              <a:gradFill>
+                <a:gsLst>
+                  <a:gs pos="0">
+                    <a:srgbClr val="012D86"/>
+                  </a:gs>
+                  <a:gs pos="100000">
+                    <a:srgbClr val="0E2557"/>
+                  </a:gs>
+                </a:gsLst>
+                <a:lin scaled="0"/>
+              </a:gradFill>
+              <a:effectLst>
+                <a:outerShdw blurRad="38100" dist="25400" dir="5400000" algn="ctr" rotWithShape="0">
+                  <a:srgbClr val="6E747A">
+                    <a:alpha val="43000"/>
+                  </a:srgbClr>
+                </a:outerShdw>
+              </a:effectLst>
+            </a:endParaRPr>
+          </a:p>
+        </p:txBody>
+      </p:sp>
+    </p:spTree>
+  </p:cSld>
+  <p:clrMapOvr>
+    <a:masterClrMapping/>
+  </p:clrMapOvr>
+</p:sld>
+</file>
+
+<file path=ppt/slides/slide3.xml><?xml version="1.0" encoding="utf-8"?>
+<p:sld xmlns:a="http://schemas.openxmlformats.org/drawingml/2006/main" xmlns:r="http://schemas.openxmlformats.org/officeDocument/2006/relationships" xmlns:p="http://schemas.openxmlformats.org/presentationml/2006/main">
+  <p:cSld>
+    <p:spTree>
+      <p:nvGrpSpPr>
+        <p:cNvPr id="1" name=""/>
+        <p:cNvGrpSpPr/>
+        <p:nvPr/>
+      </p:nvGrpSpPr>
+      <p:grpSpPr/>
+      <p:sp>
+        <p:nvSpPr>
+          <p:cNvPr id="4" name="矩形 3"/>
+          <p:cNvSpPr/>
+          <p:nvPr/>
+        </p:nvSpPr>
+        <p:spPr>
+          <a:xfrm>
+            <a:off x="3263900" y="2829560"/>
+            <a:ext cx="5664200" cy="1414780"/>
+          </a:xfrm>
+          <a:prstGeom prst="rect">
+            <a:avLst/>
+          </a:prstGeom>
+          <a:noFill/>
+          <a:ln>
+            <a:noFill/>
+          </a:ln>
+        </p:spPr>
+        <p:txBody>
+          <a:bodyPr wrap="none" rtlCol="0" anchor="t">
+            <a:spAutoFit/>
+          </a:bodyPr>
+          <a:p>
+            <a:pPr algn="ctr"/>
+            <a:r>
+              <a:rPr lang="en-US" altLang="zh-CN" sz="7200" b="1">
+                <a:gradFill>
+                  <a:gsLst>
+                    <a:gs pos="0">
+                      <a:srgbClr val="007BD3"/>
+                    </a:gs>
+                    <a:gs pos="100000">
+                      <a:srgbClr val="034373"/>
+                    </a:gs>
+                  </a:gsLst>
+                  <a:lin scaled="0"/>
+                </a:gradFill>
+                <a:effectLst>
+                  <a:outerShdw blurRad="38100" dist="25400" dir="5400000" algn="ctr" rotWithShape="0">
+                    <a:srgbClr val="6E747A">
+                      <a:alpha val="43000"/>
+                    </a:srgbClr>
+                  </a:outerShdw>
+                </a:effectLst>
+                <a:latin typeface="文泉驿微米黑" panose="020B0606030804020204" charset="-122"/>
+                <a:ea typeface="文泉驿微米黑" panose="020B0606030804020204" charset="-122"/>
+              </a:rPr>
+              <a:t>CVProcess</a:t>
+            </a:r>
+            <a:r>
+              <a:rPr lang="en-US" altLang="zh-CN" sz="7200" b="1">
+                <a:gradFill>
+                  <a:gsLst>
+                    <a:gs pos="0">
+                      <a:srgbClr val="14CD68"/>
+                    </a:gs>
+                    <a:gs pos="100000">
+                      <a:srgbClr val="0B6E38"/>
+                    </a:gs>
+                  </a:gsLst>
+                  <a:lin scaled="0"/>
+                </a:gradFill>
+                <a:effectLst>
+                  <a:outerShdw blurRad="38100" dist="25400" dir="5400000" algn="ctr" rotWithShape="0">
+                    <a:srgbClr val="6E747A">
+                      <a:alpha val="43000"/>
+                    </a:srgbClr>
+                  </a:outerShdw>
+                </a:effectLst>
+                <a:latin typeface="文泉驿微米黑" panose="020B0606030804020204" charset="-122"/>
+                <a:ea typeface="文泉驿微米黑" panose="020B0606030804020204" charset="-122"/>
+              </a:rPr>
+              <a:t>Lib</a:t>
+            </a:r>
+            <a:endParaRPr lang="en-US" altLang="zh-CN" sz="7200" b="1">
+              <a:solidFill>
+                <a:schemeClr val="accent1"/>
+              </a:solidFill>
+              <a:effectLst>
+                <a:outerShdw blurRad="38100" dist="25400" dir="5400000" algn="ctr" rotWithShape="0">
+                  <a:srgbClr val="6E747A">
+                    <a:alpha val="43000"/>
+                  </a:srgbClr>
+                </a:outerShdw>
+              </a:effectLst>
+              <a:latin typeface="文泉驿微米黑" panose="020B0606030804020204" charset="-122"/>
+              <a:ea typeface="文泉驿微米黑" panose="020B0606030804020204" charset="-122"/>
+            </a:endParaRPr>
+          </a:p>
+          <a:p>
+            <a:pPr algn="r"/>
+            <a:r>
+              <a:rPr lang="en-US" altLang="zh-CN" sz="1400" b="1" u="sng">
+                <a:solidFill>
+                  <a:srgbClr val="FF0000"/>
+                </a:solidFill>
+                <a:effectLst>
+                  <a:outerShdw blurRad="38100" dist="25400" dir="5400000" algn="ctr" rotWithShape="0">
+                    <a:srgbClr val="6E747A">
+                      <a:alpha val="43000"/>
+                    </a:srgbClr>
+                  </a:outerShdw>
+                </a:effectLst>
+              </a:rPr>
+              <a:t>isLinXu</a:t>
+            </a:r>
+            <a:endParaRPr lang="en-US" altLang="zh-CN" sz="1400" b="1" u="sng">
+              <a:solidFill>
+                <a:srgbClr val="FF0000"/>
+              </a:solidFill>
+              <a:effectLst>
+                <a:outerShdw blurRad="38100" dist="25400" dir="5400000" algn="ctr" rotWithShape="0">
+                  <a:srgbClr val="6E747A">
+                    <a:alpha val="43000"/>
+                  </a:srgbClr>
+                </a:outerShdw>
+              </a:effectLst>
+            </a:endParaRPr>
+          </a:p>
+        </p:txBody>
+      </p:sp>
+    </p:spTree>
+  </p:cSld>
+  <p:clrMapOvr>
+    <a:masterClrMapping/>
+  </p:clrMapOvr>
+</p:sld>
+</file>
+
+<file path=ppt/slides/slide30.xml><?xml version="1.0" encoding="utf-8"?>
+<p:sld xmlns:a="http://schemas.openxmlformats.org/drawingml/2006/main" xmlns:r="http://schemas.openxmlformats.org/officeDocument/2006/relationships" xmlns:p="http://schemas.openxmlformats.org/presentationml/2006/main">
+  <p:cSld>
+    <p:spTree>
+      <p:nvGrpSpPr>
+        <p:cNvPr id="1" name=""/>
+        <p:cNvGrpSpPr/>
+        <p:nvPr/>
+      </p:nvGrpSpPr>
+      <p:grpSpPr/>
+      <p:sp>
+        <p:nvSpPr>
+          <p:cNvPr id="5" name="矩形 4"/>
+          <p:cNvSpPr/>
+          <p:nvPr/>
+        </p:nvSpPr>
+        <p:spPr>
+          <a:xfrm>
+            <a:off x="3591560" y="2467610"/>
+            <a:ext cx="5002530" cy="1414780"/>
+          </a:xfrm>
+          <a:prstGeom prst="rect">
+            <a:avLst/>
+          </a:prstGeom>
+          <a:noFill/>
+          <a:ln>
+            <a:noFill/>
+          </a:ln>
+        </p:spPr>
+        <p:txBody>
+          <a:bodyPr wrap="square" rtlCol="0" anchor="t">
+            <a:spAutoFit/>
+          </a:bodyPr>
+          <a:p>
+            <a:pPr algn="r"/>
+            <a:r>
+              <a:rPr lang="en-US" altLang="zh-CN" sz="7200" b="1">
+                <a:gradFill>
+                  <a:gsLst>
+                    <a:gs pos="0">
+                      <a:srgbClr val="012D86"/>
+                    </a:gs>
+                    <a:gs pos="100000">
+                      <a:srgbClr val="0E2557"/>
+                    </a:gs>
+                  </a:gsLst>
+                  <a:lin scaled="0"/>
+                </a:gradFill>
+                <a:effectLst>
+                  <a:outerShdw blurRad="38100" dist="25400" dir="5400000" algn="ctr" rotWithShape="0">
+                    <a:srgbClr val="6E747A">
+                      <a:alpha val="43000"/>
+                    </a:srgbClr>
+                  </a:outerShdw>
+                </a:effectLst>
+                <a:latin typeface="文泉驿微米黑" panose="020B0606030804020204" charset="-122"/>
+                <a:ea typeface="文泉驿微米黑" panose="020B0606030804020204" charset="-122"/>
+                <a:sym typeface="+mn-ea"/>
+              </a:rPr>
+              <a:t>cv</a:t>
+            </a:r>
+            <a:r>
+              <a:rPr lang="en-US" altLang="zh-CN" sz="7200" b="1">
+                <a:solidFill>
+                  <a:srgbClr val="087B7C"/>
+                </a:solidFill>
+                <a:effectLst>
+                  <a:outerShdw blurRad="38100" dist="25400" dir="5400000" algn="ctr" rotWithShape="0">
+                    <a:srgbClr val="6E747A">
+                      <a:alpha val="43000"/>
+                    </a:srgbClr>
+                  </a:outerShdw>
+                </a:effectLst>
+                <a:latin typeface="文泉驿微米黑" panose="020B0606030804020204" charset="-122"/>
+                <a:ea typeface="文泉驿微米黑" panose="020B0606030804020204" charset="-122"/>
+                <a:sym typeface="+mn-ea"/>
+              </a:rPr>
+              <a:t>-</a:t>
+            </a:r>
+            <a:r>
+              <a:rPr lang="en-US" altLang="zh-CN" sz="7200" b="1">
+                <a:gradFill>
+                  <a:gsLst>
+                    <a:gs pos="0">
+                      <a:srgbClr val="007BD3"/>
+                    </a:gs>
+                    <a:gs pos="100000">
+                      <a:srgbClr val="034373"/>
+                    </a:gs>
+                  </a:gsLst>
+                  <a:lin scaled="0"/>
+                </a:gradFill>
+                <a:effectLst>
+                  <a:outerShdw blurRad="38100" dist="25400" dir="5400000" algn="ctr" rotWithShape="0">
+                    <a:srgbClr val="6E747A">
+                      <a:alpha val="43000"/>
+                    </a:srgbClr>
+                  </a:outerShdw>
+                </a:effectLst>
+                <a:latin typeface="文泉驿微米黑" panose="020B0606030804020204" charset="-122"/>
+                <a:ea typeface="文泉驿微米黑" panose="020B0606030804020204" charset="-122"/>
+                <a:sym typeface="+mn-ea"/>
+              </a:rPr>
+              <a:t>resume</a:t>
+            </a:r>
+            <a:endParaRPr lang="zh-CN" altLang="en-US" sz="7200"/>
+          </a:p>
+          <a:p>
+            <a:pPr algn="r"/>
+            <a:r>
+              <a:rPr lang="en-US" altLang="zh-CN" sz="1400" b="1" u="sng">
+                <a:gradFill>
+                  <a:gsLst>
+                    <a:gs pos="0">
+                      <a:srgbClr val="012D86"/>
+                    </a:gs>
+                    <a:gs pos="100000">
+                      <a:srgbClr val="0E2557"/>
+                    </a:gs>
+                  </a:gsLst>
+                  <a:lin scaled="0"/>
+                </a:gradFill>
+                <a:effectLst>
+                  <a:outerShdw blurRad="38100" dist="25400" dir="5400000" algn="ctr" rotWithShape="0">
+                    <a:srgbClr val="6E747A">
+                      <a:alpha val="43000"/>
+                    </a:srgbClr>
+                  </a:outerShdw>
+                </a:effectLst>
+              </a:rPr>
+              <a:t>isLinXu</a:t>
+            </a:r>
+            <a:endParaRPr lang="en-US" altLang="zh-CN" sz="1400" b="1" u="sng">
+              <a:gradFill>
+                <a:gsLst>
+                  <a:gs pos="0">
+                    <a:srgbClr val="012D86"/>
+                  </a:gs>
+                  <a:gs pos="100000">
+                    <a:srgbClr val="0E2557"/>
+                  </a:gs>
+                </a:gsLst>
+                <a:lin scaled="0"/>
+              </a:gradFill>
+              <a:effectLst>
+                <a:outerShdw blurRad="38100" dist="25400" dir="5400000" algn="ctr" rotWithShape="0">
+                  <a:srgbClr val="6E747A">
+                    <a:alpha val="43000"/>
+                  </a:srgbClr>
+                </a:outerShdw>
+              </a:effectLst>
+            </a:endParaRPr>
+          </a:p>
+        </p:txBody>
+      </p:sp>
+    </p:spTree>
+  </p:cSld>
+  <p:clrMapOvr>
+    <a:masterClrMapping/>
+  </p:clrMapOvr>
+</p:sld>
+</file>
+
+<file path=ppt/slides/slide31.xml><?xml version="1.0" encoding="utf-8"?>
+<p:sld xmlns:a="http://schemas.openxmlformats.org/drawingml/2006/main" xmlns:r="http://schemas.openxmlformats.org/officeDocument/2006/relationships" xmlns:p="http://schemas.openxmlformats.org/presentationml/2006/main">
+  <p:cSld>
+    <p:spTree>
+      <p:nvGrpSpPr>
+        <p:cNvPr id="1" name=""/>
+        <p:cNvGrpSpPr/>
+        <p:nvPr/>
+      </p:nvGrpSpPr>
+      <p:grpSpPr/>
+      <p:sp>
+        <p:nvSpPr>
+          <p:cNvPr id="5" name="矩形 4"/>
+          <p:cNvSpPr/>
+          <p:nvPr/>
+        </p:nvSpPr>
+        <p:spPr>
+          <a:xfrm>
+            <a:off x="1753235" y="2487295"/>
+            <a:ext cx="8950325" cy="1414780"/>
+          </a:xfrm>
+          <a:prstGeom prst="rect">
+            <a:avLst/>
+          </a:prstGeom>
+          <a:noFill/>
+          <a:ln>
+            <a:noFill/>
+          </a:ln>
+        </p:spPr>
+        <p:txBody>
+          <a:bodyPr wrap="square" rtlCol="0" anchor="t">
+            <a:spAutoFit/>
+          </a:bodyPr>
+          <a:p>
+            <a:pPr algn="r"/>
+            <a:r>
+              <a:rPr lang="en-US" altLang="zh-CN" sz="7200" b="1">
+                <a:gradFill>
+                  <a:gsLst>
+                    <a:gs pos="0">
+                      <a:srgbClr val="012D86"/>
+                    </a:gs>
+                    <a:gs pos="100000">
+                      <a:srgbClr val="0E2557"/>
+                    </a:gs>
+                  </a:gsLst>
+                  <a:lin scaled="0"/>
+                </a:gradFill>
+                <a:effectLst>
+                  <a:outerShdw blurRad="38100" dist="25400" dir="5400000" algn="ctr" rotWithShape="0">
+                    <a:srgbClr val="6E747A">
+                      <a:alpha val="43000"/>
+                    </a:srgbClr>
+                  </a:outerShdw>
+                </a:effectLst>
+                <a:latin typeface="文泉驿微米黑" panose="020B0606030804020204" charset="-122"/>
+                <a:ea typeface="文泉驿微米黑" panose="020B0606030804020204" charset="-122"/>
+                <a:sym typeface="+mn-ea"/>
+              </a:rPr>
+              <a:t>awesome-</a:t>
+            </a:r>
+            <a:r>
+              <a:rPr lang="en-US" altLang="zh-CN" sz="7200" b="1">
+                <a:gradFill>
+                  <a:gsLst>
+                    <a:gs pos="0">
+                      <a:srgbClr val="007BD3"/>
+                    </a:gs>
+                    <a:gs pos="100000">
+                      <a:srgbClr val="034373"/>
+                    </a:gs>
+                  </a:gsLst>
+                  <a:lin scaled="0"/>
+                </a:gradFill>
+                <a:effectLst>
+                  <a:outerShdw blurRad="38100" dist="25400" dir="5400000" algn="ctr" rotWithShape="0">
+                    <a:srgbClr val="6E747A">
+                      <a:alpha val="43000"/>
+                    </a:srgbClr>
+                  </a:outerShdw>
+                </a:effectLst>
+                <a:latin typeface="文泉驿微米黑" panose="020B0606030804020204" charset="-122"/>
+                <a:ea typeface="文泉驿微米黑" panose="020B0606030804020204" charset="-122"/>
+                <a:sym typeface="+mn-ea"/>
+              </a:rPr>
+              <a:t>roadmap</a:t>
+            </a:r>
+            <a:br>
+              <a:rPr lang="en-US" altLang="zh-CN" sz="7200" b="1">
+                <a:gradFill>
+                  <a:gsLst>
+                    <a:gs pos="0">
+                      <a:srgbClr val="007BD3"/>
+                    </a:gs>
+                    <a:gs pos="100000">
+                      <a:srgbClr val="034373"/>
+                    </a:gs>
+                  </a:gsLst>
+                  <a:lin scaled="0"/>
+                </a:gradFill>
+                <a:effectLst>
+                  <a:outerShdw blurRad="38100" dist="25400" dir="5400000" algn="ctr" rotWithShape="0">
+                    <a:srgbClr val="6E747A">
+                      <a:alpha val="43000"/>
+                    </a:srgbClr>
+                  </a:outerShdw>
+                </a:effectLst>
+                <a:latin typeface="文泉驿微米黑" panose="020B0606030804020204" charset="-122"/>
+                <a:ea typeface="文泉驿微米黑" panose="020B0606030804020204" charset="-122"/>
+                <a:sym typeface="+mn-ea"/>
+              </a:rPr>
+            </a:br>
+            <a:r>
+              <a:rPr lang="en-US" altLang="zh-CN" sz="1400" b="1" u="sng">
+                <a:gradFill>
+                  <a:gsLst>
+                    <a:gs pos="0">
+                      <a:srgbClr val="012D86"/>
+                    </a:gs>
+                    <a:gs pos="100000">
+                      <a:srgbClr val="0E2557"/>
+                    </a:gs>
+                  </a:gsLst>
+                  <a:lin scaled="0"/>
+                </a:gradFill>
+                <a:effectLst>
+                  <a:outerShdw blurRad="38100" dist="25400" dir="5400000" algn="ctr" rotWithShape="0">
+                    <a:srgbClr val="6E747A">
+                      <a:alpha val="43000"/>
+                    </a:srgbClr>
+                  </a:outerShdw>
+                </a:effectLst>
+              </a:rPr>
+              <a:t>isLinXu</a:t>
+            </a:r>
+            <a:endParaRPr lang="en-US" altLang="zh-CN" sz="1400" b="1" u="sng">
+              <a:gradFill>
+                <a:gsLst>
+                  <a:gs pos="0">
+                    <a:srgbClr val="012D86"/>
+                  </a:gs>
+                  <a:gs pos="100000">
+                    <a:srgbClr val="0E2557"/>
+                  </a:gs>
+                </a:gsLst>
+                <a:lin scaled="0"/>
+              </a:gradFill>
+              <a:effectLst>
+                <a:outerShdw blurRad="38100" dist="25400" dir="5400000" algn="ctr" rotWithShape="0">
+                  <a:srgbClr val="6E747A">
+                    <a:alpha val="43000"/>
+                  </a:srgbClr>
+                </a:outerShdw>
+              </a:effectLst>
+            </a:endParaRPr>
+          </a:p>
+        </p:txBody>
+      </p:sp>
+    </p:spTree>
+  </p:cSld>
+  <p:clrMapOvr>
+    <a:masterClrMapping/>
+  </p:clrMapOvr>
+</p:sld>
+</file>
+
+<file path=ppt/slides/slide32.xml><?xml version="1.0" encoding="utf-8"?>
+<p:sld xmlns:a="http://schemas.openxmlformats.org/drawingml/2006/main" xmlns:r="http://schemas.openxmlformats.org/officeDocument/2006/relationships" xmlns:p="http://schemas.openxmlformats.org/presentationml/2006/main">
+  <p:cSld>
+    <p:spTree>
+      <p:nvGrpSpPr>
+        <p:cNvPr id="1" name=""/>
+        <p:cNvGrpSpPr/>
+        <p:nvPr/>
+      </p:nvGrpSpPr>
+      <p:grpSpPr/>
+      <p:sp>
+        <p:nvSpPr>
+          <p:cNvPr id="4" name="矩形 3"/>
+          <p:cNvSpPr/>
+          <p:nvPr/>
+        </p:nvSpPr>
+        <p:spPr>
+          <a:xfrm>
+            <a:off x="2497456" y="2611120"/>
+            <a:ext cx="7197090" cy="1414780"/>
+          </a:xfrm>
+          <a:prstGeom prst="rect">
+            <a:avLst/>
+          </a:prstGeom>
+          <a:noFill/>
+          <a:ln>
+            <a:noFill/>
+          </a:ln>
+        </p:spPr>
+        <p:txBody>
+          <a:bodyPr wrap="none" rtlCol="0" anchor="t">
+            <a:spAutoFit/>
+          </a:bodyPr>
+          <a:p>
+            <a:pPr algn="ctr"/>
+            <a:r>
+              <a:rPr lang="en-US" altLang="zh-CN" sz="7200" b="1">
+                <a:gradFill>
+                  <a:gsLst>
+                    <a:gs pos="0">
+                      <a:srgbClr val="012D86"/>
+                    </a:gs>
+                    <a:gs pos="100000">
+                      <a:srgbClr val="0E2557"/>
+                    </a:gs>
+                  </a:gsLst>
+                  <a:lin scaled="0"/>
+                </a:gradFill>
+                <a:effectLst>
+                  <a:outerShdw blurRad="38100" dist="25400" dir="5400000" algn="ctr" rotWithShape="0">
+                    <a:srgbClr val="6E747A">
+                      <a:alpha val="43000"/>
+                    </a:srgbClr>
+                  </a:outerShdw>
+                </a:effectLst>
+                <a:latin typeface="文泉驿微米黑" panose="020B0606030804020204" charset="-122"/>
+                <a:ea typeface="文泉驿微米黑" panose="020B0606030804020204" charset="-122"/>
+                <a:sym typeface="+mn-ea"/>
+              </a:rPr>
+              <a:t>kaggle-</a:t>
+            </a:r>
+            <a:r>
+              <a:rPr lang="en-US" altLang="zh-CN" sz="7200" b="1">
+                <a:gradFill>
+                  <a:gsLst>
+                    <a:gs pos="0">
+                      <a:srgbClr val="14CD68"/>
+                    </a:gs>
+                    <a:gs pos="100000">
+                      <a:srgbClr val="035C7D"/>
+                    </a:gs>
+                  </a:gsLst>
+                  <a:lin scaled="0"/>
+                </a:gradFill>
+                <a:effectLst>
+                  <a:outerShdw blurRad="38100" dist="25400" dir="5400000" algn="ctr" rotWithShape="0">
+                    <a:srgbClr val="6E747A">
+                      <a:alpha val="43000"/>
+                    </a:srgbClr>
+                  </a:outerShdw>
+                </a:effectLst>
+                <a:latin typeface="文泉驿微米黑" panose="020B0606030804020204" charset="-122"/>
+                <a:ea typeface="文泉驿微米黑" panose="020B0606030804020204" charset="-122"/>
+                <a:sym typeface="+mn-ea"/>
+              </a:rPr>
+              <a:t>pipeline</a:t>
+            </a:r>
+            <a:endParaRPr lang="zh-CN" altLang="en-US" sz="7200"/>
+          </a:p>
+          <a:p>
+            <a:pPr algn="r"/>
+            <a:r>
+              <a:rPr lang="en-US" altLang="zh-CN" sz="1400" b="1" u="sng">
+                <a:gradFill>
+                  <a:gsLst>
+                    <a:gs pos="0">
+                      <a:srgbClr val="012D86"/>
+                    </a:gs>
+                    <a:gs pos="100000">
+                      <a:srgbClr val="0E2557"/>
+                    </a:gs>
+                  </a:gsLst>
+                  <a:lin scaled="0"/>
+                </a:gradFill>
+                <a:effectLst>
+                  <a:outerShdw blurRad="38100" dist="25400" dir="5400000" algn="ctr" rotWithShape="0">
+                    <a:srgbClr val="6E747A">
+                      <a:alpha val="43000"/>
+                    </a:srgbClr>
+                  </a:outerShdw>
+                </a:effectLst>
+              </a:rPr>
+              <a:t>isLinXu</a:t>
+            </a:r>
+            <a:endParaRPr lang="en-US" altLang="zh-CN" sz="1400" b="1" u="sng">
+              <a:gradFill>
+                <a:gsLst>
+                  <a:gs pos="0">
+                    <a:srgbClr val="012D86"/>
+                  </a:gs>
+                  <a:gs pos="100000">
+                    <a:srgbClr val="0E2557"/>
+                  </a:gs>
+                </a:gsLst>
+                <a:lin scaled="0"/>
+              </a:gradFill>
+              <a:effectLst>
+                <a:outerShdw blurRad="38100" dist="25400" dir="5400000" algn="ctr" rotWithShape="0">
+                  <a:srgbClr val="6E747A">
+                    <a:alpha val="43000"/>
+                  </a:srgbClr>
+                </a:outerShdw>
+              </a:effectLst>
+            </a:endParaRPr>
+          </a:p>
+        </p:txBody>
+      </p:sp>
+    </p:spTree>
+  </p:cSld>
+  <p:clrMapOvr>
+    <a:masterClrMapping/>
+  </p:clrMapOvr>
+</p:sld>
+</file>
+
+<file path=ppt/slides/slide33.xml><?xml version="1.0" encoding="utf-8"?>
+<p:sld xmlns:a="http://schemas.openxmlformats.org/drawingml/2006/main" xmlns:r="http://schemas.openxmlformats.org/officeDocument/2006/relationships" xmlns:p="http://schemas.openxmlformats.org/presentationml/2006/main">
+  <p:cSld>
+    <p:spTree>
+      <p:nvGrpSpPr>
+        <p:cNvPr id="1" name=""/>
+        <p:cNvGrpSpPr/>
+        <p:nvPr/>
+      </p:nvGrpSpPr>
+      <p:grpSpPr/>
+      <p:sp>
+        <p:nvSpPr>
+          <p:cNvPr id="4" name="矩形 3"/>
+          <p:cNvSpPr/>
+          <p:nvPr/>
+        </p:nvSpPr>
+        <p:spPr>
+          <a:xfrm>
+            <a:off x="1732281" y="2605405"/>
+            <a:ext cx="9036050" cy="1414780"/>
+          </a:xfrm>
+          <a:prstGeom prst="rect">
+            <a:avLst/>
+          </a:prstGeom>
+          <a:noFill/>
+          <a:ln>
+            <a:noFill/>
+          </a:ln>
+        </p:spPr>
+        <p:txBody>
+          <a:bodyPr wrap="none" rtlCol="0" anchor="t">
+            <a:spAutoFit/>
+          </a:bodyPr>
+          <a:p>
+            <a:pPr algn="r"/>
+            <a:r>
+              <a:rPr lang="en-US" altLang="zh-CN" sz="7200" b="1">
+                <a:gradFill>
+                  <a:gsLst>
+                    <a:gs pos="0">
+                      <a:srgbClr val="012D86"/>
+                    </a:gs>
+                    <a:gs pos="100000">
+                      <a:srgbClr val="0E2557"/>
+                    </a:gs>
+                  </a:gsLst>
+                  <a:lin scaled="0"/>
+                </a:gradFill>
+                <a:effectLst>
+                  <a:outerShdw blurRad="38100" dist="25400" dir="5400000" algn="ctr" rotWithShape="0">
+                    <a:srgbClr val="6E747A">
+                      <a:alpha val="43000"/>
+                    </a:srgbClr>
+                  </a:outerShdw>
+                </a:effectLst>
+                <a:latin typeface="文泉驿微米黑" panose="020B0606030804020204" charset="-122"/>
+                <a:ea typeface="文泉驿微米黑" panose="020B0606030804020204" charset="-122"/>
+                <a:sym typeface="+mn-ea"/>
+              </a:rPr>
+              <a:t>My</a:t>
+            </a:r>
+            <a:r>
+              <a:rPr lang="en-US" altLang="zh-CN" sz="7200" b="1">
+                <a:solidFill>
+                  <a:srgbClr val="00B050"/>
+                </a:solidFill>
+                <a:effectLst>
+                  <a:outerShdw blurRad="38100" dist="25400" dir="5400000" algn="ctr" rotWithShape="0">
+                    <a:srgbClr val="6E747A">
+                      <a:alpha val="43000"/>
+                    </a:srgbClr>
+                  </a:outerShdw>
+                </a:effectLst>
+                <a:latin typeface="文泉驿微米黑" panose="020B0606030804020204" charset="-122"/>
+                <a:ea typeface="文泉驿微米黑" panose="020B0606030804020204" charset="-122"/>
+                <a:sym typeface="+mn-ea"/>
+              </a:rPr>
+              <a:t>Jupyter</a:t>
+            </a:r>
+            <a:r>
+              <a:rPr lang="en-US" altLang="zh-CN" sz="7200" b="1">
+                <a:gradFill>
+                  <a:gsLst>
+                    <a:gs pos="0">
+                      <a:srgbClr val="012D86"/>
+                    </a:gs>
+                    <a:gs pos="100000">
+                      <a:srgbClr val="0E2557"/>
+                    </a:gs>
+                  </a:gsLst>
+                  <a:lin scaled="0"/>
+                </a:gradFill>
+                <a:effectLst>
+                  <a:outerShdw blurRad="38100" dist="25400" dir="5400000" algn="ctr" rotWithShape="0">
+                    <a:srgbClr val="6E747A">
+                      <a:alpha val="43000"/>
+                    </a:srgbClr>
+                  </a:outerShdw>
+                </a:effectLst>
+                <a:latin typeface="文泉驿微米黑" panose="020B0606030804020204" charset="-122"/>
+                <a:ea typeface="文泉驿微米黑" panose="020B0606030804020204" charset="-122"/>
+                <a:sym typeface="+mn-ea"/>
+              </a:rPr>
+              <a:t>Work</a:t>
+            </a:r>
+            <a:r>
+              <a:rPr lang="en-US" altLang="zh-CN" sz="7200" b="1">
+                <a:solidFill>
+                  <a:srgbClr val="087B7C"/>
+                </a:solidFill>
+                <a:effectLst>
+                  <a:outerShdw blurRad="38100" dist="25400" dir="5400000" algn="ctr" rotWithShape="0">
+                    <a:srgbClr val="6E747A">
+                      <a:alpha val="43000"/>
+                    </a:srgbClr>
+                  </a:outerShdw>
+                </a:effectLst>
+                <a:latin typeface="文泉驿微米黑" panose="020B0606030804020204" charset="-122"/>
+                <a:ea typeface="文泉驿微米黑" panose="020B0606030804020204" charset="-122"/>
+                <a:sym typeface="+mn-ea"/>
+              </a:rPr>
+              <a:t>Lab</a:t>
+            </a:r>
+            <a:endParaRPr lang="en-US" altLang="zh-CN" sz="7200" b="1">
+              <a:gradFill>
+                <a:gsLst>
+                  <a:gs pos="0">
+                    <a:srgbClr val="012D86"/>
+                  </a:gs>
+                  <a:gs pos="100000">
+                    <a:srgbClr val="0E2557"/>
+                  </a:gs>
+                </a:gsLst>
+                <a:lin scaled="0"/>
+              </a:gradFill>
+              <a:effectLst>
+                <a:outerShdw blurRad="38100" dist="25400" dir="5400000" algn="ctr" rotWithShape="0">
+                  <a:srgbClr val="6E747A">
+                    <a:alpha val="43000"/>
+                  </a:srgbClr>
+                </a:outerShdw>
+              </a:effectLst>
+              <a:latin typeface="文泉驿微米黑" panose="020B0606030804020204" charset="-122"/>
+              <a:ea typeface="文泉驿微米黑" panose="020B0606030804020204" charset="-122"/>
+            </a:endParaRPr>
+          </a:p>
+          <a:p>
+            <a:pPr algn="r"/>
+            <a:r>
+              <a:rPr lang="en-US" altLang="zh-CN" sz="1400" b="1" u="sng">
+                <a:gradFill>
+                  <a:gsLst>
+                    <a:gs pos="0">
+                      <a:srgbClr val="012D86"/>
+                    </a:gs>
+                    <a:gs pos="100000">
+                      <a:srgbClr val="0E2557"/>
+                    </a:gs>
+                  </a:gsLst>
+                  <a:lin scaled="0"/>
+                </a:gradFill>
+                <a:effectLst>
+                  <a:outerShdw blurRad="38100" dist="25400" dir="5400000" algn="ctr" rotWithShape="0">
+                    <a:srgbClr val="6E747A">
+                      <a:alpha val="43000"/>
+                    </a:srgbClr>
+                  </a:outerShdw>
+                </a:effectLst>
+              </a:rPr>
+              <a:t>isLinXu</a:t>
+            </a:r>
+            <a:endParaRPr lang="en-US" altLang="zh-CN" sz="1400" b="1" u="sng">
+              <a:gradFill>
+                <a:gsLst>
+                  <a:gs pos="0">
+                    <a:srgbClr val="012D86"/>
+                  </a:gs>
+                  <a:gs pos="100000">
+                    <a:srgbClr val="0E2557"/>
+                  </a:gs>
+                </a:gsLst>
+                <a:lin scaled="0"/>
+              </a:gradFill>
+              <a:effectLst>
+                <a:outerShdw blurRad="38100" dist="25400" dir="5400000" algn="ctr" rotWithShape="0">
+                  <a:srgbClr val="6E747A">
+                    <a:alpha val="43000"/>
+                  </a:srgbClr>
+                </a:outerShdw>
+              </a:effectLst>
+            </a:endParaRPr>
+          </a:p>
+        </p:txBody>
+      </p:sp>
+    </p:spTree>
+  </p:cSld>
+  <p:clrMapOvr>
+    <a:masterClrMapping/>
+  </p:clrMapOvr>
+</p:sld>
+</file>
+
+<file path=ppt/slides/slide34.xml><?xml version="1.0" encoding="utf-8"?>
+<p:sld xmlns:a="http://schemas.openxmlformats.org/drawingml/2006/main" xmlns:r="http://schemas.openxmlformats.org/officeDocument/2006/relationships" xmlns:p="http://schemas.openxmlformats.org/presentationml/2006/main">
+  <p:cSld>
+    <p:spTree>
+      <p:nvGrpSpPr>
+        <p:cNvPr id="1" name=""/>
+        <p:cNvGrpSpPr/>
+        <p:nvPr/>
+      </p:nvGrpSpPr>
+      <p:grpSpPr/>
+      <p:sp>
+        <p:nvSpPr>
+          <p:cNvPr id="5" name="矩形 4"/>
+          <p:cNvSpPr/>
+          <p:nvPr/>
+        </p:nvSpPr>
+        <p:spPr>
+          <a:xfrm>
+            <a:off x="2922270" y="2829560"/>
+            <a:ext cx="6551930" cy="1414780"/>
+          </a:xfrm>
+          <a:prstGeom prst="rect">
+            <a:avLst/>
+          </a:prstGeom>
+          <a:noFill/>
+          <a:ln>
+            <a:noFill/>
+          </a:ln>
+        </p:spPr>
+        <p:txBody>
+          <a:bodyPr wrap="square" rtlCol="0" anchor="t">
+            <a:spAutoFit/>
+          </a:bodyPr>
+          <a:p>
+            <a:pPr algn="ctr"/>
+            <a:r>
+              <a:rPr lang="en-US" altLang="zh-CN" sz="7200" b="1">
+                <a:gradFill>
+                  <a:gsLst>
+                    <a:gs pos="0">
+                      <a:srgbClr val="012D86"/>
+                    </a:gs>
+                    <a:gs pos="100000">
+                      <a:srgbClr val="0E2557"/>
+                    </a:gs>
+                  </a:gsLst>
+                  <a:lin scaled="0"/>
+                </a:gradFill>
+                <a:effectLst>
+                  <a:outerShdw blurRad="38100" dist="25400" dir="5400000" algn="ctr" rotWithShape="0">
+                    <a:srgbClr val="6E747A">
+                      <a:alpha val="43000"/>
+                    </a:srgbClr>
+                  </a:outerShdw>
+                </a:effectLst>
+                <a:latin typeface="文泉驿微米黑" panose="020B0606030804020204" charset="-122"/>
+                <a:ea typeface="文泉驿微米黑" panose="020B0606030804020204" charset="-122"/>
+                <a:sym typeface="+mn-ea"/>
+              </a:rPr>
+              <a:t>My</a:t>
+            </a:r>
+            <a:r>
+              <a:rPr lang="en-US" altLang="zh-CN" sz="7200" b="1">
+                <a:solidFill>
+                  <a:srgbClr val="087B7C"/>
+                </a:solidFill>
+                <a:effectLst>
+                  <a:outerShdw blurRad="38100" dist="25400" dir="5400000" algn="ctr" rotWithShape="0">
+                    <a:srgbClr val="6E747A">
+                      <a:alpha val="43000"/>
+                    </a:srgbClr>
+                  </a:outerShdw>
+                </a:effectLst>
+                <a:latin typeface="文泉驿微米黑" panose="020B0606030804020204" charset="-122"/>
+                <a:ea typeface="文泉驿微米黑" panose="020B0606030804020204" charset="-122"/>
+                <a:sym typeface="+mn-ea"/>
+              </a:rPr>
+              <a:t>StarsRepo</a:t>
+            </a:r>
+            <a:endParaRPr lang="zh-CN" altLang="en-US" sz="7200"/>
+          </a:p>
+          <a:p>
+            <a:pPr algn="r"/>
+            <a:r>
+              <a:rPr lang="en-US" altLang="zh-CN" sz="1400" b="1" u="sng">
+                <a:gradFill>
+                  <a:gsLst>
+                    <a:gs pos="0">
+                      <a:srgbClr val="012D86"/>
+                    </a:gs>
+                    <a:gs pos="100000">
+                      <a:srgbClr val="0E2557"/>
+                    </a:gs>
+                  </a:gsLst>
+                  <a:lin scaled="0"/>
+                </a:gradFill>
+                <a:effectLst>
+                  <a:outerShdw blurRad="38100" dist="25400" dir="5400000" algn="ctr" rotWithShape="0">
+                    <a:srgbClr val="6E747A">
+                      <a:alpha val="43000"/>
+                    </a:srgbClr>
+                  </a:outerShdw>
+                </a:effectLst>
+              </a:rPr>
+              <a:t>isLinXu</a:t>
+            </a:r>
+            <a:endParaRPr lang="en-US" altLang="zh-CN" sz="1400" b="1" u="sng">
+              <a:gradFill>
+                <a:gsLst>
+                  <a:gs pos="0">
+                    <a:srgbClr val="012D86"/>
+                  </a:gs>
+                  <a:gs pos="100000">
+                    <a:srgbClr val="0E2557"/>
+                  </a:gs>
+                </a:gsLst>
+                <a:lin scaled="0"/>
+              </a:gradFill>
+              <a:effectLst>
+                <a:outerShdw blurRad="38100" dist="25400" dir="5400000" algn="ctr" rotWithShape="0">
+                  <a:srgbClr val="6E747A">
+                    <a:alpha val="43000"/>
+                  </a:srgbClr>
+                </a:outerShdw>
+              </a:effectLst>
+            </a:endParaRPr>
+          </a:p>
+        </p:txBody>
+      </p:sp>
+    </p:spTree>
+  </p:cSld>
+  <p:clrMapOvr>
+    <a:masterClrMapping/>
+  </p:clrMapOvr>
+</p:sld>
+</file>
+
+<file path=ppt/slides/slide35.xml><?xml version="1.0" encoding="utf-8"?>
+<p:sld xmlns:a="http://schemas.openxmlformats.org/drawingml/2006/main" xmlns:r="http://schemas.openxmlformats.org/officeDocument/2006/relationships" xmlns:p="http://schemas.openxmlformats.org/presentationml/2006/main">
+  <p:cSld>
+    <p:spTree>
+      <p:nvGrpSpPr>
+        <p:cNvPr id="1" name=""/>
+        <p:cNvGrpSpPr/>
+        <p:nvPr/>
+      </p:nvGrpSpPr>
+      <p:grpSpPr/>
+      <p:sp>
+        <p:nvSpPr>
+          <p:cNvPr id="2" name="文本框 1"/>
+          <p:cNvSpPr txBox="1"/>
+          <p:nvPr/>
+        </p:nvSpPr>
+        <p:spPr>
+          <a:xfrm>
+            <a:off x="3848735" y="806450"/>
+            <a:ext cx="2540000" cy="368300"/>
+          </a:xfrm>
+          <a:prstGeom prst="rect">
+            <a:avLst/>
+          </a:prstGeom>
+          <a:noFill/>
+        </p:spPr>
+        <p:txBody>
+          <a:bodyPr wrap="square" rtlCol="0" anchor="t">
+            <a:spAutoFit/>
+          </a:bodyPr>
+          <a:p>
+            <a:endParaRPr lang="zh-CN" altLang="en-US"/>
+          </a:p>
+        </p:txBody>
+      </p:sp>
+    </p:spTree>
+  </p:cSld>
+  <p:clrMapOvr>
+    <a:masterClrMapping/>
+  </p:clrMapOvr>
+</p:sld>
+</file>
+
+<file path=ppt/slides/slide36.xml><?xml version="1.0" encoding="utf-8"?>
+<p:sld xmlns:a="http://schemas.openxmlformats.org/drawingml/2006/main" xmlns:r="http://schemas.openxmlformats.org/officeDocument/2006/relationships" xmlns:p="http://schemas.openxmlformats.org/presentationml/2006/main">
+  <p:cSld>
+    <p:spTree>
+      <p:nvGrpSpPr>
+        <p:cNvPr id="1" name=""/>
+        <p:cNvGrpSpPr/>
+        <p:nvPr/>
+      </p:nvGrpSpPr>
+      <p:grpSpPr/>
+    </p:spTree>
+  </p:cSld>
+  <p:clrMapOvr>
+    <a:masterClrMapping/>
+  </p:clrMapOvr>
+</p:sld>
+</file>
+
+<file path=ppt/slides/slide37.xml><?xml version="1.0" encoding="utf-8"?>
+<p:sld xmlns:a="http://schemas.openxmlformats.org/drawingml/2006/main" xmlns:r="http://schemas.openxmlformats.org/officeDocument/2006/relationships" xmlns:p="http://schemas.openxmlformats.org/presentationml/2006/main">
+  <p:cSld>
+    <p:spTree>
+      <p:nvGrpSpPr>
+        <p:cNvPr id="1" name=""/>
+        <p:cNvGrpSpPr/>
+        <p:nvPr/>
+      </p:nvGrpSpPr>
+      <p:grpSpPr/>
+    </p:spTree>
+  </p:cSld>
+  <p:clrMapOvr>
+    <a:masterClrMapping/>
+  </p:clrMapOvr>
+</p:sld>
+</file>
+
+<file path=ppt/slides/slide38.xml><?xml version="1.0" encoding="utf-8"?>
+<p:sld xmlns:a="http://schemas.openxmlformats.org/drawingml/2006/main" xmlns:r="http://schemas.openxmlformats.org/officeDocument/2006/relationships" xmlns:p="http://schemas.openxmlformats.org/presentationml/2006/main">
+  <p:cSld>
+    <p:spTree>
+      <p:nvGrpSpPr>
+        <p:cNvPr id="1" name=""/>
+        <p:cNvGrpSpPr/>
+        <p:nvPr/>
+      </p:nvGrpSpPr>
+      <p:grpSpPr/>
+    </p:spTree>
+  </p:cSld>
+  <p:clrMapOvr>
+    <a:masterClrMapping/>
+  </p:clrMapOvr>
+</p:sld>
+</file>
+
+<file path=ppt/slides/slide39.xml><?xml version="1.0" encoding="utf-8"?>
+<p:sld xmlns:a="http://schemas.openxmlformats.org/drawingml/2006/main" xmlns:r="http://schemas.openxmlformats.org/officeDocument/2006/relationships" xmlns:p="http://schemas.openxmlformats.org/presentationml/2006/main">
+  <p:cSld>
+    <p:spTree>
+      <p:nvGrpSpPr>
+        <p:cNvPr id="1" name=""/>
+        <p:cNvGrpSpPr/>
+        <p:nvPr/>
+      </p:nvGrpSpPr>
+      <p:grpSpPr/>
+    </p:spTree>
+  </p:cSld>
+  <p:clrMapOvr>
+    <a:masterClrMapping/>
+  </p:clrMapOvr>
+</p:sld>
+</file>
+
+<file path=ppt/slides/slide4.xml><?xml version="1.0" encoding="utf-8"?>
+<p:sld xmlns:a="http://schemas.openxmlformats.org/drawingml/2006/main" xmlns:r="http://schemas.openxmlformats.org/officeDocument/2006/relationships" xmlns:p="http://schemas.openxmlformats.org/presentationml/2006/main">
+  <p:cSld>
+    <p:spTree>
+      <p:nvGrpSpPr>
+        <p:cNvPr id="1" name=""/>
+        <p:cNvGrpSpPr/>
+        <p:nvPr/>
+      </p:nvGrpSpPr>
+      <p:grpSpPr/>
+      <p:sp>
+        <p:nvSpPr>
+          <p:cNvPr id="4" name="矩形 3"/>
+          <p:cNvSpPr/>
+          <p:nvPr/>
+        </p:nvSpPr>
+        <p:spPr>
+          <a:xfrm>
+            <a:off x="1977073" y="2829560"/>
+            <a:ext cx="8237855" cy="1414780"/>
+          </a:xfrm>
+          <a:prstGeom prst="rect">
+            <a:avLst/>
+          </a:prstGeom>
+          <a:noFill/>
+          <a:ln>
+            <a:noFill/>
+          </a:ln>
+        </p:spPr>
+        <p:txBody>
+          <a:bodyPr wrap="none" rtlCol="0" anchor="t">
+            <a:spAutoFit/>
+          </a:bodyPr>
+          <a:p>
+            <a:pPr algn="ctr"/>
+            <a:r>
+              <a:rPr lang="en-US" altLang="zh-CN" sz="7200" b="1">
+                <a:gradFill>
+                  <a:gsLst>
+                    <a:gs pos="0">
+                      <a:srgbClr val="012D86"/>
+                    </a:gs>
+                    <a:gs pos="100000">
+                      <a:srgbClr val="0E2557"/>
+                    </a:gs>
+                  </a:gsLst>
+                  <a:lin scaled="0"/>
+                </a:gradFill>
+                <a:effectLst>
+                  <a:outerShdw blurRad="38100" dist="25400" dir="5400000" algn="ctr" rotWithShape="0">
+                    <a:srgbClr val="6E747A">
+                      <a:alpha val="43000"/>
+                    </a:srgbClr>
+                  </a:outerShdw>
+                </a:effectLst>
+                <a:latin typeface="文泉驿微米黑" panose="020B0606030804020204" charset="-122"/>
+                <a:ea typeface="文泉驿微米黑" panose="020B0606030804020204" charset="-122"/>
+              </a:rPr>
+              <a:t>DatasetMarker</a:t>
+            </a:r>
+            <a:r>
+              <a:rPr lang="en-US" altLang="zh-CN" sz="7200" b="1">
+                <a:gradFill>
+                  <a:gsLst>
+                    <a:gs pos="0">
+                      <a:srgbClr val="14CD68"/>
+                    </a:gs>
+                    <a:gs pos="100000">
+                      <a:srgbClr val="035C7D"/>
+                    </a:gs>
+                  </a:gsLst>
+                  <a:lin scaled="0"/>
+                </a:gradFill>
+                <a:effectLst>
+                  <a:outerShdw blurRad="38100" dist="25400" dir="5400000" algn="ctr" rotWithShape="0">
+                    <a:srgbClr val="6E747A">
+                      <a:alpha val="43000"/>
+                    </a:srgbClr>
+                  </a:outerShdw>
+                </a:effectLst>
+                <a:latin typeface="文泉驿微米黑" panose="020B0606030804020204" charset="-122"/>
+                <a:ea typeface="文泉驿微米黑" panose="020B0606030804020204" charset="-122"/>
+              </a:rPr>
+              <a:t>Tool</a:t>
+            </a:r>
+            <a:endParaRPr lang="en-US" altLang="zh-CN" sz="7200" b="1">
+              <a:gradFill>
+                <a:gsLst>
+                  <a:gs pos="0">
+                    <a:srgbClr val="012D86"/>
+                  </a:gs>
+                  <a:gs pos="100000">
+                    <a:srgbClr val="0E2557"/>
+                  </a:gs>
+                </a:gsLst>
+                <a:lin scaled="0"/>
+              </a:gradFill>
+              <a:effectLst>
+                <a:outerShdw blurRad="38100" dist="25400" dir="5400000" algn="ctr" rotWithShape="0">
+                  <a:srgbClr val="6E747A">
+                    <a:alpha val="43000"/>
+                  </a:srgbClr>
+                </a:outerShdw>
+              </a:effectLst>
+              <a:latin typeface="文泉驿微米黑" panose="020B0606030804020204" charset="-122"/>
+              <a:ea typeface="文泉驿微米黑" panose="020B0606030804020204" charset="-122"/>
+            </a:endParaRPr>
+          </a:p>
+          <a:p>
+            <a:pPr algn="r"/>
+            <a:r>
+              <a:rPr lang="en-US" altLang="zh-CN" sz="1400" b="1" u="sng">
+                <a:solidFill>
+                  <a:srgbClr val="FF0000"/>
+                </a:solidFill>
+                <a:effectLst>
+                  <a:outerShdw blurRad="38100" dist="25400" dir="5400000" algn="ctr" rotWithShape="0">
+                    <a:srgbClr val="6E747A">
+                      <a:alpha val="43000"/>
+                    </a:srgbClr>
+                  </a:outerShdw>
+                </a:effectLst>
+              </a:rPr>
+              <a:t>isLinXu</a:t>
+            </a:r>
+            <a:endParaRPr lang="en-US" altLang="zh-CN" sz="1400" b="1" u="sng">
+              <a:solidFill>
+                <a:srgbClr val="FF0000"/>
+              </a:solidFill>
+              <a:effectLst>
+                <a:outerShdw blurRad="38100" dist="25400" dir="5400000" algn="ctr" rotWithShape="0">
+                  <a:srgbClr val="6E747A">
+                    <a:alpha val="43000"/>
+                  </a:srgbClr>
+                </a:outerShdw>
+              </a:effectLst>
+            </a:endParaRPr>
+          </a:p>
+        </p:txBody>
+      </p:sp>
+    </p:spTree>
+  </p:cSld>
+  <p:clrMapOvr>
+    <a:masterClrMapping/>
+  </p:clrMapOvr>
+</p:sld>
+</file>
+
+<file path=ppt/slides/slide40.xml><?xml version="1.0" encoding="utf-8"?>
+<p:sld xmlns:a="http://schemas.openxmlformats.org/drawingml/2006/main" xmlns:r="http://schemas.openxmlformats.org/officeDocument/2006/relationships" xmlns:p="http://schemas.openxmlformats.org/presentationml/2006/main">
+  <p:cSld>
+    <p:spTree>
+      <p:nvGrpSpPr>
+        <p:cNvPr id="1" name=""/>
+        <p:cNvGrpSpPr/>
+        <p:nvPr/>
+      </p:nvGrpSpPr>
+      <p:grpSpPr/>
+    </p:spTree>
+  </p:cSld>
+  <p:clrMapOvr>
+    <a:masterClrMapping/>
+  </p:clrMapOvr>
+</p:sld>
+</file>
+
+<file path=ppt/slides/slide41.xml><?xml version="1.0" encoding="utf-8"?>
+<p:sld xmlns:a="http://schemas.openxmlformats.org/drawingml/2006/main" xmlns:r="http://schemas.openxmlformats.org/officeDocument/2006/relationships" xmlns:p="http://schemas.openxmlformats.org/presentationml/2006/main">
+  <p:cSld>
+    <p:spTree>
+      <p:nvGrpSpPr>
+        <p:cNvPr id="1" name=""/>
+        <p:cNvGrpSpPr/>
+        <p:nvPr/>
+      </p:nvGrpSpPr>
+      <p:grpSpPr/>
     </p:spTree>
   </p:cSld>
   <p:clrMapOvr>
@@ -5953,4 +9863,263 @@
     </a:ext>
   </a:extLst>
 </a:theme>
+</file>
+
+<file path=ppt/theme/theme2.xml><?xml version="1.0" encoding="utf-8"?>
+<a:theme xmlns:a="http://schemas.openxmlformats.org/drawingml/2006/main" name="Office 主题">
+  <a:themeElements>
+    <a:clrScheme name="Office">
+      <a:dk1>
+        <a:sysClr val="windowText" lastClr="000000"/>
+      </a:dk1>
+      <a:lt1>
+        <a:sysClr val="window" lastClr="FFFFFF"/>
+      </a:lt1>
+      <a:dk2>
+        <a:srgbClr val="44546A"/>
+      </a:dk2>
+      <a:lt2>
+        <a:srgbClr val="E7E6E6"/>
+      </a:lt2>
+      <a:accent1>
+        <a:srgbClr val="5B9BD5"/>
+      </a:accent1>
+      <a:accent2>
+        <a:srgbClr val="ED7D31"/>
+      </a:accent2>
+      <a:accent3>
+        <a:srgbClr val="A5A5A5"/>
+      </a:accent3>
+      <a:accent4>
+        <a:srgbClr val="FFC000"/>
+      </a:accent4>
+      <a:accent5>
+        <a:srgbClr val="4472C4"/>
+      </a:accent5>
+      <a:accent6>
+        <a:srgbClr val="70AD47"/>
+      </a:accent6>
+      <a:hlink>
+        <a:srgbClr val="0563C1"/>
+      </a:hlink>
+      <a:folHlink>
+        <a:srgbClr val="954F72"/>
+      </a:folHlink>
+    </a:clrScheme>
+    <a:fontScheme name="Office">
+      <a:majorFont>
+        <a:latin typeface="Calibri Light"/>
+        <a:ea typeface=""/>
+        <a:cs typeface=""/>
+        <a:font script="Jpan" typeface="ＭＳ Ｐゴシック"/>
+        <a:font script="Hang" typeface="맑은 고딕"/>
+        <a:font script="Hans" typeface="宋体"/>
+        <a:font script="Hant" typeface="新細明體"/>
+        <a:font script="Arab" typeface="Times New Roman"/>
+        <a:font script="Hebr" typeface="Times New Roman"/>
+        <a:font script="Thai" typeface="Angsana New"/>
+        <a:font script="Ethi" typeface="Nyala"/>
+        <a:font script="Beng" typeface="Vrinda"/>
+        <a:font script="Gujr" typeface="Shruti"/>
+        <a:font script="Khmr" typeface="MoolBoran"/>
+        <a:font script="Knda" typeface="Tunga"/>
+        <a:font script="Guru" typeface="Raavi"/>
+        <a:font script="Cans" typeface="Euphemia"/>
+        <a:font script="Cher" typeface="Plantagenet Cherokee"/>
+        <a:font script="Yiii" typeface="Microsoft Yi Baiti"/>
+        <a:font script="Tibt" typeface="Microsoft Himalaya"/>
+        <a:font script="Thaa" typeface="MV Boli"/>
+        <a:font script="Deva" typeface="Mangal"/>
+        <a:font script="Telu" typeface="Gautami"/>
+        <a:font script="Taml" typeface="Latha"/>
+        <a:font script="Syrc" typeface="Estrangelo Edessa"/>
+        <a:font script="Orya" typeface="Kalinga"/>
+        <a:font script="Mlym" typeface="Kartika"/>
+        <a:font script="Laoo" typeface="DokChampa"/>
+        <a:font script="Sinh" typeface="Iskoola Pota"/>
+        <a:font script="Mong" typeface="Mongolian Baiti"/>
+        <a:font script="Viet" typeface="Times New Roman"/>
+        <a:font script="Uigh" typeface="Microsoft Uighur"/>
+        <a:font script="Geor" typeface="Sylfaen"/>
+      </a:majorFont>
+      <a:minorFont>
+        <a:latin typeface="Calibri"/>
+        <a:ea typeface=""/>
+        <a:cs typeface=""/>
+        <a:font script="Jpan" typeface="ＭＳ Ｐゴシック"/>
+        <a:font script="Hang" typeface="맑은 고딕"/>
+        <a:font script="Hans" typeface="宋体"/>
+        <a:font script="Hant" typeface="新細明體"/>
+        <a:font script="Arab" typeface="Arial"/>
+        <a:font script="Hebr" typeface="Arial"/>
+        <a:font script="Thai" typeface="Cordia New"/>
+        <a:font script="Ethi" typeface="Nyala"/>
+        <a:font script="Beng" typeface="Vrinda"/>
+        <a:font script="Gujr" typeface="Shruti"/>
+        <a:font script="Khmr" typeface="DaunPenh"/>
+        <a:font script="Knda" typeface="Tunga"/>
+        <a:font script="Guru" typeface="Raavi"/>
+        <a:font script="Cans" typeface="Euphemia"/>
+        <a:font script="Cher" typeface="Plantagenet Cherokee"/>
+        <a:font script="Yiii" typeface="Microsoft Yi Baiti"/>
+        <a:font script="Tibt" typeface="Microsoft Himalaya"/>
+        <a:font script="Thaa" typeface="MV Boli"/>
+        <a:font script="Deva" typeface="Mangal"/>
+        <a:font script="Telu" typeface="Gautami"/>
+        <a:font script="Taml" typeface="Latha"/>
+        <a:font script="Syrc" typeface="Estrangelo Edessa"/>
+        <a:font script="Orya" typeface="Kalinga"/>
+        <a:font script="Mlym" typeface="Kartika"/>
+        <a:font script="Laoo" typeface="DokChampa"/>
+        <a:font script="Sinh" typeface="Iskoola Pota"/>
+        <a:font script="Mong" typeface="Mongolian Baiti"/>
+        <a:font script="Viet" typeface="Arial"/>
+        <a:font script="Uigh" typeface="Microsoft Uighur"/>
+        <a:font script="Geor" typeface="Sylfaen"/>
+      </a:minorFont>
+    </a:fontScheme>
+    <a:fmtScheme name="Office">
+      <a:fillStyleLst>
+        <a:solidFill>
+          <a:schemeClr val="phClr"/>
+        </a:solidFill>
+        <a:gradFill rotWithShape="1">
+          <a:gsLst>
+            <a:gs pos="0">
+              <a:schemeClr val="phClr">
+                <a:lumMod val="110000"/>
+                <a:satMod val="105000"/>
+                <a:tint val="67000"/>
+              </a:schemeClr>
+            </a:gs>
+            <a:gs pos="50000">
+              <a:schemeClr val="phClr">
+                <a:lumMod val="105000"/>
+                <a:satMod val="103000"/>
+                <a:tint val="73000"/>
+              </a:schemeClr>
+            </a:gs>
+            <a:gs pos="100000">
+              <a:schemeClr val="phClr">
+                <a:lumMod val="105000"/>
+                <a:satMod val="109000"/>
+                <a:tint val="81000"/>
+              </a:schemeClr>
+            </a:gs>
+          </a:gsLst>
+          <a:lin ang="5400000" scaled="0"/>
+        </a:gradFill>
+        <a:gradFill rotWithShape="1">
+          <a:gsLst>
+            <a:gs pos="0">
+              <a:schemeClr val="phClr">
+                <a:satMod val="103000"/>
+                <a:lumMod val="102000"/>
+                <a:tint val="94000"/>
+              </a:schemeClr>
+            </a:gs>
+            <a:gs pos="50000">
+              <a:schemeClr val="phClr">
+                <a:satMod val="110000"/>
+                <a:lumMod val="100000"/>
+                <a:shade val="100000"/>
+              </a:schemeClr>
+            </a:gs>
+            <a:gs pos="100000">
+              <a:schemeClr val="phClr">
+                <a:lumMod val="99000"/>
+                <a:satMod val="120000"/>
+                <a:shade val="78000"/>
+              </a:schemeClr>
+            </a:gs>
+          </a:gsLst>
+          <a:lin ang="5400000" scaled="0"/>
+        </a:gradFill>
+      </a:fillStyleLst>
+      <a:lnStyleLst>
+        <a:ln w="6350" cap="flat" cmpd="sng" algn="ctr">
+          <a:solidFill>
+            <a:schemeClr val="phClr"/>
+          </a:solidFill>
+          <a:prstDash val="solid"/>
+          <a:miter lim="800000"/>
+        </a:ln>
+        <a:ln w="12700" cap="flat" cmpd="sng" algn="ctr">
+          <a:solidFill>
+            <a:schemeClr val="phClr"/>
+          </a:solidFill>
+          <a:prstDash val="solid"/>
+          <a:miter lim="800000"/>
+        </a:ln>
+        <a:ln w="19050" cap="flat" cmpd="sng" algn="ctr">
+          <a:solidFill>
+            <a:schemeClr val="phClr"/>
+          </a:solidFill>
+          <a:prstDash val="solid"/>
+          <a:miter lim="800000"/>
+        </a:ln>
+      </a:lnStyleLst>
+      <a:effectStyleLst>
+        <a:effectStyle>
+          <a:effectLst/>
+        </a:effectStyle>
+        <a:effectStyle>
+          <a:effectLst/>
+        </a:effectStyle>
+        <a:effectStyle>
+          <a:effectLst>
+            <a:outerShdw blurRad="57150" dist="19050" dir="5400000" algn="ctr" rotWithShape="0">
+              <a:srgbClr val="000000">
+                <a:alpha val="63000"/>
+              </a:srgbClr>
+            </a:outerShdw>
+          </a:effectLst>
+        </a:effectStyle>
+      </a:effectStyleLst>
+      <a:bgFillStyleLst>
+        <a:solidFill>
+          <a:schemeClr val="phClr"/>
+        </a:solidFill>
+        <a:solidFill>
+          <a:schemeClr val="phClr">
+            <a:tint val="95000"/>
+            <a:satMod val="170000"/>
+          </a:schemeClr>
+        </a:solidFill>
+        <a:gradFill rotWithShape="1">
+          <a:gsLst>
+            <a:gs pos="0">
+              <a:schemeClr val="phClr">
+                <a:tint val="93000"/>
+                <a:satMod val="150000"/>
+                <a:shade val="98000"/>
+                <a:lumMod val="102000"/>
+              </a:schemeClr>
+            </a:gs>
+            <a:gs pos="50000">
+              <a:schemeClr val="phClr">
+                <a:tint val="98000"/>
+                <a:satMod val="130000"/>
+                <a:shade val="90000"/>
+                <a:lumMod val="103000"/>
+              </a:schemeClr>
+            </a:gs>
+            <a:gs pos="100000">
+              <a:schemeClr val="phClr">
+                <a:shade val="63000"/>
+                <a:satMod val="120000"/>
+              </a:schemeClr>
+            </a:gs>
+          </a:gsLst>
+          <a:lin ang="5400000" scaled="0"/>
+        </a:gradFill>
+      </a:bgFillStyleLst>
+    </a:fmtScheme>
+  </a:themeElements>
+  <a:extLst>
+    <a:ext uri="{05A4C25C-085E-4340-85A3-A5531E510DB2}">
+      <thm15:themeFamily xmlns:thm15="http://schemas.microsoft.com/office/thememl/2012/main" name="Office Theme" id="{62F939B6-93AF-4DB8-9C6B-D6C7DFDC589F}" vid="{4A3C46E8-61CC-4603-A589-7422A47A8E4A}"/>
+    </a:ext>
+  </a:extLst>
+</a:theme>
 </file>
--- a/docs/list/Projects_logo.pptx
+++ b/docs/list/Projects_logo.pptx
@@ -5,50 +5,53 @@
     <p:sldMasterId id="2147483648" r:id="rId1"/>
   </p:sldMasterIdLst>
   <p:notesMasterIdLst>
-    <p:notesMasterId r:id="rId19"/>
+    <p:notesMasterId r:id="rId21"/>
   </p:notesMasterIdLst>
   <p:sldIdLst>
     <p:sldId id="298" r:id="rId3"/>
     <p:sldId id="318" r:id="rId4"/>
-    <p:sldId id="256" r:id="rId5"/>
-    <p:sldId id="258" r:id="rId6"/>
-    <p:sldId id="257" r:id="rId7"/>
-    <p:sldId id="260" r:id="rId8"/>
-    <p:sldId id="273" r:id="rId9"/>
-    <p:sldId id="285" r:id="rId10"/>
-    <p:sldId id="272" r:id="rId11"/>
-    <p:sldId id="274" r:id="rId12"/>
-    <p:sldId id="275" r:id="rId13"/>
-    <p:sldId id="286" r:id="rId14"/>
-    <p:sldId id="265" r:id="rId15"/>
-    <p:sldId id="277" r:id="rId16"/>
-    <p:sldId id="267" r:id="rId17"/>
-    <p:sldId id="268" r:id="rId18"/>
-    <p:sldId id="269" r:id="rId20"/>
-    <p:sldId id="270" r:id="rId21"/>
-    <p:sldId id="340" r:id="rId22"/>
-    <p:sldId id="338" r:id="rId23"/>
-    <p:sldId id="339" r:id="rId24"/>
-    <p:sldId id="341" r:id="rId25"/>
-    <p:sldId id="343" r:id="rId26"/>
-    <p:sldId id="342" r:id="rId27"/>
-    <p:sldId id="271" r:id="rId28"/>
-    <p:sldId id="344" r:id="rId29"/>
-    <p:sldId id="348" r:id="rId30"/>
-    <p:sldId id="345" r:id="rId31"/>
-    <p:sldId id="346" r:id="rId32"/>
-    <p:sldId id="347" r:id="rId33"/>
-    <p:sldId id="349" r:id="rId34"/>
-    <p:sldId id="351" r:id="rId35"/>
-    <p:sldId id="352" r:id="rId36"/>
-    <p:sldId id="353" r:id="rId37"/>
-    <p:sldId id="354" r:id="rId38"/>
-    <p:sldId id="355" r:id="rId39"/>
-    <p:sldId id="356" r:id="rId40"/>
-    <p:sldId id="357" r:id="rId41"/>
-    <p:sldId id="358" r:id="rId42"/>
-    <p:sldId id="359" r:id="rId43"/>
-    <p:sldId id="350" r:id="rId44"/>
+    <p:sldId id="363" r:id="rId5"/>
+    <p:sldId id="256" r:id="rId6"/>
+    <p:sldId id="258" r:id="rId7"/>
+    <p:sldId id="257" r:id="rId8"/>
+    <p:sldId id="260" r:id="rId9"/>
+    <p:sldId id="273" r:id="rId10"/>
+    <p:sldId id="285" r:id="rId11"/>
+    <p:sldId id="272" r:id="rId12"/>
+    <p:sldId id="274" r:id="rId13"/>
+    <p:sldId id="275" r:id="rId14"/>
+    <p:sldId id="286" r:id="rId15"/>
+    <p:sldId id="265" r:id="rId16"/>
+    <p:sldId id="277" r:id="rId17"/>
+    <p:sldId id="404" r:id="rId18"/>
+    <p:sldId id="267" r:id="rId19"/>
+    <p:sldId id="268" r:id="rId20"/>
+    <p:sldId id="269" r:id="rId22"/>
+    <p:sldId id="270" r:id="rId23"/>
+    <p:sldId id="340" r:id="rId24"/>
+    <p:sldId id="338" r:id="rId25"/>
+    <p:sldId id="339" r:id="rId26"/>
+    <p:sldId id="341" r:id="rId27"/>
+    <p:sldId id="343" r:id="rId28"/>
+    <p:sldId id="342" r:id="rId29"/>
+    <p:sldId id="271" r:id="rId30"/>
+    <p:sldId id="344" r:id="rId31"/>
+    <p:sldId id="348" r:id="rId32"/>
+    <p:sldId id="345" r:id="rId33"/>
+    <p:sldId id="346" r:id="rId34"/>
+    <p:sldId id="364" r:id="rId35"/>
+    <p:sldId id="347" r:id="rId36"/>
+    <p:sldId id="349" r:id="rId37"/>
+    <p:sldId id="351" r:id="rId38"/>
+    <p:sldId id="352" r:id="rId39"/>
+    <p:sldId id="353" r:id="rId40"/>
+    <p:sldId id="354" r:id="rId41"/>
+    <p:sldId id="355" r:id="rId42"/>
+    <p:sldId id="356" r:id="rId43"/>
+    <p:sldId id="357" r:id="rId44"/>
+    <p:sldId id="358" r:id="rId45"/>
+    <p:sldId id="359" r:id="rId46"/>
+    <p:sldId id="350" r:id="rId47"/>
   </p:sldIdLst>
   <p:sldSz cx="12192000" cy="6858000"/>
   <p:notesSz cx="6858000" cy="9144000"/>
@@ -3793,6 +3796,121 @@
         </p:nvSpPr>
         <p:spPr>
           <a:xfrm>
+            <a:off x="3360421" y="2829560"/>
+            <a:ext cx="5471160" cy="1414780"/>
+          </a:xfrm>
+          <a:prstGeom prst="rect">
+            <a:avLst/>
+          </a:prstGeom>
+          <a:noFill/>
+          <a:ln>
+            <a:noFill/>
+          </a:ln>
+        </p:spPr>
+        <p:txBody>
+          <a:bodyPr wrap="none" rtlCol="0" anchor="t">
+            <a:spAutoFit/>
+          </a:bodyPr>
+          <a:p>
+            <a:pPr algn="ctr"/>
+            <a:r>
+              <a:rPr lang="en-US" altLang="zh-CN" sz="7200" b="1">
+                <a:gradFill>
+                  <a:gsLst>
+                    <a:gs pos="0">
+                      <a:srgbClr val="14CD68"/>
+                    </a:gs>
+                    <a:gs pos="100000">
+                      <a:srgbClr val="035C7D"/>
+                    </a:gs>
+                  </a:gsLst>
+                  <a:lin scaled="0"/>
+                </a:gradFill>
+                <a:effectLst>
+                  <a:outerShdw blurRad="38100" dist="25400" dir="5400000" algn="ctr" rotWithShape="0">
+                    <a:srgbClr val="6E747A">
+                      <a:alpha val="43000"/>
+                    </a:srgbClr>
+                  </a:outerShdw>
+                </a:effectLst>
+                <a:latin typeface="文泉驿微米黑" panose="020B0606030804020204" charset="-122"/>
+                <a:ea typeface="文泉驿微米黑" panose="020B0606030804020204" charset="-122"/>
+              </a:rPr>
+              <a:t>TrainNetHub</a:t>
+            </a:r>
+            <a:endParaRPr lang="en-US" altLang="zh-CN" sz="7200" b="1">
+              <a:solidFill>
+                <a:schemeClr val="accent1"/>
+              </a:solidFill>
+              <a:effectLst>
+                <a:outerShdw blurRad="38100" dist="25400" dir="5400000" algn="ctr" rotWithShape="0">
+                  <a:srgbClr val="6E747A">
+                    <a:alpha val="43000"/>
+                  </a:srgbClr>
+                </a:outerShdw>
+              </a:effectLst>
+              <a:latin typeface="文泉驿微米黑" panose="020B0606030804020204" charset="-122"/>
+              <a:ea typeface="文泉驿微米黑" panose="020B0606030804020204" charset="-122"/>
+            </a:endParaRPr>
+          </a:p>
+          <a:p>
+            <a:pPr algn="r"/>
+            <a:r>
+              <a:rPr lang="en-US" altLang="zh-CN" sz="1400" b="1" u="sng">
+                <a:solidFill>
+                  <a:srgbClr val="FF0000"/>
+                </a:solidFill>
+                <a:effectLst>
+                  <a:outerShdw blurRad="38100" dist="25400" dir="5400000" algn="ctr" rotWithShape="0">
+                    <a:srgbClr val="6E747A">
+                      <a:alpha val="43000"/>
+                    </a:srgbClr>
+                  </a:outerShdw>
+                </a:effectLst>
+              </a:rPr>
+              <a:t>isLinXu</a:t>
+            </a:r>
+            <a:endParaRPr lang="en-US" altLang="zh-CN" sz="1400" b="1" u="sng">
+              <a:solidFill>
+                <a:srgbClr val="FF0000"/>
+              </a:solidFill>
+              <a:effectLst>
+                <a:outerShdw blurRad="38100" dist="25400" dir="5400000" algn="ctr" rotWithShape="0">
+                  <a:srgbClr val="6E747A">
+                    <a:alpha val="43000"/>
+                  </a:srgbClr>
+                </a:outerShdw>
+              </a:effectLst>
+            </a:endParaRPr>
+          </a:p>
+        </p:txBody>
+      </p:sp>
+    </p:spTree>
+  </p:cSld>
+  <p:clrMapOvr>
+    <a:masterClrMapping/>
+  </p:clrMapOvr>
+</p:sld>
+</file>
+
+<file path=ppt/slides/slide11.xml><?xml version="1.0" encoding="utf-8"?>
+<p:sld xmlns:a="http://schemas.openxmlformats.org/drawingml/2006/main" xmlns:r="http://schemas.openxmlformats.org/officeDocument/2006/relationships" xmlns:p="http://schemas.openxmlformats.org/presentationml/2006/main">
+  <p:cSld>
+    <p:spTree>
+      <p:nvGrpSpPr>
+        <p:cNvPr id="1" name=""/>
+        <p:cNvGrpSpPr/>
+        <p:nvPr/>
+      </p:nvGrpSpPr>
+      <p:grpSpPr/>
+      <p:sp>
+        <p:nvSpPr>
+          <p:cNvPr id="4" name="矩形 3"/>
+          <p:cNvSpPr/>
+          <p:nvPr/>
+        </p:nvSpPr>
+        <p:spPr>
+          <a:xfrm>
             <a:off x="4215131" y="2829560"/>
             <a:ext cx="3761740" cy="1414780"/>
           </a:xfrm>
@@ -3939,7 +4057,7 @@
 </p:sld>
 </file>
 
-<file path=ppt/slides/slide11.xml><?xml version="1.0" encoding="utf-8"?>
+<file path=ppt/slides/slide12.xml><?xml version="1.0" encoding="utf-8"?>
 <p:sld xmlns:a="http://schemas.openxmlformats.org/drawingml/2006/main" xmlns:r="http://schemas.openxmlformats.org/officeDocument/2006/relationships" xmlns:p="http://schemas.openxmlformats.org/presentationml/2006/main">
   <p:cSld>
     <p:spTree>
@@ -4103,7 +4221,7 @@
 </p:sld>
 </file>
 
-<file path=ppt/slides/slide12.xml><?xml version="1.0" encoding="utf-8"?>
+<file path=ppt/slides/slide13.xml><?xml version="1.0" encoding="utf-8"?>
 <p:sld xmlns:a="http://schemas.openxmlformats.org/drawingml/2006/main" xmlns:r="http://schemas.openxmlformats.org/officeDocument/2006/relationships" xmlns:p="http://schemas.openxmlformats.org/presentationml/2006/main">
   <p:cSld>
     <p:spTree>
@@ -4389,7 +4507,7 @@
 </p:sld>
 </file>
 
-<file path=ppt/slides/slide13.xml><?xml version="1.0" encoding="utf-8"?>
+<file path=ppt/slides/slide14.xml><?xml version="1.0" encoding="utf-8"?>
 <p:sld xmlns:a="http://schemas.openxmlformats.org/drawingml/2006/main" xmlns:r="http://schemas.openxmlformats.org/officeDocument/2006/relationships" xmlns:p="http://schemas.openxmlformats.org/presentationml/2006/main">
   <p:cSld>
     <p:spTree>
@@ -4570,7 +4688,7 @@
 </p:sld>
 </file>
 
-<file path=ppt/slides/slide14.xml><?xml version="1.0" encoding="utf-8"?>
+<file path=ppt/slides/slide15.xml><?xml version="1.0" encoding="utf-8"?>
 <p:sld xmlns:a="http://schemas.openxmlformats.org/drawingml/2006/main" xmlns:r="http://schemas.openxmlformats.org/officeDocument/2006/relationships" xmlns:p="http://schemas.openxmlformats.org/presentationml/2006/main">
   <p:cSld>
     <p:spTree>
@@ -4726,6 +4844,35 @@
           </a:p>
         </p:txBody>
       </p:sp>
+      <p:sp>
+        <p:nvSpPr>
+          <p:cNvPr id="2" name="文本框 1"/>
+          <p:cNvSpPr txBox="1"/>
+          <p:nvPr/>
+        </p:nvSpPr>
+        <p:spPr>
+          <a:xfrm>
+            <a:off x="4764405" y="1181735"/>
+            <a:ext cx="2540000" cy="368300"/>
+          </a:xfrm>
+          <a:prstGeom prst="rect">
+            <a:avLst/>
+          </a:prstGeom>
+          <a:noFill/>
+        </p:spPr>
+        <p:txBody>
+          <a:bodyPr wrap="square" rtlCol="0" anchor="t">
+            <a:spAutoFit/>
+          </a:bodyPr>
+          <a:p>
+            <a:r>
+              <a:rPr lang="zh-CN" altLang="en-US"/>
+              <a:t>ml-cheat-sheets</a:t>
+            </a:r>
+            <a:endParaRPr lang="zh-CN" altLang="en-US"/>
+          </a:p>
+        </p:txBody>
+      </p:sp>
     </p:spTree>
   </p:cSld>
   <p:clrMapOvr>
@@ -4734,7 +4881,178 @@
 </p:sld>
 </file>
 
-<file path=ppt/slides/slide15.xml><?xml version="1.0" encoding="utf-8"?>
+<file path=ppt/slides/slide16.xml><?xml version="1.0" encoding="utf-8"?>
+<p:sld xmlns:a="http://schemas.openxmlformats.org/drawingml/2006/main" xmlns:r="http://schemas.openxmlformats.org/officeDocument/2006/relationships" xmlns:p="http://schemas.openxmlformats.org/presentationml/2006/main">
+  <p:cSld>
+    <p:spTree>
+      <p:nvGrpSpPr>
+        <p:cNvPr id="1" name=""/>
+        <p:cNvGrpSpPr/>
+        <p:nvPr/>
+      </p:nvGrpSpPr>
+      <p:grpSpPr/>
+      <p:sp>
+        <p:nvSpPr>
+          <p:cNvPr id="4" name="矩形 3"/>
+          <p:cNvSpPr/>
+          <p:nvPr/>
+        </p:nvSpPr>
+        <p:spPr>
+          <a:xfrm>
+            <a:off x="2250440" y="2829560"/>
+            <a:ext cx="7786370" cy="1414780"/>
+          </a:xfrm>
+          <a:prstGeom prst="rect">
+            <a:avLst/>
+          </a:prstGeom>
+          <a:noFill/>
+          <a:ln>
+            <a:noFill/>
+          </a:ln>
+        </p:spPr>
+        <p:txBody>
+          <a:bodyPr wrap="square" rtlCol="0" anchor="t">
+            <a:spAutoFit/>
+          </a:bodyPr>
+          <a:p>
+            <a:pPr algn="ctr"/>
+            <a:r>
+              <a:rPr lang="en-US" altLang="zh-CN" sz="7200" b="1">
+                <a:gradFill>
+                  <a:gsLst>
+                    <a:gs pos="0">
+                      <a:srgbClr val="14CD68"/>
+                    </a:gs>
+                    <a:gs pos="100000">
+                      <a:srgbClr val="035C7D"/>
+                    </a:gs>
+                  </a:gsLst>
+                  <a:lin scaled="0"/>
+                </a:gradFill>
+                <a:effectLst>
+                  <a:outerShdw blurRad="38100" dist="25400" dir="5400000" algn="ctr" rotWithShape="0">
+                    <a:srgbClr val="6E747A">
+                      <a:alpha val="43000"/>
+                    </a:srgbClr>
+                  </a:outerShdw>
+                </a:effectLst>
+                <a:latin typeface="文泉驿微米黑" panose="020B0606030804020204" charset="-122"/>
+                <a:ea typeface="文泉驿微米黑" panose="020B0606030804020204" charset="-122"/>
+              </a:rPr>
+              <a:t>ml-</a:t>
+            </a:r>
+            <a:r>
+              <a:rPr lang="en-US" altLang="zh-CN" sz="7200" b="1">
+                <a:gradFill>
+                  <a:gsLst>
+                    <a:gs pos="0">
+                      <a:srgbClr val="012D86"/>
+                    </a:gs>
+                    <a:gs pos="100000">
+                      <a:srgbClr val="0E2557"/>
+                    </a:gs>
+                  </a:gsLst>
+                  <a:lin scaled="0"/>
+                </a:gradFill>
+                <a:effectLst>
+                  <a:outerShdw blurRad="38100" dist="25400" dir="5400000" algn="ctr" rotWithShape="0">
+                    <a:srgbClr val="6E747A">
+                      <a:alpha val="43000"/>
+                    </a:srgbClr>
+                  </a:outerShdw>
+                </a:effectLst>
+                <a:latin typeface="文泉驿微米黑" panose="020B0606030804020204" charset="-122"/>
+                <a:ea typeface="文泉驿微米黑" panose="020B0606030804020204" charset="-122"/>
+                <a:sym typeface="+mn-ea"/>
+              </a:rPr>
+              <a:t>cheat-</a:t>
+            </a:r>
+            <a:r>
+              <a:rPr lang="zh-CN" altLang="en-US" sz="7200">
+                <a:sym typeface="+mn-ea"/>
+              </a:rPr>
+              <a:t>sheets</a:t>
+            </a:r>
+            <a:endParaRPr lang="en-US" altLang="zh-CN" sz="7200" b="1">
+              <a:gradFill>
+                <a:gsLst>
+                  <a:gs pos="0">
+                    <a:srgbClr val="012D86"/>
+                  </a:gs>
+                  <a:gs pos="100000">
+                    <a:srgbClr val="0E2557"/>
+                  </a:gs>
+                </a:gsLst>
+                <a:lin scaled="0"/>
+              </a:gradFill>
+              <a:effectLst>
+                <a:outerShdw blurRad="38100" dist="25400" dir="5400000" algn="ctr" rotWithShape="0">
+                  <a:srgbClr val="6E747A">
+                    <a:alpha val="43000"/>
+                  </a:srgbClr>
+                </a:outerShdw>
+              </a:effectLst>
+              <a:latin typeface="文泉驿微米黑" panose="020B0606030804020204" charset="-122"/>
+              <a:ea typeface="文泉驿微米黑" panose="020B0606030804020204" charset="-122"/>
+            </a:endParaRPr>
+          </a:p>
+          <a:p>
+            <a:pPr algn="r"/>
+            <a:r>
+              <a:rPr lang="en-US" altLang="zh-CN" sz="1400" b="1" u="sng">
+                <a:gradFill>
+                  <a:gsLst>
+                    <a:gs pos="0">
+                      <a:srgbClr val="012D86"/>
+                    </a:gs>
+                    <a:gs pos="100000">
+                      <a:srgbClr val="0E2557"/>
+                    </a:gs>
+                  </a:gsLst>
+                  <a:lin scaled="0"/>
+                </a:gradFill>
+                <a:effectLst>
+                  <a:outerShdw blurRad="38100" dist="25400" dir="5400000" algn="ctr" rotWithShape="0">
+                    <a:srgbClr val="6E747A">
+                      <a:alpha val="43000"/>
+                    </a:srgbClr>
+                  </a:outerShdw>
+                </a:effectLst>
+              </a:rPr>
+              <a:t>isLinXu</a:t>
+            </a:r>
+            <a:endParaRPr lang="en-US" altLang="zh-CN" sz="1400" b="1" u="sng">
+              <a:gradFill>
+                <a:gsLst>
+                  <a:gs pos="0">
+                    <a:srgbClr val="012D86"/>
+                  </a:gs>
+                  <a:gs pos="100000">
+                    <a:srgbClr val="0E2557"/>
+                  </a:gs>
+                </a:gsLst>
+                <a:lin scaled="0"/>
+              </a:gradFill>
+              <a:effectLst>
+                <a:outerShdw blurRad="38100" dist="25400" dir="5400000" algn="ctr" rotWithShape="0">
+                  <a:srgbClr val="6E747A">
+                    <a:alpha val="43000"/>
+                  </a:srgbClr>
+                </a:outerShdw>
+              </a:effectLst>
+            </a:endParaRPr>
+          </a:p>
+        </p:txBody>
+      </p:sp>
+    </p:spTree>
+  </p:cSld>
+  <p:clrMapOvr>
+    <a:masterClrMapping/>
+  </p:clrMapOvr>
+</p:sld>
+</file>
+
+<file path=ppt/slides/slide17.xml><?xml version="1.0" encoding="utf-8"?>
 <p:sld xmlns:a="http://schemas.openxmlformats.org/drawingml/2006/main" xmlns:r="http://schemas.openxmlformats.org/officeDocument/2006/relationships" xmlns:p="http://schemas.openxmlformats.org/presentationml/2006/main">
   <p:cSld>
     <p:spTree>
@@ -4954,7 +5272,7 @@
 </p:sld>
 </file>
 
-<file path=ppt/slides/slide16.xml><?xml version="1.0" encoding="utf-8"?>
+<file path=ppt/slides/slide18.xml><?xml version="1.0" encoding="utf-8"?>
 <p:sld xmlns:a="http://schemas.openxmlformats.org/drawingml/2006/main" xmlns:r="http://schemas.openxmlformats.org/officeDocument/2006/relationships" xmlns:p="http://schemas.openxmlformats.org/presentationml/2006/main">
   <p:cSld>
     <p:spTree>
@@ -5177,7 +5495,7 @@
 </p:sld>
 </file>
 
-<file path=ppt/slides/slide17.xml><?xml version="1.0" encoding="utf-8"?>
+<file path=ppt/slides/slide19.xml><?xml version="1.0" encoding="utf-8"?>
 <p:sld xmlns:a="http://schemas.openxmlformats.org/drawingml/2006/main" xmlns:r="http://schemas.openxmlformats.org/officeDocument/2006/relationships" xmlns:p="http://schemas.openxmlformats.org/presentationml/2006/main">
   <p:cSld>
     <p:spTree>
@@ -5400,7 +5718,122 @@
 </p:sld>
 </file>
 
-<file path=ppt/slides/slide18.xml><?xml version="1.0" encoding="utf-8"?>
+<file path=ppt/slides/slide2.xml><?xml version="1.0" encoding="utf-8"?>
+<p:sld xmlns:a="http://schemas.openxmlformats.org/drawingml/2006/main" xmlns:r="http://schemas.openxmlformats.org/officeDocument/2006/relationships" xmlns:p="http://schemas.openxmlformats.org/presentationml/2006/main">
+  <p:cSld>
+    <p:spTree>
+      <p:nvGrpSpPr>
+        <p:cNvPr id="1" name=""/>
+        <p:cNvGrpSpPr/>
+        <p:nvPr/>
+      </p:nvGrpSpPr>
+      <p:grpSpPr/>
+      <p:sp>
+        <p:nvSpPr>
+          <p:cNvPr id="4" name="矩形 3"/>
+          <p:cNvSpPr/>
+          <p:nvPr/>
+        </p:nvSpPr>
+        <p:spPr>
+          <a:xfrm>
+            <a:off x="3383915" y="2829560"/>
+            <a:ext cx="5424170" cy="1414780"/>
+          </a:xfrm>
+          <a:prstGeom prst="rect">
+            <a:avLst/>
+          </a:prstGeom>
+          <a:noFill/>
+          <a:ln>
+            <a:noFill/>
+          </a:ln>
+        </p:spPr>
+        <p:txBody>
+          <a:bodyPr wrap="none" rtlCol="0" anchor="t">
+            <a:spAutoFit/>
+          </a:bodyPr>
+          <a:p>
+            <a:pPr algn="ctr"/>
+            <a:r>
+              <a:rPr lang="en-US" altLang="zh-CN" sz="7200" b="1">
+                <a:gradFill>
+                  <a:gsLst>
+                    <a:gs pos="0">
+                      <a:srgbClr val="007BD3"/>
+                    </a:gs>
+                    <a:gs pos="100000">
+                      <a:srgbClr val="034373"/>
+                    </a:gs>
+                  </a:gsLst>
+                  <a:lin scaled="0"/>
+                </a:gradFill>
+                <a:effectLst>
+                  <a:outerShdw blurRad="38100" dist="25400" dir="5400000" algn="ctr" rotWithShape="0">
+                    <a:srgbClr val="6E747A">
+                      <a:alpha val="43000"/>
+                    </a:srgbClr>
+                  </a:outerShdw>
+                </a:effectLst>
+                <a:latin typeface="文泉驿微米黑" panose="020B0606030804020204" charset="-122"/>
+                <a:ea typeface="文泉驿微米黑" panose="020B0606030804020204" charset="-122"/>
+              </a:rPr>
+              <a:t>Project-List</a:t>
+            </a:r>
+            <a:endParaRPr lang="en-US" altLang="zh-CN" sz="7200" b="1">
+              <a:solidFill>
+                <a:schemeClr val="accent1"/>
+              </a:solidFill>
+              <a:effectLst>
+                <a:outerShdw blurRad="38100" dist="25400" dir="5400000" algn="ctr" rotWithShape="0">
+                  <a:srgbClr val="6E747A">
+                    <a:alpha val="43000"/>
+                  </a:srgbClr>
+                </a:outerShdw>
+              </a:effectLst>
+              <a:latin typeface="文泉驿微米黑" panose="020B0606030804020204" charset="-122"/>
+              <a:ea typeface="文泉驿微米黑" panose="020B0606030804020204" charset="-122"/>
+            </a:endParaRPr>
+          </a:p>
+          <a:p>
+            <a:pPr algn="r"/>
+            <a:r>
+              <a:rPr lang="en-US" altLang="zh-CN" sz="1400" b="1" u="sng">
+                <a:solidFill>
+                  <a:srgbClr val="FF0000"/>
+                </a:solidFill>
+                <a:effectLst>
+                  <a:outerShdw blurRad="38100" dist="25400" dir="5400000" algn="ctr" rotWithShape="0">
+                    <a:srgbClr val="6E747A">
+                      <a:alpha val="43000"/>
+                    </a:srgbClr>
+                  </a:outerShdw>
+                </a:effectLst>
+              </a:rPr>
+              <a:t>isLinXu</a:t>
+            </a:r>
+            <a:endParaRPr lang="en-US" altLang="zh-CN" sz="1400" b="1" u="sng">
+              <a:solidFill>
+                <a:srgbClr val="FF0000"/>
+              </a:solidFill>
+              <a:effectLst>
+                <a:outerShdw blurRad="38100" dist="25400" dir="5400000" algn="ctr" rotWithShape="0">
+                  <a:srgbClr val="6E747A">
+                    <a:alpha val="43000"/>
+                  </a:srgbClr>
+                </a:outerShdw>
+              </a:effectLst>
+            </a:endParaRPr>
+          </a:p>
+        </p:txBody>
+      </p:sp>
+    </p:spTree>
+  </p:cSld>
+  <p:clrMapOvr>
+    <a:masterClrMapping/>
+  </p:clrMapOvr>
+</p:sld>
+</file>
+
+<file path=ppt/slides/slide20.xml><?xml version="1.0" encoding="utf-8"?>
 <p:sld xmlns:a="http://schemas.openxmlformats.org/drawingml/2006/main" xmlns:r="http://schemas.openxmlformats.org/officeDocument/2006/relationships" xmlns:p="http://schemas.openxmlformats.org/presentationml/2006/main">
   <p:cSld>
     <p:spTree>
@@ -5618,7 +6051,7 @@
 </p:sld>
 </file>
 
-<file path=ppt/slides/slide19.xml><?xml version="1.0" encoding="utf-8"?>
+<file path=ppt/slides/slide21.xml><?xml version="1.0" encoding="utf-8"?>
 <p:sld xmlns:a="http://schemas.openxmlformats.org/drawingml/2006/main" xmlns:r="http://schemas.openxmlformats.org/officeDocument/2006/relationships" xmlns:p="http://schemas.openxmlformats.org/presentationml/2006/main">
   <p:cSld>
     <p:spTree>
@@ -5862,122 +6295,7 @@
 </p:sld>
 </file>
 
-<file path=ppt/slides/slide2.xml><?xml version="1.0" encoding="utf-8"?>
-<p:sld xmlns:a="http://schemas.openxmlformats.org/drawingml/2006/main" xmlns:r="http://schemas.openxmlformats.org/officeDocument/2006/relationships" xmlns:p="http://schemas.openxmlformats.org/presentationml/2006/main">
-  <p:cSld>
-    <p:spTree>
-      <p:nvGrpSpPr>
-        <p:cNvPr id="1" name=""/>
-        <p:cNvGrpSpPr/>
-        <p:nvPr/>
-      </p:nvGrpSpPr>
-      <p:grpSpPr/>
-      <p:sp>
-        <p:nvSpPr>
-          <p:cNvPr id="4" name="矩形 3"/>
-          <p:cNvSpPr/>
-          <p:nvPr/>
-        </p:nvSpPr>
-        <p:spPr>
-          <a:xfrm>
-            <a:off x="3383915" y="2829560"/>
-            <a:ext cx="5424170" cy="1414780"/>
-          </a:xfrm>
-          <a:prstGeom prst="rect">
-            <a:avLst/>
-          </a:prstGeom>
-          <a:noFill/>
-          <a:ln>
-            <a:noFill/>
-          </a:ln>
-        </p:spPr>
-        <p:txBody>
-          <a:bodyPr wrap="none" rtlCol="0" anchor="t">
-            <a:spAutoFit/>
-          </a:bodyPr>
-          <a:p>
-            <a:pPr algn="ctr"/>
-            <a:r>
-              <a:rPr lang="en-US" altLang="zh-CN" sz="7200" b="1">
-                <a:gradFill>
-                  <a:gsLst>
-                    <a:gs pos="0">
-                      <a:srgbClr val="007BD3"/>
-                    </a:gs>
-                    <a:gs pos="100000">
-                      <a:srgbClr val="034373"/>
-                    </a:gs>
-                  </a:gsLst>
-                  <a:lin scaled="0"/>
-                </a:gradFill>
-                <a:effectLst>
-                  <a:outerShdw blurRad="38100" dist="25400" dir="5400000" algn="ctr" rotWithShape="0">
-                    <a:srgbClr val="6E747A">
-                      <a:alpha val="43000"/>
-                    </a:srgbClr>
-                  </a:outerShdw>
-                </a:effectLst>
-                <a:latin typeface="文泉驿微米黑" panose="020B0606030804020204" charset="-122"/>
-                <a:ea typeface="文泉驿微米黑" panose="020B0606030804020204" charset="-122"/>
-              </a:rPr>
-              <a:t>Project-List</a:t>
-            </a:r>
-            <a:endParaRPr lang="en-US" altLang="zh-CN" sz="7200" b="1">
-              <a:solidFill>
-                <a:schemeClr val="accent1"/>
-              </a:solidFill>
-              <a:effectLst>
-                <a:outerShdw blurRad="38100" dist="25400" dir="5400000" algn="ctr" rotWithShape="0">
-                  <a:srgbClr val="6E747A">
-                    <a:alpha val="43000"/>
-                  </a:srgbClr>
-                </a:outerShdw>
-              </a:effectLst>
-              <a:latin typeface="文泉驿微米黑" panose="020B0606030804020204" charset="-122"/>
-              <a:ea typeface="文泉驿微米黑" panose="020B0606030804020204" charset="-122"/>
-            </a:endParaRPr>
-          </a:p>
-          <a:p>
-            <a:pPr algn="r"/>
-            <a:r>
-              <a:rPr lang="en-US" altLang="zh-CN" sz="1400" b="1" u="sng">
-                <a:solidFill>
-                  <a:srgbClr val="FF0000"/>
-                </a:solidFill>
-                <a:effectLst>
-                  <a:outerShdw blurRad="38100" dist="25400" dir="5400000" algn="ctr" rotWithShape="0">
-                    <a:srgbClr val="6E747A">
-                      <a:alpha val="43000"/>
-                    </a:srgbClr>
-                  </a:outerShdw>
-                </a:effectLst>
-              </a:rPr>
-              <a:t>isLinXu</a:t>
-            </a:r>
-            <a:endParaRPr lang="en-US" altLang="zh-CN" sz="1400" b="1" u="sng">
-              <a:solidFill>
-                <a:srgbClr val="FF0000"/>
-              </a:solidFill>
-              <a:effectLst>
-                <a:outerShdw blurRad="38100" dist="25400" dir="5400000" algn="ctr" rotWithShape="0">
-                  <a:srgbClr val="6E747A">
-                    <a:alpha val="43000"/>
-                  </a:srgbClr>
-                </a:outerShdw>
-              </a:effectLst>
-            </a:endParaRPr>
-          </a:p>
-        </p:txBody>
-      </p:sp>
-    </p:spTree>
-  </p:cSld>
-  <p:clrMapOvr>
-    <a:masterClrMapping/>
-  </p:clrMapOvr>
-</p:sld>
-</file>
-
-<file path=ppt/slides/slide20.xml><?xml version="1.0" encoding="utf-8"?>
+<file path=ppt/slides/slide22.xml><?xml version="1.0" encoding="utf-8"?>
 <p:sld xmlns:a="http://schemas.openxmlformats.org/drawingml/2006/main" xmlns:r="http://schemas.openxmlformats.org/officeDocument/2006/relationships" xmlns:p="http://schemas.openxmlformats.org/presentationml/2006/main">
   <p:cSld>
     <p:spTree>
@@ -6137,7 +6455,7 @@
 </p:sld>
 </file>
 
-<file path=ppt/slides/slide21.xml><?xml version="1.0" encoding="utf-8"?>
+<file path=ppt/slides/slide23.xml><?xml version="1.0" encoding="utf-8"?>
 <p:sld xmlns:a="http://schemas.openxmlformats.org/drawingml/2006/main" xmlns:r="http://schemas.openxmlformats.org/officeDocument/2006/relationships" xmlns:p="http://schemas.openxmlformats.org/presentationml/2006/main">
   <p:cSld>
     <p:spTree>
@@ -6317,7 +6635,7 @@
 </p:sld>
 </file>
 
-<file path=ppt/slides/slide22.xml><?xml version="1.0" encoding="utf-8"?>
+<file path=ppt/slides/slide24.xml><?xml version="1.0" encoding="utf-8"?>
 <p:sld xmlns:a="http://schemas.openxmlformats.org/drawingml/2006/main" xmlns:r="http://schemas.openxmlformats.org/officeDocument/2006/relationships" xmlns:p="http://schemas.openxmlformats.org/presentationml/2006/main">
   <p:cSld>
     <p:spTree>
@@ -6479,7 +6797,7 @@
 </p:sld>
 </file>
 
-<file path=ppt/slides/slide23.xml><?xml version="1.0" encoding="utf-8"?>
+<file path=ppt/slides/slide25.xml><?xml version="1.0" encoding="utf-8"?>
 <p:sld xmlns:a="http://schemas.openxmlformats.org/drawingml/2006/main" xmlns:r="http://schemas.openxmlformats.org/officeDocument/2006/relationships" xmlns:p="http://schemas.openxmlformats.org/presentationml/2006/main">
   <p:cSld>
     <p:spTree>
@@ -6641,7 +6959,7 @@
 </p:sld>
 </file>
 
-<file path=ppt/slides/slide24.xml><?xml version="1.0" encoding="utf-8"?>
+<file path=ppt/slides/slide26.xml><?xml version="1.0" encoding="utf-8"?>
 <p:sld xmlns:a="http://schemas.openxmlformats.org/drawingml/2006/main" xmlns:r="http://schemas.openxmlformats.org/officeDocument/2006/relationships" xmlns:p="http://schemas.openxmlformats.org/presentationml/2006/main">
   <p:cSld>
     <p:spTree>
@@ -6860,7 +7178,7 @@
 </p:sld>
 </file>
 
-<file path=ppt/slides/slide25.xml><?xml version="1.0" encoding="utf-8"?>
+<file path=ppt/slides/slide27.xml><?xml version="1.0" encoding="utf-8"?>
 <p:sld xmlns:a="http://schemas.openxmlformats.org/drawingml/2006/main" xmlns:r="http://schemas.openxmlformats.org/officeDocument/2006/relationships" xmlns:p="http://schemas.openxmlformats.org/presentationml/2006/main">
   <p:cSld>
     <p:spTree>
@@ -7022,7 +7340,7 @@
 </p:sld>
 </file>
 
-<file path=ppt/slides/slide26.xml><?xml version="1.0" encoding="utf-8"?>
+<file path=ppt/slides/slide28.xml><?xml version="1.0" encoding="utf-8"?>
 <p:sld xmlns:a="http://schemas.openxmlformats.org/drawingml/2006/main" xmlns:r="http://schemas.openxmlformats.org/officeDocument/2006/relationships" xmlns:p="http://schemas.openxmlformats.org/presentationml/2006/main">
   <p:cSld>
     <p:spTree>
@@ -7178,7 +7496,7 @@
 </p:sld>
 </file>
 
-<file path=ppt/slides/slide27.xml><?xml version="1.0" encoding="utf-8"?>
+<file path=ppt/slides/slide29.xml><?xml version="1.0" encoding="utf-8"?>
 <p:sld xmlns:a="http://schemas.openxmlformats.org/drawingml/2006/main" xmlns:r="http://schemas.openxmlformats.org/officeDocument/2006/relationships" xmlns:p="http://schemas.openxmlformats.org/presentationml/2006/main">
   <p:cSld>
     <p:spTree>
@@ -7314,7 +7632,122 @@
 </p:sld>
 </file>
 
-<file path=ppt/slides/slide28.xml><?xml version="1.0" encoding="utf-8"?>
+<file path=ppt/slides/slide3.xml><?xml version="1.0" encoding="utf-8"?>
+<p:sld xmlns:a="http://schemas.openxmlformats.org/drawingml/2006/main" xmlns:r="http://schemas.openxmlformats.org/officeDocument/2006/relationships" xmlns:p="http://schemas.openxmlformats.org/presentationml/2006/main">
+  <p:cSld>
+    <p:spTree>
+      <p:nvGrpSpPr>
+        <p:cNvPr id="1" name=""/>
+        <p:cNvGrpSpPr/>
+        <p:nvPr/>
+      </p:nvGrpSpPr>
+      <p:grpSpPr/>
+      <p:sp>
+        <p:nvSpPr>
+          <p:cNvPr id="4" name="矩形 3"/>
+          <p:cNvSpPr/>
+          <p:nvPr/>
+        </p:nvSpPr>
+        <p:spPr>
+          <a:xfrm>
+            <a:off x="3933508" y="2829560"/>
+            <a:ext cx="4324985" cy="1414780"/>
+          </a:xfrm>
+          <a:prstGeom prst="rect">
+            <a:avLst/>
+          </a:prstGeom>
+          <a:noFill/>
+          <a:ln>
+            <a:noFill/>
+          </a:ln>
+        </p:spPr>
+        <p:txBody>
+          <a:bodyPr wrap="none" rtlCol="0" anchor="t">
+            <a:spAutoFit/>
+          </a:bodyPr>
+          <a:p>
+            <a:pPr algn="ctr"/>
+            <a:r>
+              <a:rPr lang="en-US" altLang="zh-CN" sz="7200" b="1">
+                <a:gradFill>
+                  <a:gsLst>
+                    <a:gs pos="0">
+                      <a:srgbClr val="007BD3"/>
+                    </a:gs>
+                    <a:gs pos="100000">
+                      <a:srgbClr val="034373"/>
+                    </a:gs>
+                  </a:gsLst>
+                  <a:lin scaled="0"/>
+                </a:gradFill>
+                <a:effectLst>
+                  <a:outerShdw blurRad="38100" dist="25400" dir="5400000" algn="ctr" rotWithShape="0">
+                    <a:srgbClr val="6E747A">
+                      <a:alpha val="43000"/>
+                    </a:srgbClr>
+                  </a:outerShdw>
+                </a:effectLst>
+                <a:latin typeface="文泉驿微米黑" panose="020B0606030804020204" charset="-122"/>
+                <a:ea typeface="文泉驿微米黑" panose="020B0606030804020204" charset="-122"/>
+              </a:rPr>
+              <a:t>Docs-List</a:t>
+            </a:r>
+            <a:endParaRPr lang="en-US" altLang="zh-CN" sz="7200" b="1">
+              <a:solidFill>
+                <a:schemeClr val="accent1"/>
+              </a:solidFill>
+              <a:effectLst>
+                <a:outerShdw blurRad="38100" dist="25400" dir="5400000" algn="ctr" rotWithShape="0">
+                  <a:srgbClr val="6E747A">
+                    <a:alpha val="43000"/>
+                  </a:srgbClr>
+                </a:outerShdw>
+              </a:effectLst>
+              <a:latin typeface="文泉驿微米黑" panose="020B0606030804020204" charset="-122"/>
+              <a:ea typeface="文泉驿微米黑" panose="020B0606030804020204" charset="-122"/>
+            </a:endParaRPr>
+          </a:p>
+          <a:p>
+            <a:pPr algn="r"/>
+            <a:r>
+              <a:rPr lang="en-US" altLang="zh-CN" sz="1400" b="1" u="sng">
+                <a:solidFill>
+                  <a:srgbClr val="FF0000"/>
+                </a:solidFill>
+                <a:effectLst>
+                  <a:outerShdw blurRad="38100" dist="25400" dir="5400000" algn="ctr" rotWithShape="0">
+                    <a:srgbClr val="6E747A">
+                      <a:alpha val="43000"/>
+                    </a:srgbClr>
+                  </a:outerShdw>
+                </a:effectLst>
+              </a:rPr>
+              <a:t>isLinXu</a:t>
+            </a:r>
+            <a:endParaRPr lang="en-US" altLang="zh-CN" sz="1400" b="1" u="sng">
+              <a:solidFill>
+                <a:srgbClr val="FF0000"/>
+              </a:solidFill>
+              <a:effectLst>
+                <a:outerShdw blurRad="38100" dist="25400" dir="5400000" algn="ctr" rotWithShape="0">
+                  <a:srgbClr val="6E747A">
+                    <a:alpha val="43000"/>
+                  </a:srgbClr>
+                </a:outerShdw>
+              </a:effectLst>
+            </a:endParaRPr>
+          </a:p>
+        </p:txBody>
+      </p:sp>
+    </p:spTree>
+  </p:cSld>
+  <p:clrMapOvr>
+    <a:masterClrMapping/>
+  </p:clrMapOvr>
+</p:sld>
+</file>
+
+<file path=ppt/slides/slide30.xml><?xml version="1.0" encoding="utf-8"?>
 <p:sld xmlns:a="http://schemas.openxmlformats.org/drawingml/2006/main" xmlns:r="http://schemas.openxmlformats.org/officeDocument/2006/relationships" xmlns:p="http://schemas.openxmlformats.org/presentationml/2006/main">
   <p:cSld>
     <p:spTree>
@@ -7489,7 +7922,7 @@
 </p:sld>
 </file>
 
-<file path=ppt/slides/slide29.xml><?xml version="1.0" encoding="utf-8"?>
+<file path=ppt/slides/slide31.xml><?xml version="1.0" encoding="utf-8"?>
 <p:sld xmlns:a="http://schemas.openxmlformats.org/drawingml/2006/main" xmlns:r="http://schemas.openxmlformats.org/officeDocument/2006/relationships" xmlns:p="http://schemas.openxmlformats.org/presentationml/2006/main">
   <p:cSld>
     <p:spTree>
@@ -7673,7 +8106,7 @@
 </p:sld>
 </file>
 
-<file path=ppt/slides/slide3.xml><?xml version="1.0" encoding="utf-8"?>
+<file path=ppt/slides/slide32.xml><?xml version="1.0" encoding="utf-8"?>
 <p:sld xmlns:a="http://schemas.openxmlformats.org/drawingml/2006/main" xmlns:r="http://schemas.openxmlformats.org/officeDocument/2006/relationships" xmlns:p="http://schemas.openxmlformats.org/presentationml/2006/main">
   <p:cSld>
     <p:spTree>
@@ -7685,14 +8118,14 @@
       <p:grpSpPr/>
       <p:sp>
         <p:nvSpPr>
-          <p:cNvPr id="4" name="矩形 3"/>
+          <p:cNvPr id="5" name="矩形 4"/>
           <p:cNvSpPr/>
           <p:nvPr/>
         </p:nvSpPr>
         <p:spPr>
           <a:xfrm>
-            <a:off x="3263900" y="2829560"/>
-            <a:ext cx="5664200" cy="1414780"/>
+            <a:off x="1764665" y="2619375"/>
+            <a:ext cx="8832850" cy="1414780"/>
           </a:xfrm>
           <a:prstGeom prst="rect">
             <a:avLst/>
@@ -7703,11 +8136,55 @@
           </a:ln>
         </p:spPr>
         <p:txBody>
-          <a:bodyPr wrap="none" rtlCol="0" anchor="t">
+          <a:bodyPr wrap="square" rtlCol="0" anchor="t">
             <a:spAutoFit/>
           </a:bodyPr>
           <a:p>
-            <a:pPr algn="ctr"/>
+            <a:pPr algn="r"/>
+            <a:r>
+              <a:rPr lang="en-US" altLang="zh-CN" sz="7200" b="1">
+                <a:gradFill>
+                  <a:gsLst>
+                    <a:gs pos="0">
+                      <a:srgbClr val="012D86"/>
+                    </a:gs>
+                    <a:gs pos="100000">
+                      <a:srgbClr val="0E2557"/>
+                    </a:gs>
+                  </a:gsLst>
+                  <a:lin scaled="0"/>
+                </a:gradFill>
+                <a:effectLst>
+                  <a:outerShdw blurRad="38100" dist="25400" dir="5400000" algn="ctr" rotWithShape="0">
+                    <a:srgbClr val="6E747A">
+                      <a:alpha val="43000"/>
+                    </a:srgbClr>
+                  </a:outerShdw>
+                </a:effectLst>
+                <a:latin typeface="文泉驿微米黑" panose="020B0606030804020204" charset="-122"/>
+                <a:ea typeface="文泉驿微米黑" panose="020B0606030804020204" charset="-122"/>
+                <a:sym typeface="+mn-ea"/>
+              </a:rPr>
+              <a:t>Awesome</a:t>
+            </a:r>
+            <a:r>
+              <a:rPr lang="en-US" altLang="zh-CN" sz="7200" b="1">
+                <a:solidFill>
+                  <a:srgbClr val="087B7C"/>
+                </a:solidFill>
+                <a:effectLst>
+                  <a:outerShdw blurRad="38100" dist="25400" dir="5400000" algn="ctr" rotWithShape="0">
+                    <a:srgbClr val="6E747A">
+                      <a:alpha val="43000"/>
+                    </a:srgbClr>
+                  </a:outerShdw>
+                </a:effectLst>
+                <a:latin typeface="文泉驿微米黑" panose="020B0606030804020204" charset="-122"/>
+                <a:ea typeface="文泉驿微米黑" panose="020B0606030804020204" charset="-122"/>
+                <a:sym typeface="+mn-ea"/>
+              </a:rPr>
+              <a:t>Road</a:t>
+            </a:r>
             <a:r>
               <a:rPr lang="en-US" altLang="zh-CN" sz="7200" b="1">
                 <a:gradFill>
@@ -7730,169 +8207,11 @@
                 </a:effectLst>
                 <a:latin typeface="文泉驿微米黑" panose="020B0606030804020204" charset="-122"/>
                 <a:ea typeface="文泉驿微米黑" panose="020B0606030804020204" charset="-122"/>
-              </a:rPr>
-              <a:t>CVProcess</a:t>
-            </a:r>
-            <a:r>
-              <a:rPr lang="en-US" altLang="zh-CN" sz="7200" b="1">
-                <a:gradFill>
-                  <a:gsLst>
-                    <a:gs pos="0">
-                      <a:srgbClr val="14CD68"/>
-                    </a:gs>
-                    <a:gs pos="100000">
-                      <a:srgbClr val="0B6E38"/>
-                    </a:gs>
-                  </a:gsLst>
-                  <a:lin scaled="0"/>
-                </a:gradFill>
-                <a:effectLst>
-                  <a:outerShdw blurRad="38100" dist="25400" dir="5400000" algn="ctr" rotWithShape="0">
-                    <a:srgbClr val="6E747A">
-                      <a:alpha val="43000"/>
-                    </a:srgbClr>
-                  </a:outerShdw>
-                </a:effectLst>
-                <a:latin typeface="文泉驿微米黑" panose="020B0606030804020204" charset="-122"/>
-                <a:ea typeface="文泉驿微米黑" panose="020B0606030804020204" charset="-122"/>
-              </a:rPr>
-              <a:t>Lib</a:t>
-            </a:r>
-            <a:endParaRPr lang="en-US" altLang="zh-CN" sz="7200" b="1">
-              <a:solidFill>
-                <a:schemeClr val="accent1"/>
-              </a:solidFill>
-              <a:effectLst>
-                <a:outerShdw blurRad="38100" dist="25400" dir="5400000" algn="ctr" rotWithShape="0">
-                  <a:srgbClr val="6E747A">
-                    <a:alpha val="43000"/>
-                  </a:srgbClr>
-                </a:outerShdw>
-              </a:effectLst>
-              <a:latin typeface="文泉驿微米黑" panose="020B0606030804020204" charset="-122"/>
-              <a:ea typeface="文泉驿微米黑" panose="020B0606030804020204" charset="-122"/>
-            </a:endParaRPr>
-          </a:p>
-          <a:p>
-            <a:pPr algn="r"/>
-            <a:r>
-              <a:rPr lang="en-US" altLang="zh-CN" sz="1400" b="1" u="sng">
-                <a:solidFill>
-                  <a:srgbClr val="FF0000"/>
-                </a:solidFill>
-                <a:effectLst>
-                  <a:outerShdw blurRad="38100" dist="25400" dir="5400000" algn="ctr" rotWithShape="0">
-                    <a:srgbClr val="6E747A">
-                      <a:alpha val="43000"/>
-                    </a:srgbClr>
-                  </a:outerShdw>
-                </a:effectLst>
-              </a:rPr>
-              <a:t>isLinXu</a:t>
-            </a:r>
-            <a:endParaRPr lang="en-US" altLang="zh-CN" sz="1400" b="1" u="sng">
-              <a:solidFill>
-                <a:srgbClr val="FF0000"/>
-              </a:solidFill>
-              <a:effectLst>
-                <a:outerShdw blurRad="38100" dist="25400" dir="5400000" algn="ctr" rotWithShape="0">
-                  <a:srgbClr val="6E747A">
-                    <a:alpha val="43000"/>
-                  </a:srgbClr>
-                </a:outerShdw>
-              </a:effectLst>
-            </a:endParaRPr>
-          </a:p>
-        </p:txBody>
-      </p:sp>
-    </p:spTree>
-  </p:cSld>
-  <p:clrMapOvr>
-    <a:masterClrMapping/>
-  </p:clrMapOvr>
-</p:sld>
-</file>
-
-<file path=ppt/slides/slide30.xml><?xml version="1.0" encoding="utf-8"?>
-<p:sld xmlns:a="http://schemas.openxmlformats.org/drawingml/2006/main" xmlns:r="http://schemas.openxmlformats.org/officeDocument/2006/relationships" xmlns:p="http://schemas.openxmlformats.org/presentationml/2006/main">
-  <p:cSld>
-    <p:spTree>
-      <p:nvGrpSpPr>
-        <p:cNvPr id="1" name=""/>
-        <p:cNvGrpSpPr/>
-        <p:nvPr/>
-      </p:nvGrpSpPr>
-      <p:grpSpPr/>
-      <p:sp>
-        <p:nvSpPr>
-          <p:cNvPr id="5" name="矩形 4"/>
-          <p:cNvSpPr/>
-          <p:nvPr/>
-        </p:nvSpPr>
-        <p:spPr>
-          <a:xfrm>
-            <a:off x="3591560" y="2467610"/>
-            <a:ext cx="5002530" cy="1414780"/>
-          </a:xfrm>
-          <a:prstGeom prst="rect">
-            <a:avLst/>
-          </a:prstGeom>
-          <a:noFill/>
-          <a:ln>
-            <a:noFill/>
-          </a:ln>
-        </p:spPr>
-        <p:txBody>
-          <a:bodyPr wrap="square" rtlCol="0" anchor="t">
-            <a:spAutoFit/>
-          </a:bodyPr>
-          <a:p>
-            <a:pPr algn="r"/>
-            <a:r>
-              <a:rPr lang="en-US" altLang="zh-CN" sz="7200" b="1">
-                <a:gradFill>
-                  <a:gsLst>
-                    <a:gs pos="0">
-                      <a:srgbClr val="012D86"/>
-                    </a:gs>
-                    <a:gs pos="100000">
-                      <a:srgbClr val="0E2557"/>
-                    </a:gs>
-                  </a:gsLst>
-                  <a:lin scaled="0"/>
-                </a:gradFill>
-                <a:effectLst>
-                  <a:outerShdw blurRad="38100" dist="25400" dir="5400000" algn="ctr" rotWithShape="0">
-                    <a:srgbClr val="6E747A">
-                      <a:alpha val="43000"/>
-                    </a:srgbClr>
-                  </a:outerShdw>
-                </a:effectLst>
-                <a:latin typeface="文泉驿微米黑" panose="020B0606030804020204" charset="-122"/>
-                <a:ea typeface="文泉驿微米黑" panose="020B0606030804020204" charset="-122"/>
                 <a:sym typeface="+mn-ea"/>
               </a:rPr>
-              <a:t>cv</a:t>
-            </a:r>
-            <a:r>
-              <a:rPr lang="en-US" altLang="zh-CN" sz="7200" b="1">
-                <a:solidFill>
-                  <a:srgbClr val="087B7C"/>
-                </a:solidFill>
-                <a:effectLst>
-                  <a:outerShdw blurRad="38100" dist="25400" dir="5400000" algn="ctr" rotWithShape="0">
-                    <a:srgbClr val="6E747A">
-                      <a:alpha val="43000"/>
-                    </a:srgbClr>
-                  </a:outerShdw>
-                </a:effectLst>
-                <a:latin typeface="文泉驿微米黑" panose="020B0606030804020204" charset="-122"/>
-                <a:ea typeface="文泉驿微米黑" panose="020B0606030804020204" charset="-122"/>
-                <a:sym typeface="+mn-ea"/>
-              </a:rPr>
-              <a:t>-</a:t>
-            </a:r>
-            <a:r>
+              <a:t>Map</a:t>
+            </a:r>
+            <a:br>
               <a:rPr lang="en-US" altLang="zh-CN" sz="7200" b="1">
                 <a:gradFill>
                   <a:gsLst>
@@ -7916,12 +8235,7 @@
                 <a:ea typeface="文泉驿微米黑" panose="020B0606030804020204" charset="-122"/>
                 <a:sym typeface="+mn-ea"/>
               </a:rPr>
-              <a:t>resume</a:t>
-            </a:r>
-            <a:endParaRPr lang="zh-CN" altLang="en-US" sz="7200"/>
-          </a:p>
-          <a:p>
-            <a:pPr algn="r"/>
+            </a:br>
             <a:r>
               <a:rPr lang="en-US" altLang="zh-CN" sz="1400" b="1" u="sng">
                 <a:gradFill>
@@ -7976,7 +8290,7 @@
 </p:sld>
 </file>
 
-<file path=ppt/slides/slide31.xml><?xml version="1.0" encoding="utf-8"?>
+<file path=ppt/slides/slide33.xml><?xml version="1.0" encoding="utf-8"?>
 <p:sld xmlns:a="http://schemas.openxmlformats.org/drawingml/2006/main" xmlns:r="http://schemas.openxmlformats.org/officeDocument/2006/relationships" xmlns:p="http://schemas.openxmlformats.org/presentationml/2006/main">
   <p:cSld>
     <p:spTree>
@@ -7994,8 +8308,8 @@
         </p:nvSpPr>
         <p:spPr>
           <a:xfrm>
-            <a:off x="1753235" y="2487295"/>
-            <a:ext cx="8950325" cy="1414780"/>
+            <a:off x="3591560" y="2467610"/>
+            <a:ext cx="5002530" cy="1414780"/>
           </a:xfrm>
           <a:prstGeom prst="rect">
             <a:avLst/>
@@ -8035,7 +8349,25 @@
                 <a:ea typeface="文泉驿微米黑" panose="020B0606030804020204" charset="-122"/>
                 <a:sym typeface="+mn-ea"/>
               </a:rPr>
-              <a:t>awesome-</a:t>
+              <a:t>cv</a:t>
+            </a:r>
+            <a:r>
+              <a:rPr lang="en-US" altLang="zh-CN" sz="7200" b="1">
+                <a:solidFill>
+                  <a:srgbClr val="087B7C"/>
+                </a:solidFill>
+                <a:effectLst>
+                  <a:outerShdw blurRad="38100" dist="25400" dir="5400000" algn="ctr" rotWithShape="0">
+                    <a:srgbClr val="6E747A">
+                      <a:alpha val="43000"/>
+                    </a:srgbClr>
+                  </a:outerShdw>
+                </a:effectLst>
+                <a:latin typeface="文泉驿微米黑" panose="020B0606030804020204" charset="-122"/>
+                <a:ea typeface="文泉驿微米黑" panose="020B0606030804020204" charset="-122"/>
+                <a:sym typeface="+mn-ea"/>
+              </a:rPr>
+              <a:t>-</a:t>
             </a:r>
             <a:r>
               <a:rPr lang="en-US" altLang="zh-CN" sz="7200" b="1">
@@ -8061,33 +8393,12 @@
                 <a:ea typeface="文泉驿微米黑" panose="020B0606030804020204" charset="-122"/>
                 <a:sym typeface="+mn-ea"/>
               </a:rPr>
-              <a:t>roadmap</a:t>
-            </a:r>
-            <a:br>
-              <a:rPr lang="en-US" altLang="zh-CN" sz="7200" b="1">
-                <a:gradFill>
-                  <a:gsLst>
-                    <a:gs pos="0">
-                      <a:srgbClr val="007BD3"/>
-                    </a:gs>
-                    <a:gs pos="100000">
-                      <a:srgbClr val="034373"/>
-                    </a:gs>
-                  </a:gsLst>
-                  <a:lin scaled="0"/>
-                </a:gradFill>
-                <a:effectLst>
-                  <a:outerShdw blurRad="38100" dist="25400" dir="5400000" algn="ctr" rotWithShape="0">
-                    <a:srgbClr val="6E747A">
-                      <a:alpha val="43000"/>
-                    </a:srgbClr>
-                  </a:outerShdw>
-                </a:effectLst>
-                <a:latin typeface="文泉驿微米黑" panose="020B0606030804020204" charset="-122"/>
-                <a:ea typeface="文泉驿微米黑" panose="020B0606030804020204" charset="-122"/>
-                <a:sym typeface="+mn-ea"/>
-              </a:rPr>
-            </a:br>
+              <a:t>resume</a:t>
+            </a:r>
+            <a:endParaRPr lang="zh-CN" altLang="en-US" sz="7200"/>
+          </a:p>
+          <a:p>
+            <a:pPr algn="r"/>
             <a:r>
               <a:rPr lang="en-US" altLang="zh-CN" sz="1400" b="1" u="sng">
                 <a:gradFill>
@@ -8142,7 +8453,7 @@
 </p:sld>
 </file>
 
-<file path=ppt/slides/slide32.xml><?xml version="1.0" encoding="utf-8"?>
+<file path=ppt/slides/slide34.xml><?xml version="1.0" encoding="utf-8"?>
 <p:sld xmlns:a="http://schemas.openxmlformats.org/drawingml/2006/main" xmlns:r="http://schemas.openxmlformats.org/officeDocument/2006/relationships" xmlns:p="http://schemas.openxmlformats.org/presentationml/2006/main">
   <p:cSld>
     <p:spTree>
@@ -8154,14 +8465,14 @@
       <p:grpSpPr/>
       <p:sp>
         <p:nvSpPr>
-          <p:cNvPr id="4" name="矩形 3"/>
+          <p:cNvPr id="5" name="矩形 4"/>
           <p:cNvSpPr/>
           <p:nvPr/>
         </p:nvSpPr>
         <p:spPr>
           <a:xfrm>
-            <a:off x="2497456" y="2611120"/>
-            <a:ext cx="7197090" cy="1414780"/>
+            <a:off x="1753235" y="2487295"/>
+            <a:ext cx="8950325" cy="1414780"/>
           </a:xfrm>
           <a:prstGeom prst="rect">
             <a:avLst/>
@@ -8172,11 +8483,11 @@
           </a:ln>
         </p:spPr>
         <p:txBody>
-          <a:bodyPr wrap="none" rtlCol="0" anchor="t">
+          <a:bodyPr wrap="square" rtlCol="0" anchor="t">
             <a:spAutoFit/>
           </a:bodyPr>
           <a:p>
-            <a:pPr algn="ctr"/>
+            <a:pPr algn="r"/>
             <a:r>
               <a:rPr lang="en-US" altLang="zh-CN" sz="7200" b="1">
                 <a:gradFill>
@@ -8201,17 +8512,17 @@
                 <a:ea typeface="文泉驿微米黑" panose="020B0606030804020204" charset="-122"/>
                 <a:sym typeface="+mn-ea"/>
               </a:rPr>
-              <a:t>kaggle-</a:t>
+              <a:t>awesome-</a:t>
             </a:r>
             <a:r>
               <a:rPr lang="en-US" altLang="zh-CN" sz="7200" b="1">
                 <a:gradFill>
                   <a:gsLst>
                     <a:gs pos="0">
-                      <a:srgbClr val="14CD68"/>
+                      <a:srgbClr val="007BD3"/>
                     </a:gs>
                     <a:gs pos="100000">
-                      <a:srgbClr val="035C7D"/>
+                      <a:srgbClr val="034373"/>
                     </a:gs>
                   </a:gsLst>
                   <a:lin scaled="0"/>
@@ -8227,12 +8538,33 @@
                 <a:ea typeface="文泉驿微米黑" panose="020B0606030804020204" charset="-122"/>
                 <a:sym typeface="+mn-ea"/>
               </a:rPr>
-              <a:t>pipeline</a:t>
-            </a:r>
-            <a:endParaRPr lang="zh-CN" altLang="en-US" sz="7200"/>
-          </a:p>
-          <a:p>
-            <a:pPr algn="r"/>
+              <a:t>roadmap</a:t>
+            </a:r>
+            <a:br>
+              <a:rPr lang="en-US" altLang="zh-CN" sz="7200" b="1">
+                <a:gradFill>
+                  <a:gsLst>
+                    <a:gs pos="0">
+                      <a:srgbClr val="007BD3"/>
+                    </a:gs>
+                    <a:gs pos="100000">
+                      <a:srgbClr val="034373"/>
+                    </a:gs>
+                  </a:gsLst>
+                  <a:lin scaled="0"/>
+                </a:gradFill>
+                <a:effectLst>
+                  <a:outerShdw blurRad="38100" dist="25400" dir="5400000" algn="ctr" rotWithShape="0">
+                    <a:srgbClr val="6E747A">
+                      <a:alpha val="43000"/>
+                    </a:srgbClr>
+                  </a:outerShdw>
+                </a:effectLst>
+                <a:latin typeface="文泉驿微米黑" panose="020B0606030804020204" charset="-122"/>
+                <a:ea typeface="文泉驿微米黑" panose="020B0606030804020204" charset="-122"/>
+                <a:sym typeface="+mn-ea"/>
+              </a:rPr>
+            </a:br>
             <a:r>
               <a:rPr lang="en-US" altLang="zh-CN" sz="1400" b="1" u="sng">
                 <a:gradFill>
@@ -8287,7 +8619,152 @@
 </p:sld>
 </file>
 
-<file path=ppt/slides/slide33.xml><?xml version="1.0" encoding="utf-8"?>
+<file path=ppt/slides/slide35.xml><?xml version="1.0" encoding="utf-8"?>
+<p:sld xmlns:a="http://schemas.openxmlformats.org/drawingml/2006/main" xmlns:r="http://schemas.openxmlformats.org/officeDocument/2006/relationships" xmlns:p="http://schemas.openxmlformats.org/presentationml/2006/main">
+  <p:cSld>
+    <p:spTree>
+      <p:nvGrpSpPr>
+        <p:cNvPr id="1" name=""/>
+        <p:cNvGrpSpPr/>
+        <p:nvPr/>
+      </p:nvGrpSpPr>
+      <p:grpSpPr/>
+      <p:sp>
+        <p:nvSpPr>
+          <p:cNvPr id="4" name="矩形 3"/>
+          <p:cNvSpPr/>
+          <p:nvPr/>
+        </p:nvSpPr>
+        <p:spPr>
+          <a:xfrm>
+            <a:off x="2497456" y="2611120"/>
+            <a:ext cx="7197090" cy="1414780"/>
+          </a:xfrm>
+          <a:prstGeom prst="rect">
+            <a:avLst/>
+          </a:prstGeom>
+          <a:noFill/>
+          <a:ln>
+            <a:noFill/>
+          </a:ln>
+        </p:spPr>
+        <p:txBody>
+          <a:bodyPr wrap="none" rtlCol="0" anchor="t">
+            <a:spAutoFit/>
+          </a:bodyPr>
+          <a:p>
+            <a:pPr algn="ctr"/>
+            <a:r>
+              <a:rPr lang="en-US" altLang="zh-CN" sz="7200" b="1">
+                <a:gradFill>
+                  <a:gsLst>
+                    <a:gs pos="0">
+                      <a:srgbClr val="012D86"/>
+                    </a:gs>
+                    <a:gs pos="100000">
+                      <a:srgbClr val="0E2557"/>
+                    </a:gs>
+                  </a:gsLst>
+                  <a:lin scaled="0"/>
+                </a:gradFill>
+                <a:effectLst>
+                  <a:outerShdw blurRad="38100" dist="25400" dir="5400000" algn="ctr" rotWithShape="0">
+                    <a:srgbClr val="6E747A">
+                      <a:alpha val="43000"/>
+                    </a:srgbClr>
+                  </a:outerShdw>
+                </a:effectLst>
+                <a:latin typeface="文泉驿微米黑" panose="020B0606030804020204" charset="-122"/>
+                <a:ea typeface="文泉驿微米黑" panose="020B0606030804020204" charset="-122"/>
+                <a:sym typeface="+mn-ea"/>
+              </a:rPr>
+              <a:t>kaggle-</a:t>
+            </a:r>
+            <a:r>
+              <a:rPr lang="en-US" altLang="zh-CN" sz="7200" b="1">
+                <a:gradFill>
+                  <a:gsLst>
+                    <a:gs pos="0">
+                      <a:srgbClr val="14CD68"/>
+                    </a:gs>
+                    <a:gs pos="100000">
+                      <a:srgbClr val="035C7D"/>
+                    </a:gs>
+                  </a:gsLst>
+                  <a:lin scaled="0"/>
+                </a:gradFill>
+                <a:effectLst>
+                  <a:outerShdw blurRad="38100" dist="25400" dir="5400000" algn="ctr" rotWithShape="0">
+                    <a:srgbClr val="6E747A">
+                      <a:alpha val="43000"/>
+                    </a:srgbClr>
+                  </a:outerShdw>
+                </a:effectLst>
+                <a:latin typeface="文泉驿微米黑" panose="020B0606030804020204" charset="-122"/>
+                <a:ea typeface="文泉驿微米黑" panose="020B0606030804020204" charset="-122"/>
+                <a:sym typeface="+mn-ea"/>
+              </a:rPr>
+              <a:t>pipeline</a:t>
+            </a:r>
+            <a:endParaRPr lang="zh-CN" altLang="en-US" sz="7200"/>
+          </a:p>
+          <a:p>
+            <a:pPr algn="r"/>
+            <a:r>
+              <a:rPr lang="en-US" altLang="zh-CN" sz="1400" b="1" u="sng">
+                <a:gradFill>
+                  <a:gsLst>
+                    <a:gs pos="0">
+                      <a:srgbClr val="012D86"/>
+                    </a:gs>
+                    <a:gs pos="100000">
+                      <a:srgbClr val="0E2557"/>
+                    </a:gs>
+                  </a:gsLst>
+                  <a:lin scaled="0"/>
+                </a:gradFill>
+                <a:effectLst>
+                  <a:outerShdw blurRad="38100" dist="25400" dir="5400000" algn="ctr" rotWithShape="0">
+                    <a:srgbClr val="6E747A">
+                      <a:alpha val="43000"/>
+                    </a:srgbClr>
+                  </a:outerShdw>
+                </a:effectLst>
+              </a:rPr>
+              <a:t>isLinXu</a:t>
+            </a:r>
+            <a:endParaRPr lang="en-US" altLang="zh-CN" sz="1400" b="1" u="sng">
+              <a:gradFill>
+                <a:gsLst>
+                  <a:gs pos="0">
+                    <a:srgbClr val="012D86"/>
+                  </a:gs>
+                  <a:gs pos="100000">
+                    <a:srgbClr val="0E2557"/>
+                  </a:gs>
+                </a:gsLst>
+                <a:lin scaled="0"/>
+              </a:gradFill>
+              <a:effectLst>
+                <a:outerShdw blurRad="38100" dist="25400" dir="5400000" algn="ctr" rotWithShape="0">
+                  <a:srgbClr val="6E747A">
+                    <a:alpha val="43000"/>
+                  </a:srgbClr>
+                </a:outerShdw>
+              </a:effectLst>
+            </a:endParaRPr>
+          </a:p>
+        </p:txBody>
+      </p:sp>
+    </p:spTree>
+  </p:cSld>
+  <p:clrMapOvr>
+    <a:masterClrMapping/>
+  </p:clrMapOvr>
+</p:sld>
+</file>
+
+<file path=ppt/slides/slide36.xml><?xml version="1.0" encoding="utf-8"?>
 <p:sld xmlns:a="http://schemas.openxmlformats.org/drawingml/2006/main" xmlns:r="http://schemas.openxmlformats.org/officeDocument/2006/relationships" xmlns:p="http://schemas.openxmlformats.org/presentationml/2006/main">
   <p:cSld>
     <p:spTree>
@@ -8489,7 +8966,7 @@
 </p:sld>
 </file>
 
-<file path=ppt/slides/slide34.xml><?xml version="1.0" encoding="utf-8"?>
+<file path=ppt/slides/slide37.xml><?xml version="1.0" encoding="utf-8"?>
 <p:sld xmlns:a="http://schemas.openxmlformats.org/drawingml/2006/main" xmlns:r="http://schemas.openxmlformats.org/officeDocument/2006/relationships" xmlns:p="http://schemas.openxmlformats.org/presentationml/2006/main">
   <p:cSld>
     <p:spTree>
@@ -8626,7 +9103,7 @@
 </p:sld>
 </file>
 
-<file path=ppt/slides/slide35.xml><?xml version="1.0" encoding="utf-8"?>
+<file path=ppt/slides/slide38.xml><?xml version="1.0" encoding="utf-8"?>
 <p:sld xmlns:a="http://schemas.openxmlformats.org/drawingml/2006/main" xmlns:r="http://schemas.openxmlformats.org/officeDocument/2006/relationships" xmlns:p="http://schemas.openxmlformats.org/presentationml/2006/main">
   <p:cSld>
     <p:spTree>
@@ -8661,60 +9138,6 @@
           </a:p>
         </p:txBody>
       </p:sp>
-    </p:spTree>
-  </p:cSld>
-  <p:clrMapOvr>
-    <a:masterClrMapping/>
-  </p:clrMapOvr>
-</p:sld>
-</file>
-
-<file path=ppt/slides/slide36.xml><?xml version="1.0" encoding="utf-8"?>
-<p:sld xmlns:a="http://schemas.openxmlformats.org/drawingml/2006/main" xmlns:r="http://schemas.openxmlformats.org/officeDocument/2006/relationships" xmlns:p="http://schemas.openxmlformats.org/presentationml/2006/main">
-  <p:cSld>
-    <p:spTree>
-      <p:nvGrpSpPr>
-        <p:cNvPr id="1" name=""/>
-        <p:cNvGrpSpPr/>
-        <p:nvPr/>
-      </p:nvGrpSpPr>
-      <p:grpSpPr/>
-    </p:spTree>
-  </p:cSld>
-  <p:clrMapOvr>
-    <a:masterClrMapping/>
-  </p:clrMapOvr>
-</p:sld>
-</file>
-
-<file path=ppt/slides/slide37.xml><?xml version="1.0" encoding="utf-8"?>
-<p:sld xmlns:a="http://schemas.openxmlformats.org/drawingml/2006/main" xmlns:r="http://schemas.openxmlformats.org/officeDocument/2006/relationships" xmlns:p="http://schemas.openxmlformats.org/presentationml/2006/main">
-  <p:cSld>
-    <p:spTree>
-      <p:nvGrpSpPr>
-        <p:cNvPr id="1" name=""/>
-        <p:cNvGrpSpPr/>
-        <p:nvPr/>
-      </p:nvGrpSpPr>
-      <p:grpSpPr/>
-    </p:spTree>
-  </p:cSld>
-  <p:clrMapOvr>
-    <a:masterClrMapping/>
-  </p:clrMapOvr>
-</p:sld>
-</file>
-
-<file path=ppt/slides/slide38.xml><?xml version="1.0" encoding="utf-8"?>
-<p:sld xmlns:a="http://schemas.openxmlformats.org/drawingml/2006/main" xmlns:r="http://schemas.openxmlformats.org/officeDocument/2006/relationships" xmlns:p="http://schemas.openxmlformats.org/presentationml/2006/main">
-  <p:cSld>
-    <p:spTree>
-      <p:nvGrpSpPr>
-        <p:cNvPr id="1" name=""/>
-        <p:cNvGrpSpPr/>
-        <p:nvPr/>
-      </p:nvGrpSpPr>
-      <p:grpSpPr/>
     </p:spTree>
   </p:cSld>
   <p:clrMapOvr>
@@ -8759,8 +9182,8 @@
         </p:nvSpPr>
         <p:spPr>
           <a:xfrm>
-            <a:off x="1977073" y="2829560"/>
-            <a:ext cx="8237855" cy="1414780"/>
+            <a:off x="3263900" y="2829560"/>
+            <a:ext cx="5664200" cy="1414780"/>
           </a:xfrm>
           <a:prstGeom prst="rect">
             <a:avLst/>
@@ -8781,10 +9204,10 @@
                 <a:gradFill>
                   <a:gsLst>
                     <a:gs pos="0">
-                      <a:srgbClr val="012D86"/>
+                      <a:srgbClr val="007BD3"/>
                     </a:gs>
                     <a:gs pos="100000">
-                      <a:srgbClr val="0E2557"/>
+                      <a:srgbClr val="034373"/>
                     </a:gs>
                   </a:gsLst>
                   <a:lin scaled="0"/>
@@ -8799,7 +9222,7 @@
                 <a:latin typeface="文泉驿微米黑" panose="020B0606030804020204" charset="-122"/>
                 <a:ea typeface="文泉驿微米黑" panose="020B0606030804020204" charset="-122"/>
               </a:rPr>
-              <a:t>DatasetMarker</a:t>
+              <a:t>CVProcess</a:t>
             </a:r>
             <a:r>
               <a:rPr lang="en-US" altLang="zh-CN" sz="7200" b="1">
@@ -8809,7 +9232,7 @@
                       <a:srgbClr val="14CD68"/>
                     </a:gs>
                     <a:gs pos="100000">
-                      <a:srgbClr val="035C7D"/>
+                      <a:srgbClr val="0B6E38"/>
                     </a:gs>
                   </a:gsLst>
                   <a:lin scaled="0"/>
@@ -8824,20 +9247,12 @@
                 <a:latin typeface="文泉驿微米黑" panose="020B0606030804020204" charset="-122"/>
                 <a:ea typeface="文泉驿微米黑" panose="020B0606030804020204" charset="-122"/>
               </a:rPr>
-              <a:t>Tool</a:t>
+              <a:t>Lib</a:t>
             </a:r>
             <a:endParaRPr lang="en-US" altLang="zh-CN" sz="7200" b="1">
-              <a:gradFill>
-                <a:gsLst>
-                  <a:gs pos="0">
-                    <a:srgbClr val="012D86"/>
-                  </a:gs>
-                  <a:gs pos="100000">
-                    <a:srgbClr val="0E2557"/>
-                  </a:gs>
-                </a:gsLst>
-                <a:lin scaled="0"/>
-              </a:gradFill>
+              <a:solidFill>
+                <a:schemeClr val="accent1"/>
+              </a:solidFill>
               <a:effectLst>
                 <a:outerShdw blurRad="38100" dist="25400" dir="5400000" algn="ctr" rotWithShape="0">
                   <a:srgbClr val="6E747A">
@@ -8925,6 +9340,60 @@
 </p:sld>
 </file>
 
+<file path=ppt/slides/slide42.xml><?xml version="1.0" encoding="utf-8"?>
+<p:sld xmlns:a="http://schemas.openxmlformats.org/drawingml/2006/main" xmlns:r="http://schemas.openxmlformats.org/officeDocument/2006/relationships" xmlns:p="http://schemas.openxmlformats.org/presentationml/2006/main">
+  <p:cSld>
+    <p:spTree>
+      <p:nvGrpSpPr>
+        <p:cNvPr id="1" name=""/>
+        <p:cNvGrpSpPr/>
+        <p:nvPr/>
+      </p:nvGrpSpPr>
+      <p:grpSpPr/>
+    </p:spTree>
+  </p:cSld>
+  <p:clrMapOvr>
+    <a:masterClrMapping/>
+  </p:clrMapOvr>
+</p:sld>
+</file>
+
+<file path=ppt/slides/slide43.xml><?xml version="1.0" encoding="utf-8"?>
+<p:sld xmlns:a="http://schemas.openxmlformats.org/drawingml/2006/main" xmlns:r="http://schemas.openxmlformats.org/officeDocument/2006/relationships" xmlns:p="http://schemas.openxmlformats.org/presentationml/2006/main">
+  <p:cSld>
+    <p:spTree>
+      <p:nvGrpSpPr>
+        <p:cNvPr id="1" name=""/>
+        <p:cNvGrpSpPr/>
+        <p:nvPr/>
+      </p:nvGrpSpPr>
+      <p:grpSpPr/>
+    </p:spTree>
+  </p:cSld>
+  <p:clrMapOvr>
+    <a:masterClrMapping/>
+  </p:clrMapOvr>
+</p:sld>
+</file>
+
+<file path=ppt/slides/slide44.xml><?xml version="1.0" encoding="utf-8"?>
+<p:sld xmlns:a="http://schemas.openxmlformats.org/drawingml/2006/main" xmlns:r="http://schemas.openxmlformats.org/officeDocument/2006/relationships" xmlns:p="http://schemas.openxmlformats.org/presentationml/2006/main">
+  <p:cSld>
+    <p:spTree>
+      <p:nvGrpSpPr>
+        <p:cNvPr id="1" name=""/>
+        <p:cNvGrpSpPr/>
+        <p:nvPr/>
+      </p:nvGrpSpPr>
+      <p:grpSpPr/>
+    </p:spTree>
+  </p:cSld>
+  <p:clrMapOvr>
+    <a:masterClrMapping/>
+  </p:clrMapOvr>
+</p:sld>
+</file>
+
 <file path=ppt/slides/slide5.xml><?xml version="1.0" encoding="utf-8"?>
 <p:sld xmlns:a="http://schemas.openxmlformats.org/drawingml/2006/main" xmlns:r="http://schemas.openxmlformats.org/officeDocument/2006/relationships" xmlns:p="http://schemas.openxmlformats.org/presentationml/2006/main">
   <p:cSld>
@@ -8943,8 +9412,8 @@
         </p:nvSpPr>
         <p:spPr>
           <a:xfrm>
-            <a:off x="2570798" y="2829560"/>
-            <a:ext cx="7050405" cy="1414780"/>
+            <a:off x="1977073" y="2829560"/>
+            <a:ext cx="8237855" cy="1414780"/>
           </a:xfrm>
           <a:prstGeom prst="rect">
             <a:avLst/>
@@ -8965,10 +9434,10 @@
                 <a:gradFill>
                   <a:gsLst>
                     <a:gs pos="0">
-                      <a:srgbClr val="007BD3"/>
+                      <a:srgbClr val="012D86"/>
                     </a:gs>
                     <a:gs pos="100000">
-                      <a:srgbClr val="034373"/>
+                      <a:srgbClr val="0E2557"/>
                     </a:gs>
                   </a:gsLst>
                   <a:lin scaled="0"/>
@@ -8983,7 +9452,7 @@
                 <a:latin typeface="文泉驿微米黑" panose="020B0606030804020204" charset="-122"/>
                 <a:ea typeface="文泉驿微米黑" panose="020B0606030804020204" charset="-122"/>
               </a:rPr>
-              <a:t>PaperRead</a:t>
+              <a:t>DatasetMarker</a:t>
             </a:r>
             <a:r>
               <a:rPr lang="en-US" altLang="zh-CN" sz="7200" b="1">
@@ -9008,147 +9477,7 @@
                 <a:latin typeface="文泉驿微米黑" panose="020B0606030804020204" charset="-122"/>
                 <a:ea typeface="文泉驿微米黑" panose="020B0606030804020204" charset="-122"/>
               </a:rPr>
-              <a:t>Notes</a:t>
-            </a:r>
-            <a:endParaRPr lang="en-US" altLang="zh-CN" sz="7200" b="1">
-              <a:solidFill>
-                <a:schemeClr val="accent1"/>
-              </a:solidFill>
-              <a:effectLst>
-                <a:outerShdw blurRad="38100" dist="25400" dir="5400000" algn="ctr" rotWithShape="0">
-                  <a:srgbClr val="6E747A">
-                    <a:alpha val="43000"/>
-                  </a:srgbClr>
-                </a:outerShdw>
-              </a:effectLst>
-              <a:latin typeface="文泉驿微米黑" panose="020B0606030804020204" charset="-122"/>
-              <a:ea typeface="文泉驿微米黑" panose="020B0606030804020204" charset="-122"/>
-            </a:endParaRPr>
-          </a:p>
-          <a:p>
-            <a:pPr algn="r"/>
-            <a:r>
-              <a:rPr lang="en-US" altLang="zh-CN" sz="1400" b="1" u="sng">
-                <a:solidFill>
-                  <a:srgbClr val="FF0000"/>
-                </a:solidFill>
-                <a:effectLst>
-                  <a:outerShdw blurRad="38100" dist="25400" dir="5400000" algn="ctr" rotWithShape="0">
-                    <a:srgbClr val="6E747A">
-                      <a:alpha val="43000"/>
-                    </a:srgbClr>
-                  </a:outerShdw>
-                </a:effectLst>
-              </a:rPr>
-              <a:t>isLinXu</a:t>
-            </a:r>
-            <a:endParaRPr lang="en-US" altLang="zh-CN" sz="1400" b="1" u="sng">
-              <a:solidFill>
-                <a:srgbClr val="FF0000"/>
-              </a:solidFill>
-              <a:effectLst>
-                <a:outerShdw blurRad="38100" dist="25400" dir="5400000" algn="ctr" rotWithShape="0">
-                  <a:srgbClr val="6E747A">
-                    <a:alpha val="43000"/>
-                  </a:srgbClr>
-                </a:outerShdw>
-              </a:effectLst>
-            </a:endParaRPr>
-          </a:p>
-        </p:txBody>
-      </p:sp>
-    </p:spTree>
-  </p:cSld>
-  <p:clrMapOvr>
-    <a:masterClrMapping/>
-  </p:clrMapOvr>
-</p:sld>
-</file>
-
-<file path=ppt/slides/slide6.xml><?xml version="1.0" encoding="utf-8"?>
-<p:sld xmlns:a="http://schemas.openxmlformats.org/drawingml/2006/main" xmlns:r="http://schemas.openxmlformats.org/officeDocument/2006/relationships" xmlns:p="http://schemas.openxmlformats.org/presentationml/2006/main">
-  <p:cSld>
-    <p:spTree>
-      <p:nvGrpSpPr>
-        <p:cNvPr id="1" name=""/>
-        <p:cNvGrpSpPr/>
-        <p:nvPr/>
-      </p:nvGrpSpPr>
-      <p:grpSpPr/>
-      <p:sp>
-        <p:nvSpPr>
-          <p:cNvPr id="4" name="矩形 3"/>
-          <p:cNvSpPr/>
-          <p:nvPr/>
-        </p:nvSpPr>
-        <p:spPr>
-          <a:xfrm>
-            <a:off x="2395538" y="2829560"/>
-            <a:ext cx="7400925" cy="1414780"/>
-          </a:xfrm>
-          <a:prstGeom prst="rect">
-            <a:avLst/>
-          </a:prstGeom>
-          <a:noFill/>
-          <a:ln>
-            <a:noFill/>
-          </a:ln>
-        </p:spPr>
-        <p:txBody>
-          <a:bodyPr wrap="none" rtlCol="0" anchor="t">
-            <a:spAutoFit/>
-          </a:bodyPr>
-          <a:p>
-            <a:pPr algn="ctr"/>
-            <a:r>
-              <a:rPr lang="en-US" altLang="zh-CN" sz="7200" b="1">
-                <a:gradFill>
-                  <a:gsLst>
-                    <a:gs pos="0">
-                      <a:srgbClr val="012D86"/>
-                    </a:gs>
-                    <a:gs pos="100000">
-                      <a:srgbClr val="0E2557"/>
-                    </a:gs>
-                  </a:gsLst>
-                  <a:lin scaled="0"/>
-                </a:gradFill>
-                <a:effectLst>
-                  <a:outerShdw blurRad="38100" dist="25400" dir="5400000" algn="ctr" rotWithShape="0">
-                    <a:srgbClr val="6E747A">
-                      <a:alpha val="43000"/>
-                    </a:srgbClr>
-                  </a:outerShdw>
-                </a:effectLst>
-                <a:latin typeface="文泉驿微米黑" panose="020B0606030804020204" charset="-122"/>
-                <a:ea typeface="文泉驿微米黑" panose="020B0606030804020204" charset="-122"/>
-              </a:rPr>
-              <a:t>SurveyRead</a:t>
-            </a:r>
-            <a:r>
-              <a:rPr lang="en-US" altLang="zh-CN" sz="7200" b="1">
-                <a:gradFill>
-                  <a:gsLst>
-                    <a:gs pos="0">
-                      <a:srgbClr val="14CD68"/>
-                    </a:gs>
-                    <a:gs pos="100000">
-                      <a:srgbClr val="035C7D"/>
-                    </a:gs>
-                  </a:gsLst>
-                  <a:lin scaled="0"/>
-                </a:gradFill>
-                <a:effectLst>
-                  <a:outerShdw blurRad="38100" dist="25400" dir="5400000" algn="ctr" rotWithShape="0">
-                    <a:srgbClr val="6E747A">
-                      <a:alpha val="43000"/>
-                    </a:srgbClr>
-                  </a:outerShdw>
-                </a:effectLst>
-                <a:latin typeface="文泉驿微米黑" panose="020B0606030804020204" charset="-122"/>
-                <a:ea typeface="文泉驿微米黑" panose="020B0606030804020204" charset="-122"/>
-              </a:rPr>
-              <a:t>Notes</a:t>
+              <a:t>Tool</a:t>
             </a:r>
             <a:endParaRPr lang="en-US" altLang="zh-CN" sz="7200" b="1">
               <a:gradFill>
@@ -9213,6 +9542,146 @@
 </p:sld>
 </file>
 
+<file path=ppt/slides/slide6.xml><?xml version="1.0" encoding="utf-8"?>
+<p:sld xmlns:a="http://schemas.openxmlformats.org/drawingml/2006/main" xmlns:r="http://schemas.openxmlformats.org/officeDocument/2006/relationships" xmlns:p="http://schemas.openxmlformats.org/presentationml/2006/main">
+  <p:cSld>
+    <p:spTree>
+      <p:nvGrpSpPr>
+        <p:cNvPr id="1" name=""/>
+        <p:cNvGrpSpPr/>
+        <p:nvPr/>
+      </p:nvGrpSpPr>
+      <p:grpSpPr/>
+      <p:sp>
+        <p:nvSpPr>
+          <p:cNvPr id="4" name="矩形 3"/>
+          <p:cNvSpPr/>
+          <p:nvPr/>
+        </p:nvSpPr>
+        <p:spPr>
+          <a:xfrm>
+            <a:off x="2570798" y="2829560"/>
+            <a:ext cx="7050405" cy="1414780"/>
+          </a:xfrm>
+          <a:prstGeom prst="rect">
+            <a:avLst/>
+          </a:prstGeom>
+          <a:noFill/>
+          <a:ln>
+            <a:noFill/>
+          </a:ln>
+        </p:spPr>
+        <p:txBody>
+          <a:bodyPr wrap="none" rtlCol="0" anchor="t">
+            <a:spAutoFit/>
+          </a:bodyPr>
+          <a:p>
+            <a:pPr algn="ctr"/>
+            <a:r>
+              <a:rPr lang="en-US" altLang="zh-CN" sz="7200" b="1">
+                <a:gradFill>
+                  <a:gsLst>
+                    <a:gs pos="0">
+                      <a:srgbClr val="007BD3"/>
+                    </a:gs>
+                    <a:gs pos="100000">
+                      <a:srgbClr val="034373"/>
+                    </a:gs>
+                  </a:gsLst>
+                  <a:lin scaled="0"/>
+                </a:gradFill>
+                <a:effectLst>
+                  <a:outerShdw blurRad="38100" dist="25400" dir="5400000" algn="ctr" rotWithShape="0">
+                    <a:srgbClr val="6E747A">
+                      <a:alpha val="43000"/>
+                    </a:srgbClr>
+                  </a:outerShdw>
+                </a:effectLst>
+                <a:latin typeface="文泉驿微米黑" panose="020B0606030804020204" charset="-122"/>
+                <a:ea typeface="文泉驿微米黑" panose="020B0606030804020204" charset="-122"/>
+              </a:rPr>
+              <a:t>PaperRead</a:t>
+            </a:r>
+            <a:r>
+              <a:rPr lang="en-US" altLang="zh-CN" sz="7200" b="1">
+                <a:gradFill>
+                  <a:gsLst>
+                    <a:gs pos="0">
+                      <a:srgbClr val="14CD68"/>
+                    </a:gs>
+                    <a:gs pos="100000">
+                      <a:srgbClr val="035C7D"/>
+                    </a:gs>
+                  </a:gsLst>
+                  <a:lin scaled="0"/>
+                </a:gradFill>
+                <a:effectLst>
+                  <a:outerShdw blurRad="38100" dist="25400" dir="5400000" algn="ctr" rotWithShape="0">
+                    <a:srgbClr val="6E747A">
+                      <a:alpha val="43000"/>
+                    </a:srgbClr>
+                  </a:outerShdw>
+                </a:effectLst>
+                <a:latin typeface="文泉驿微米黑" panose="020B0606030804020204" charset="-122"/>
+                <a:ea typeface="文泉驿微米黑" panose="020B0606030804020204" charset="-122"/>
+              </a:rPr>
+              <a:t>Notes</a:t>
+            </a:r>
+            <a:endParaRPr lang="en-US" altLang="zh-CN" sz="7200" b="1">
+              <a:solidFill>
+                <a:schemeClr val="accent1"/>
+              </a:solidFill>
+              <a:effectLst>
+                <a:outerShdw blurRad="38100" dist="25400" dir="5400000" algn="ctr" rotWithShape="0">
+                  <a:srgbClr val="6E747A">
+                    <a:alpha val="43000"/>
+                  </a:srgbClr>
+                </a:outerShdw>
+              </a:effectLst>
+              <a:latin typeface="文泉驿微米黑" panose="020B0606030804020204" charset="-122"/>
+              <a:ea typeface="文泉驿微米黑" panose="020B0606030804020204" charset="-122"/>
+            </a:endParaRPr>
+          </a:p>
+          <a:p>
+            <a:pPr algn="r"/>
+            <a:r>
+              <a:rPr lang="en-US" altLang="zh-CN" sz="1400" b="1" u="sng">
+                <a:solidFill>
+                  <a:srgbClr val="FF0000"/>
+                </a:solidFill>
+                <a:effectLst>
+                  <a:outerShdw blurRad="38100" dist="25400" dir="5400000" algn="ctr" rotWithShape="0">
+                    <a:srgbClr val="6E747A">
+                      <a:alpha val="43000"/>
+                    </a:srgbClr>
+                  </a:outerShdw>
+                </a:effectLst>
+              </a:rPr>
+              <a:t>isLinXu</a:t>
+            </a:r>
+            <a:endParaRPr lang="en-US" altLang="zh-CN" sz="1400" b="1" u="sng">
+              <a:solidFill>
+                <a:srgbClr val="FF0000"/>
+              </a:solidFill>
+              <a:effectLst>
+                <a:outerShdw blurRad="38100" dist="25400" dir="5400000" algn="ctr" rotWithShape="0">
+                  <a:srgbClr val="6E747A">
+                    <a:alpha val="43000"/>
+                  </a:srgbClr>
+                </a:outerShdw>
+              </a:effectLst>
+            </a:endParaRPr>
+          </a:p>
+        </p:txBody>
+      </p:sp>
+    </p:spTree>
+  </p:cSld>
+  <p:clrMapOvr>
+    <a:masterClrMapping/>
+  </p:clrMapOvr>
+</p:sld>
+</file>
+
 <file path=ppt/slides/slide7.xml><?xml version="1.0" encoding="utf-8"?>
 <p:sld xmlns:a="http://schemas.openxmlformats.org/drawingml/2006/main" xmlns:r="http://schemas.openxmlformats.org/officeDocument/2006/relationships" xmlns:p="http://schemas.openxmlformats.org/presentationml/2006/main">
   <p:cSld>
@@ -9231,8 +9700,8 @@
         </p:nvSpPr>
         <p:spPr>
           <a:xfrm>
-            <a:off x="2974341" y="2829560"/>
-            <a:ext cx="6243320" cy="1414780"/>
+            <a:off x="2395538" y="2829560"/>
+            <a:ext cx="7400925" cy="1414780"/>
           </a:xfrm>
           <a:prstGeom prst="rect">
             <a:avLst/>
@@ -9271,7 +9740,7 @@
                 <a:latin typeface="文泉驿微米黑" panose="020B0606030804020204" charset="-122"/>
                 <a:ea typeface="文泉驿微米黑" panose="020B0606030804020204" charset="-122"/>
               </a:rPr>
-              <a:t>Detectron2</a:t>
+              <a:t>SurveyRead</a:t>
             </a:r>
             <a:r>
               <a:rPr lang="en-US" altLang="zh-CN" sz="7200" b="1">
@@ -9296,7 +9765,7 @@
                 <a:latin typeface="文泉驿微米黑" panose="020B0606030804020204" charset="-122"/>
                 <a:ea typeface="文泉驿微米黑" panose="020B0606030804020204" charset="-122"/>
               </a:rPr>
-              <a:t>Lab</a:t>
+              <a:t>Notes</a:t>
             </a:r>
             <a:endParaRPr lang="en-US" altLang="zh-CN" sz="7200" b="1">
               <a:gradFill>
@@ -9325,6 +9794,154 @@
             <a:pPr algn="r"/>
             <a:r>
               <a:rPr lang="en-US" altLang="zh-CN" sz="1400" b="1" u="sng">
+                <a:solidFill>
+                  <a:srgbClr val="FF0000"/>
+                </a:solidFill>
+                <a:effectLst>
+                  <a:outerShdw blurRad="38100" dist="25400" dir="5400000" algn="ctr" rotWithShape="0">
+                    <a:srgbClr val="6E747A">
+                      <a:alpha val="43000"/>
+                    </a:srgbClr>
+                  </a:outerShdw>
+                </a:effectLst>
+              </a:rPr>
+              <a:t>isLinXu</a:t>
+            </a:r>
+            <a:endParaRPr lang="en-US" altLang="zh-CN" sz="1400" b="1" u="sng">
+              <a:solidFill>
+                <a:srgbClr val="FF0000"/>
+              </a:solidFill>
+              <a:effectLst>
+                <a:outerShdw blurRad="38100" dist="25400" dir="5400000" algn="ctr" rotWithShape="0">
+                  <a:srgbClr val="6E747A">
+                    <a:alpha val="43000"/>
+                  </a:srgbClr>
+                </a:outerShdw>
+              </a:effectLst>
+            </a:endParaRPr>
+          </a:p>
+        </p:txBody>
+      </p:sp>
+    </p:spTree>
+  </p:cSld>
+  <p:clrMapOvr>
+    <a:masterClrMapping/>
+  </p:clrMapOvr>
+</p:sld>
+</file>
+
+<file path=ppt/slides/slide8.xml><?xml version="1.0" encoding="utf-8"?>
+<p:sld xmlns:a="http://schemas.openxmlformats.org/drawingml/2006/main" xmlns:r="http://schemas.openxmlformats.org/officeDocument/2006/relationships" xmlns:p="http://schemas.openxmlformats.org/presentationml/2006/main">
+  <p:cSld>
+    <p:spTree>
+      <p:nvGrpSpPr>
+        <p:cNvPr id="1" name=""/>
+        <p:cNvGrpSpPr/>
+        <p:nvPr/>
+      </p:nvGrpSpPr>
+      <p:grpSpPr/>
+      <p:sp>
+        <p:nvSpPr>
+          <p:cNvPr id="4" name="矩形 3"/>
+          <p:cNvSpPr/>
+          <p:nvPr/>
+        </p:nvSpPr>
+        <p:spPr>
+          <a:xfrm>
+            <a:off x="2974341" y="2829560"/>
+            <a:ext cx="6243320" cy="1414780"/>
+          </a:xfrm>
+          <a:prstGeom prst="rect">
+            <a:avLst/>
+          </a:prstGeom>
+          <a:noFill/>
+          <a:ln>
+            <a:noFill/>
+          </a:ln>
+        </p:spPr>
+        <p:txBody>
+          <a:bodyPr wrap="none" rtlCol="0" anchor="t">
+            <a:spAutoFit/>
+          </a:bodyPr>
+          <a:p>
+            <a:pPr algn="ctr"/>
+            <a:r>
+              <a:rPr lang="en-US" altLang="zh-CN" sz="7200" b="1">
+                <a:gradFill>
+                  <a:gsLst>
+                    <a:gs pos="0">
+                      <a:srgbClr val="012D86"/>
+                    </a:gs>
+                    <a:gs pos="100000">
+                      <a:srgbClr val="0E2557"/>
+                    </a:gs>
+                  </a:gsLst>
+                  <a:lin scaled="0"/>
+                </a:gradFill>
+                <a:effectLst>
+                  <a:outerShdw blurRad="38100" dist="25400" dir="5400000" algn="ctr" rotWithShape="0">
+                    <a:srgbClr val="6E747A">
+                      <a:alpha val="43000"/>
+                    </a:srgbClr>
+                  </a:outerShdw>
+                </a:effectLst>
+                <a:latin typeface="文泉驿微米黑" panose="020B0606030804020204" charset="-122"/>
+                <a:ea typeface="文泉驿微米黑" panose="020B0606030804020204" charset="-122"/>
+              </a:rPr>
+              <a:t>Detectron2</a:t>
+            </a:r>
+            <a:r>
+              <a:rPr lang="en-US" altLang="zh-CN" sz="7200" b="1">
+                <a:gradFill>
+                  <a:gsLst>
+                    <a:gs pos="0">
+                      <a:srgbClr val="14CD68"/>
+                    </a:gs>
+                    <a:gs pos="100000">
+                      <a:srgbClr val="035C7D"/>
+                    </a:gs>
+                  </a:gsLst>
+                  <a:lin scaled="0"/>
+                </a:gradFill>
+                <a:effectLst>
+                  <a:outerShdw blurRad="38100" dist="25400" dir="5400000" algn="ctr" rotWithShape="0">
+                    <a:srgbClr val="6E747A">
+                      <a:alpha val="43000"/>
+                    </a:srgbClr>
+                  </a:outerShdw>
+                </a:effectLst>
+                <a:latin typeface="文泉驿微米黑" panose="020B0606030804020204" charset="-122"/>
+                <a:ea typeface="文泉驿微米黑" panose="020B0606030804020204" charset="-122"/>
+              </a:rPr>
+              <a:t>Lab</a:t>
+            </a:r>
+            <a:endParaRPr lang="en-US" altLang="zh-CN" sz="7200" b="1">
+              <a:gradFill>
+                <a:gsLst>
+                  <a:gs pos="0">
+                    <a:srgbClr val="012D86"/>
+                  </a:gs>
+                  <a:gs pos="100000">
+                    <a:srgbClr val="0E2557"/>
+                  </a:gs>
+                </a:gsLst>
+                <a:lin scaled="0"/>
+              </a:gradFill>
+              <a:effectLst>
+                <a:outerShdw blurRad="38100" dist="25400" dir="5400000" algn="ctr" rotWithShape="0">
+                  <a:srgbClr val="6E747A">
+                    <a:alpha val="43000"/>
+                  </a:srgbClr>
+                </a:outerShdw>
+              </a:effectLst>
+              <a:latin typeface="文泉驿微米黑" panose="020B0606030804020204" charset="-122"/>
+              <a:ea typeface="文泉驿微米黑" panose="020B0606030804020204" charset="-122"/>
+            </a:endParaRPr>
+          </a:p>
+          <a:p>
+            <a:pPr algn="r"/>
+            <a:r>
+              <a:rPr lang="en-US" altLang="zh-CN" sz="1400" b="1" u="sng">
                 <a:gradFill>
                   <a:gsLst>
                     <a:gs pos="0">
@@ -9377,7 +9994,7 @@
 </p:sld>
 </file>
 
-<file path=ppt/slides/slide8.xml><?xml version="1.0" encoding="utf-8"?>
+<file path=ppt/slides/slide9.xml><?xml version="1.0" encoding="utf-8"?>
 <p:sld xmlns:a="http://schemas.openxmlformats.org/drawingml/2006/main" xmlns:r="http://schemas.openxmlformats.org/officeDocument/2006/relationships" xmlns:p="http://schemas.openxmlformats.org/presentationml/2006/main">
   <p:cSld>
     <p:spTree>
@@ -9472,121 +10089,6 @@
                 </a:gsLst>
                 <a:lin scaled="0"/>
               </a:gradFill>
-              <a:effectLst>
-                <a:outerShdw blurRad="38100" dist="25400" dir="5400000" algn="ctr" rotWithShape="0">
-                  <a:srgbClr val="6E747A">
-                    <a:alpha val="43000"/>
-                  </a:srgbClr>
-                </a:outerShdw>
-              </a:effectLst>
-            </a:endParaRPr>
-          </a:p>
-        </p:txBody>
-      </p:sp>
-    </p:spTree>
-  </p:cSld>
-  <p:clrMapOvr>
-    <a:masterClrMapping/>
-  </p:clrMapOvr>
-</p:sld>
-</file>
-
-<file path=ppt/slides/slide9.xml><?xml version="1.0" encoding="utf-8"?>
-<p:sld xmlns:a="http://schemas.openxmlformats.org/drawingml/2006/main" xmlns:r="http://schemas.openxmlformats.org/officeDocument/2006/relationships" xmlns:p="http://schemas.openxmlformats.org/presentationml/2006/main">
-  <p:cSld>
-    <p:spTree>
-      <p:nvGrpSpPr>
-        <p:cNvPr id="1" name=""/>
-        <p:cNvGrpSpPr/>
-        <p:nvPr/>
-      </p:nvGrpSpPr>
-      <p:grpSpPr/>
-      <p:sp>
-        <p:nvSpPr>
-          <p:cNvPr id="4" name="矩形 3"/>
-          <p:cNvSpPr/>
-          <p:nvPr/>
-        </p:nvSpPr>
-        <p:spPr>
-          <a:xfrm>
-            <a:off x="3360421" y="2829560"/>
-            <a:ext cx="5471160" cy="1414780"/>
-          </a:xfrm>
-          <a:prstGeom prst="rect">
-            <a:avLst/>
-          </a:prstGeom>
-          <a:noFill/>
-          <a:ln>
-            <a:noFill/>
-          </a:ln>
-        </p:spPr>
-        <p:txBody>
-          <a:bodyPr wrap="none" rtlCol="0" anchor="t">
-            <a:spAutoFit/>
-          </a:bodyPr>
-          <a:p>
-            <a:pPr algn="ctr"/>
-            <a:r>
-              <a:rPr lang="en-US" altLang="zh-CN" sz="7200" b="1">
-                <a:gradFill>
-                  <a:gsLst>
-                    <a:gs pos="0">
-                      <a:srgbClr val="14CD68"/>
-                    </a:gs>
-                    <a:gs pos="100000">
-                      <a:srgbClr val="035C7D"/>
-                    </a:gs>
-                  </a:gsLst>
-                  <a:lin scaled="0"/>
-                </a:gradFill>
-                <a:effectLst>
-                  <a:outerShdw blurRad="38100" dist="25400" dir="5400000" algn="ctr" rotWithShape="0">
-                    <a:srgbClr val="6E747A">
-                      <a:alpha val="43000"/>
-                    </a:srgbClr>
-                  </a:outerShdw>
-                </a:effectLst>
-                <a:latin typeface="文泉驿微米黑" panose="020B0606030804020204" charset="-122"/>
-                <a:ea typeface="文泉驿微米黑" panose="020B0606030804020204" charset="-122"/>
-              </a:rPr>
-              <a:t>TrainNetHub</a:t>
-            </a:r>
-            <a:endParaRPr lang="en-US" altLang="zh-CN" sz="7200" b="1">
-              <a:solidFill>
-                <a:schemeClr val="accent1"/>
-              </a:solidFill>
-              <a:effectLst>
-                <a:outerShdw blurRad="38100" dist="25400" dir="5400000" algn="ctr" rotWithShape="0">
-                  <a:srgbClr val="6E747A">
-                    <a:alpha val="43000"/>
-                  </a:srgbClr>
-                </a:outerShdw>
-              </a:effectLst>
-              <a:latin typeface="文泉驿微米黑" panose="020B0606030804020204" charset="-122"/>
-              <a:ea typeface="文泉驿微米黑" panose="020B0606030804020204" charset="-122"/>
-            </a:endParaRPr>
-          </a:p>
-          <a:p>
-            <a:pPr algn="r"/>
-            <a:r>
-              <a:rPr lang="en-US" altLang="zh-CN" sz="1400" b="1" u="sng">
-                <a:solidFill>
-                  <a:srgbClr val="FF0000"/>
-                </a:solidFill>
-                <a:effectLst>
-                  <a:outerShdw blurRad="38100" dist="25400" dir="5400000" algn="ctr" rotWithShape="0">
-                    <a:srgbClr val="6E747A">
-                      <a:alpha val="43000"/>
-                    </a:srgbClr>
-                  </a:outerShdw>
-                </a:effectLst>
-              </a:rPr>
-              <a:t>isLinXu</a:t>
-            </a:r>
-            <a:endParaRPr lang="en-US" altLang="zh-CN" sz="1400" b="1" u="sng">
-              <a:solidFill>
-                <a:srgbClr val="FF0000"/>
-              </a:solidFill>
               <a:effectLst>
                 <a:outerShdw blurRad="38100" dist="25400" dir="5400000" algn="ctr" rotWithShape="0">
                   <a:srgbClr val="6E747A">
